--- a/resources/slide/Adversarial Training Methods For Semi-Supervised Text Classification_20190311_ChangWookJun.pptx
+++ b/resources/slide/Adversarial Training Methods For Semi-Supervised Text Classification_20190311_ChangWookJun.pptx
@@ -4,6 +4,9 @@
   <p:sldMasterIdLst>
     <p:sldMasterId id="2147483648" r:id="rId1"/>
   </p:sldMasterIdLst>
+  <p:notesMasterIdLst>
+    <p:notesMasterId r:id="rId29"/>
+  </p:notesMasterIdLst>
   <p:sldIdLst>
     <p:sldId id="256" r:id="rId2"/>
     <p:sldId id="257" r:id="rId3"/>
@@ -25,6 +28,13 @@
     <p:sldId id="271" r:id="rId19"/>
     <p:sldId id="275" r:id="rId20"/>
     <p:sldId id="266" r:id="rId21"/>
+    <p:sldId id="276" r:id="rId22"/>
+    <p:sldId id="277" r:id="rId23"/>
+    <p:sldId id="278" r:id="rId24"/>
+    <p:sldId id="279" r:id="rId25"/>
+    <p:sldId id="280" r:id="rId26"/>
+    <p:sldId id="281" r:id="rId27"/>
+    <p:sldId id="282" r:id="rId28"/>
   </p:sldIdLst>
   <p:sldSz cx="12192000" cy="6858000"/>
   <p:notesSz cx="6858000" cy="9144000"/>
@@ -131,6 +141,498 @@
 </p:presentation>
 </file>
 
+<file path=ppt/notesMasters/notesMaster1.xml><?xml version="1.0" encoding="utf-8"?>
+<p:notesMaster xmlns:a="http://schemas.openxmlformats.org/drawingml/2006/main" xmlns:r="http://schemas.openxmlformats.org/officeDocument/2006/relationships" xmlns:p="http://schemas.openxmlformats.org/presentationml/2006/main">
+  <p:cSld>
+    <p:bg>
+      <p:bgRef idx="1001">
+        <a:schemeClr val="bg1"/>
+      </p:bgRef>
+    </p:bg>
+    <p:spTree>
+      <p:nvGrpSpPr>
+        <p:cNvPr id="1" name=""/>
+        <p:cNvGrpSpPr/>
+        <p:nvPr/>
+      </p:nvGrpSpPr>
+      <p:grpSpPr>
+        <a:xfrm>
+          <a:off x="0" y="0"/>
+          <a:ext cx="0" cy="0"/>
+          <a:chOff x="0" y="0"/>
+          <a:chExt cx="0" cy="0"/>
+        </a:xfrm>
+      </p:grpSpPr>
+      <p:sp>
+        <p:nvSpPr>
+          <p:cNvPr id="2" name="머리글 개체 틀 1"/>
+          <p:cNvSpPr>
+            <a:spLocks noGrp="1"/>
+          </p:cNvSpPr>
+          <p:nvPr>
+            <p:ph type="hdr" sz="quarter"/>
+          </p:nvPr>
+        </p:nvSpPr>
+        <p:spPr>
+          <a:xfrm>
+            <a:off x="0" y="0"/>
+            <a:ext cx="2971800" cy="458788"/>
+          </a:xfrm>
+          <a:prstGeom prst="rect">
+            <a:avLst/>
+          </a:prstGeom>
+        </p:spPr>
+        <p:txBody>
+          <a:bodyPr vert="horz" lIns="91440" tIns="45720" rIns="91440" bIns="45720" rtlCol="0"/>
+          <a:lstStyle>
+            <a:lvl1pPr algn="l">
+              <a:defRPr sz="1200"/>
+            </a:lvl1pPr>
+          </a:lstStyle>
+          <a:p>
+            <a:endParaRPr kumimoji="1" lang="ko-KR" altLang="en-US"/>
+          </a:p>
+        </p:txBody>
+      </p:sp>
+      <p:sp>
+        <p:nvSpPr>
+          <p:cNvPr id="3" name="날짜 개체 틀 2"/>
+          <p:cNvSpPr>
+            <a:spLocks noGrp="1"/>
+          </p:cNvSpPr>
+          <p:nvPr>
+            <p:ph type="dt" idx="1"/>
+          </p:nvPr>
+        </p:nvSpPr>
+        <p:spPr>
+          <a:xfrm>
+            <a:off x="3884613" y="0"/>
+            <a:ext cx="2971800" cy="458788"/>
+          </a:xfrm>
+          <a:prstGeom prst="rect">
+            <a:avLst/>
+          </a:prstGeom>
+        </p:spPr>
+        <p:txBody>
+          <a:bodyPr vert="horz" lIns="91440" tIns="45720" rIns="91440" bIns="45720" rtlCol="0"/>
+          <a:lstStyle>
+            <a:lvl1pPr algn="r">
+              <a:defRPr sz="1200"/>
+            </a:lvl1pPr>
+          </a:lstStyle>
+          <a:p>
+            <a:fld id="{9C1390A0-B801-424E-A8E1-555FFA79AE9A}" type="datetimeFigureOut">
+              <a:rPr kumimoji="1" lang="ko-KR" altLang="en-US" smtClean="0"/>
+              <a:t>2019. 3. 18.</a:t>
+            </a:fld>
+            <a:endParaRPr kumimoji="1" lang="ko-KR" altLang="en-US"/>
+          </a:p>
+        </p:txBody>
+      </p:sp>
+      <p:sp>
+        <p:nvSpPr>
+          <p:cNvPr id="4" name="슬라이드 이미지 개체 틀 3"/>
+          <p:cNvSpPr>
+            <a:spLocks noGrp="1" noRot="1" noChangeAspect="1"/>
+          </p:cNvSpPr>
+          <p:nvPr>
+            <p:ph type="sldImg" idx="2"/>
+          </p:nvPr>
+        </p:nvSpPr>
+        <p:spPr>
+          <a:xfrm>
+            <a:off x="685800" y="1143000"/>
+            <a:ext cx="5486400" cy="3086100"/>
+          </a:xfrm>
+          <a:prstGeom prst="rect">
+            <a:avLst/>
+          </a:prstGeom>
+          <a:noFill/>
+          <a:ln w="12700">
+            <a:solidFill>
+              <a:prstClr val="black"/>
+            </a:solidFill>
+          </a:ln>
+        </p:spPr>
+        <p:txBody>
+          <a:bodyPr vert="horz" lIns="91440" tIns="45720" rIns="91440" bIns="45720" rtlCol="0" anchor="ctr"/>
+          <a:lstStyle/>
+          <a:p>
+            <a:endParaRPr lang="ko-KR" altLang="en-US"/>
+          </a:p>
+        </p:txBody>
+      </p:sp>
+      <p:sp>
+        <p:nvSpPr>
+          <p:cNvPr id="5" name="슬라이드 노트 개체 틀 4"/>
+          <p:cNvSpPr>
+            <a:spLocks noGrp="1"/>
+          </p:cNvSpPr>
+          <p:nvPr>
+            <p:ph type="body" sz="quarter" idx="3"/>
+          </p:nvPr>
+        </p:nvSpPr>
+        <p:spPr>
+          <a:xfrm>
+            <a:off x="685800" y="4400550"/>
+            <a:ext cx="5486400" cy="3600450"/>
+          </a:xfrm>
+          <a:prstGeom prst="rect">
+            <a:avLst/>
+          </a:prstGeom>
+        </p:spPr>
+        <p:txBody>
+          <a:bodyPr vert="horz" lIns="91440" tIns="45720" rIns="91440" bIns="45720" rtlCol="0"/>
+          <a:lstStyle/>
+          <a:p>
+            <a:r>
+              <a:rPr kumimoji="1" lang="ko-KR" altLang="en-US"/>
+              <a:t>마스터 텍스트 스타일 편집
+둘째 수준
+셋째 수준
+넷째 수준
+다섯째 수준</a:t>
+            </a:r>
+          </a:p>
+        </p:txBody>
+      </p:sp>
+      <p:sp>
+        <p:nvSpPr>
+          <p:cNvPr id="6" name="바닥글 개체 틀 5"/>
+          <p:cNvSpPr>
+            <a:spLocks noGrp="1"/>
+          </p:cNvSpPr>
+          <p:nvPr>
+            <p:ph type="ftr" sz="quarter" idx="4"/>
+          </p:nvPr>
+        </p:nvSpPr>
+        <p:spPr>
+          <a:xfrm>
+            <a:off x="0" y="8685213"/>
+            <a:ext cx="2971800" cy="458787"/>
+          </a:xfrm>
+          <a:prstGeom prst="rect">
+            <a:avLst/>
+          </a:prstGeom>
+        </p:spPr>
+        <p:txBody>
+          <a:bodyPr vert="horz" lIns="91440" tIns="45720" rIns="91440" bIns="45720" rtlCol="0" anchor="b"/>
+          <a:lstStyle>
+            <a:lvl1pPr algn="l">
+              <a:defRPr sz="1200"/>
+            </a:lvl1pPr>
+          </a:lstStyle>
+          <a:p>
+            <a:endParaRPr kumimoji="1" lang="ko-KR" altLang="en-US"/>
+          </a:p>
+        </p:txBody>
+      </p:sp>
+      <p:sp>
+        <p:nvSpPr>
+          <p:cNvPr id="7" name="슬라이드 번호 개체 틀 6"/>
+          <p:cNvSpPr>
+            <a:spLocks noGrp="1"/>
+          </p:cNvSpPr>
+          <p:nvPr>
+            <p:ph type="sldNum" sz="quarter" idx="5"/>
+          </p:nvPr>
+        </p:nvSpPr>
+        <p:spPr>
+          <a:xfrm>
+            <a:off x="3884613" y="8685213"/>
+            <a:ext cx="2971800" cy="458787"/>
+          </a:xfrm>
+          <a:prstGeom prst="rect">
+            <a:avLst/>
+          </a:prstGeom>
+        </p:spPr>
+        <p:txBody>
+          <a:bodyPr vert="horz" lIns="91440" tIns="45720" rIns="91440" bIns="45720" rtlCol="0" anchor="b"/>
+          <a:lstStyle>
+            <a:lvl1pPr algn="r">
+              <a:defRPr sz="1200"/>
+            </a:lvl1pPr>
+          </a:lstStyle>
+          <a:p>
+            <a:fld id="{8961BD5C-01FD-FE44-9240-A98491671432}" type="slidenum">
+              <a:rPr kumimoji="1" lang="ko-KR" altLang="en-US" smtClean="0"/>
+              <a:t>‹#›</a:t>
+            </a:fld>
+            <a:endParaRPr kumimoji="1" lang="ko-KR" altLang="en-US"/>
+          </a:p>
+        </p:txBody>
+      </p:sp>
+    </p:spTree>
+    <p:extLst>
+      <p:ext uri="{BB962C8B-B14F-4D97-AF65-F5344CB8AC3E}">
+        <p14:creationId xmlns:p14="http://schemas.microsoft.com/office/powerpoint/2010/main" val="1573099"/>
+      </p:ext>
+    </p:extLst>
+  </p:cSld>
+  <p:clrMap bg1="lt1" tx1="dk1" bg2="lt2" tx2="dk2" accent1="accent1" accent2="accent2" accent3="accent3" accent4="accent4" accent5="accent5" accent6="accent6" hlink="hlink" folHlink="folHlink"/>
+  <p:notesStyle>
+    <a:lvl1pPr marL="0" algn="l" defTabSz="914400" rtl="0" eaLnBrk="1" latinLnBrk="1" hangingPunct="1">
+      <a:defRPr sz="1200" kern="1200">
+        <a:solidFill>
+          <a:schemeClr val="tx1"/>
+        </a:solidFill>
+        <a:latin typeface="+mn-lt"/>
+        <a:ea typeface="+mn-ea"/>
+        <a:cs typeface="+mn-cs"/>
+      </a:defRPr>
+    </a:lvl1pPr>
+    <a:lvl2pPr marL="457200" algn="l" defTabSz="914400" rtl="0" eaLnBrk="1" latinLnBrk="1" hangingPunct="1">
+      <a:defRPr sz="1200" kern="1200">
+        <a:solidFill>
+          <a:schemeClr val="tx1"/>
+        </a:solidFill>
+        <a:latin typeface="+mn-lt"/>
+        <a:ea typeface="+mn-ea"/>
+        <a:cs typeface="+mn-cs"/>
+      </a:defRPr>
+    </a:lvl2pPr>
+    <a:lvl3pPr marL="914400" algn="l" defTabSz="914400" rtl="0" eaLnBrk="1" latinLnBrk="1" hangingPunct="1">
+      <a:defRPr sz="1200" kern="1200">
+        <a:solidFill>
+          <a:schemeClr val="tx1"/>
+        </a:solidFill>
+        <a:latin typeface="+mn-lt"/>
+        <a:ea typeface="+mn-ea"/>
+        <a:cs typeface="+mn-cs"/>
+      </a:defRPr>
+    </a:lvl3pPr>
+    <a:lvl4pPr marL="1371600" algn="l" defTabSz="914400" rtl="0" eaLnBrk="1" latinLnBrk="1" hangingPunct="1">
+      <a:defRPr sz="1200" kern="1200">
+        <a:solidFill>
+          <a:schemeClr val="tx1"/>
+        </a:solidFill>
+        <a:latin typeface="+mn-lt"/>
+        <a:ea typeface="+mn-ea"/>
+        <a:cs typeface="+mn-cs"/>
+      </a:defRPr>
+    </a:lvl4pPr>
+    <a:lvl5pPr marL="1828800" algn="l" defTabSz="914400" rtl="0" eaLnBrk="1" latinLnBrk="1" hangingPunct="1">
+      <a:defRPr sz="1200" kern="1200">
+        <a:solidFill>
+          <a:schemeClr val="tx1"/>
+        </a:solidFill>
+        <a:latin typeface="+mn-lt"/>
+        <a:ea typeface="+mn-ea"/>
+        <a:cs typeface="+mn-cs"/>
+      </a:defRPr>
+    </a:lvl5pPr>
+    <a:lvl6pPr marL="2286000" algn="l" defTabSz="914400" rtl="0" eaLnBrk="1" latinLnBrk="1" hangingPunct="1">
+      <a:defRPr sz="1200" kern="1200">
+        <a:solidFill>
+          <a:schemeClr val="tx1"/>
+        </a:solidFill>
+        <a:latin typeface="+mn-lt"/>
+        <a:ea typeface="+mn-ea"/>
+        <a:cs typeface="+mn-cs"/>
+      </a:defRPr>
+    </a:lvl6pPr>
+    <a:lvl7pPr marL="2743200" algn="l" defTabSz="914400" rtl="0" eaLnBrk="1" latinLnBrk="1" hangingPunct="1">
+      <a:defRPr sz="1200" kern="1200">
+        <a:solidFill>
+          <a:schemeClr val="tx1"/>
+        </a:solidFill>
+        <a:latin typeface="+mn-lt"/>
+        <a:ea typeface="+mn-ea"/>
+        <a:cs typeface="+mn-cs"/>
+      </a:defRPr>
+    </a:lvl7pPr>
+    <a:lvl8pPr marL="3200400" algn="l" defTabSz="914400" rtl="0" eaLnBrk="1" latinLnBrk="1" hangingPunct="1">
+      <a:defRPr sz="1200" kern="1200">
+        <a:solidFill>
+          <a:schemeClr val="tx1"/>
+        </a:solidFill>
+        <a:latin typeface="+mn-lt"/>
+        <a:ea typeface="+mn-ea"/>
+        <a:cs typeface="+mn-cs"/>
+      </a:defRPr>
+    </a:lvl8pPr>
+    <a:lvl9pPr marL="3657600" algn="l" defTabSz="914400" rtl="0" eaLnBrk="1" latinLnBrk="1" hangingPunct="1">
+      <a:defRPr sz="1200" kern="1200">
+        <a:solidFill>
+          <a:schemeClr val="tx1"/>
+        </a:solidFill>
+        <a:latin typeface="+mn-lt"/>
+        <a:ea typeface="+mn-ea"/>
+        <a:cs typeface="+mn-cs"/>
+      </a:defRPr>
+    </a:lvl9pPr>
+  </p:notesStyle>
+</p:notesMaster>
+</file>
+
+<file path=ppt/notesSlides/notesSlide1.xml><?xml version="1.0" encoding="utf-8"?>
+<p:notes xmlns:a="http://schemas.openxmlformats.org/drawingml/2006/main" xmlns:r="http://schemas.openxmlformats.org/officeDocument/2006/relationships" xmlns:p="http://schemas.openxmlformats.org/presentationml/2006/main">
+  <p:cSld>
+    <p:spTree>
+      <p:nvGrpSpPr>
+        <p:cNvPr id="1" name=""/>
+        <p:cNvGrpSpPr/>
+        <p:nvPr/>
+      </p:nvGrpSpPr>
+      <p:grpSpPr>
+        <a:xfrm>
+          <a:off x="0" y="0"/>
+          <a:ext cx="0" cy="0"/>
+          <a:chOff x="0" y="0"/>
+          <a:chExt cx="0" cy="0"/>
+        </a:xfrm>
+      </p:grpSpPr>
+      <p:sp>
+        <p:nvSpPr>
+          <p:cNvPr id="2" name="슬라이드 이미지 개체 틀 1"/>
+          <p:cNvSpPr>
+            <a:spLocks noGrp="1" noRot="1" noChangeAspect="1"/>
+          </p:cNvSpPr>
+          <p:nvPr>
+            <p:ph type="sldImg"/>
+          </p:nvPr>
+        </p:nvSpPr>
+        <p:spPr/>
+      </p:sp>
+      <p:sp>
+        <p:nvSpPr>
+          <p:cNvPr id="3" name="슬라이드 노트 개체 틀 2"/>
+          <p:cNvSpPr>
+            <a:spLocks noGrp="1"/>
+          </p:cNvSpPr>
+          <p:nvPr>
+            <p:ph type="body" idx="1"/>
+          </p:nvPr>
+        </p:nvSpPr>
+        <p:spPr/>
+        <p:txBody>
+          <a:bodyPr/>
+          <a:lstStyle/>
+          <a:p>
+            <a:endParaRPr kumimoji="1" lang="ko-KR" altLang="en-US" dirty="0"/>
+          </a:p>
+        </p:txBody>
+      </p:sp>
+      <p:sp>
+        <p:nvSpPr>
+          <p:cNvPr id="4" name="슬라이드 번호 개체 틀 3"/>
+          <p:cNvSpPr>
+            <a:spLocks noGrp="1"/>
+          </p:cNvSpPr>
+          <p:nvPr>
+            <p:ph type="sldNum" sz="quarter" idx="5"/>
+          </p:nvPr>
+        </p:nvSpPr>
+        <p:spPr/>
+        <p:txBody>
+          <a:bodyPr/>
+          <a:lstStyle/>
+          <a:p>
+            <a:fld id="{8961BD5C-01FD-FE44-9240-A98491671432}" type="slidenum">
+              <a:rPr kumimoji="1" lang="ko-KR" altLang="en-US" smtClean="0"/>
+              <a:t>26</a:t>
+            </a:fld>
+            <a:endParaRPr kumimoji="1" lang="ko-KR" altLang="en-US"/>
+          </a:p>
+        </p:txBody>
+      </p:sp>
+    </p:spTree>
+    <p:extLst>
+      <p:ext uri="{BB962C8B-B14F-4D97-AF65-F5344CB8AC3E}">
+        <p14:creationId xmlns:p14="http://schemas.microsoft.com/office/powerpoint/2010/main" val="2851331271"/>
+      </p:ext>
+    </p:extLst>
+  </p:cSld>
+  <p:clrMapOvr>
+    <a:masterClrMapping/>
+  </p:clrMapOvr>
+</p:notes>
+</file>
+
+<file path=ppt/notesSlides/notesSlide2.xml><?xml version="1.0" encoding="utf-8"?>
+<p:notes xmlns:a="http://schemas.openxmlformats.org/drawingml/2006/main" xmlns:r="http://schemas.openxmlformats.org/officeDocument/2006/relationships" xmlns:p="http://schemas.openxmlformats.org/presentationml/2006/main">
+  <p:cSld>
+    <p:spTree>
+      <p:nvGrpSpPr>
+        <p:cNvPr id="1" name=""/>
+        <p:cNvGrpSpPr/>
+        <p:nvPr/>
+      </p:nvGrpSpPr>
+      <p:grpSpPr>
+        <a:xfrm>
+          <a:off x="0" y="0"/>
+          <a:ext cx="0" cy="0"/>
+          <a:chOff x="0" y="0"/>
+          <a:chExt cx="0" cy="0"/>
+        </a:xfrm>
+      </p:grpSpPr>
+      <p:sp>
+        <p:nvSpPr>
+          <p:cNvPr id="2" name="슬라이드 이미지 개체 틀 1"/>
+          <p:cNvSpPr>
+            <a:spLocks noGrp="1" noRot="1" noChangeAspect="1"/>
+          </p:cNvSpPr>
+          <p:nvPr>
+            <p:ph type="sldImg"/>
+          </p:nvPr>
+        </p:nvSpPr>
+        <p:spPr/>
+      </p:sp>
+      <p:sp>
+        <p:nvSpPr>
+          <p:cNvPr id="3" name="슬라이드 노트 개체 틀 2"/>
+          <p:cNvSpPr>
+            <a:spLocks noGrp="1"/>
+          </p:cNvSpPr>
+          <p:nvPr>
+            <p:ph type="body" idx="1"/>
+          </p:nvPr>
+        </p:nvSpPr>
+        <p:spPr/>
+        <p:txBody>
+          <a:bodyPr/>
+          <a:lstStyle/>
+          <a:p>
+            <a:endParaRPr kumimoji="1" lang="ko-KR" altLang="en-US" dirty="0"/>
+          </a:p>
+        </p:txBody>
+      </p:sp>
+      <p:sp>
+        <p:nvSpPr>
+          <p:cNvPr id="4" name="슬라이드 번호 개체 틀 3"/>
+          <p:cNvSpPr>
+            <a:spLocks noGrp="1"/>
+          </p:cNvSpPr>
+          <p:nvPr>
+            <p:ph type="sldNum" sz="quarter" idx="5"/>
+          </p:nvPr>
+        </p:nvSpPr>
+        <p:spPr/>
+        <p:txBody>
+          <a:bodyPr/>
+          <a:lstStyle/>
+          <a:p>
+            <a:fld id="{8961BD5C-01FD-FE44-9240-A98491671432}" type="slidenum">
+              <a:rPr kumimoji="1" lang="ko-KR" altLang="en-US" smtClean="0"/>
+              <a:t>27</a:t>
+            </a:fld>
+            <a:endParaRPr kumimoji="1" lang="ko-KR" altLang="en-US"/>
+          </a:p>
+        </p:txBody>
+      </p:sp>
+    </p:spTree>
+    <p:extLst>
+      <p:ext uri="{BB962C8B-B14F-4D97-AF65-F5344CB8AC3E}">
+        <p14:creationId xmlns:p14="http://schemas.microsoft.com/office/powerpoint/2010/main" val="545663468"/>
+      </p:ext>
+    </p:extLst>
+  </p:cSld>
+  <p:clrMapOvr>
+    <a:masterClrMapping/>
+  </p:clrMapOvr>
+</p:notes>
+</file>
+
 <file path=ppt/slideLayouts/slideLayout1.xml><?xml version="1.0" encoding="utf-8"?>
 <p:sldLayout xmlns:a="http://schemas.openxmlformats.org/drawingml/2006/main" xmlns:r="http://schemas.openxmlformats.org/officeDocument/2006/relationships" xmlns:p="http://schemas.openxmlformats.org/presentationml/2006/main" type="title" preserve="1">
   <p:cSld name="제목 슬라이드">
@@ -278,7 +780,7 @@
           <a:p>
             <a:fld id="{9F330A17-6082-B049-97F9-A632412803EE}" type="datetimeFigureOut">
               <a:rPr kumimoji="1" lang="ko-KR" altLang="en-US" smtClean="0"/>
-              <a:t>2019. 3. 11.</a:t>
+              <a:t>2019. 3. 18.</a:t>
             </a:fld>
             <a:endParaRPr kumimoji="1" lang="ko-KR" altLang="en-US"/>
           </a:p>
@@ -451,7 +953,7 @@
           <a:p>
             <a:fld id="{9F330A17-6082-B049-97F9-A632412803EE}" type="datetimeFigureOut">
               <a:rPr kumimoji="1" lang="ko-KR" altLang="en-US" smtClean="0"/>
-              <a:t>2019. 3. 11.</a:t>
+              <a:t>2019. 3. 18.</a:t>
             </a:fld>
             <a:endParaRPr kumimoji="1" lang="ko-KR" altLang="en-US"/>
           </a:p>
@@ -634,7 +1136,7 @@
           <a:p>
             <a:fld id="{9F330A17-6082-B049-97F9-A632412803EE}" type="datetimeFigureOut">
               <a:rPr kumimoji="1" lang="ko-KR" altLang="en-US" smtClean="0"/>
-              <a:t>2019. 3. 11.</a:t>
+              <a:t>2019. 3. 18.</a:t>
             </a:fld>
             <a:endParaRPr kumimoji="1" lang="ko-KR" altLang="en-US"/>
           </a:p>
@@ -807,7 +1309,7 @@
           <a:p>
             <a:fld id="{9F330A17-6082-B049-97F9-A632412803EE}" type="datetimeFigureOut">
               <a:rPr kumimoji="1" lang="ko-KR" altLang="en-US" smtClean="0"/>
-              <a:t>2019. 3. 11.</a:t>
+              <a:t>2019. 3. 18.</a:t>
             </a:fld>
             <a:endParaRPr kumimoji="1" lang="ko-KR" altLang="en-US"/>
           </a:p>
@@ -1085,7 +1587,7 @@
           <a:p>
             <a:fld id="{9F330A17-6082-B049-97F9-A632412803EE}" type="datetimeFigureOut">
               <a:rPr kumimoji="1" lang="ko-KR" altLang="en-US" smtClean="0"/>
-              <a:t>2019. 3. 11.</a:t>
+              <a:t>2019. 3. 18.</a:t>
             </a:fld>
             <a:endParaRPr kumimoji="1" lang="ko-KR" altLang="en-US"/>
           </a:p>
@@ -1300,7 +1802,7 @@
           <a:p>
             <a:fld id="{9F330A17-6082-B049-97F9-A632412803EE}" type="datetimeFigureOut">
               <a:rPr kumimoji="1" lang="ko-KR" altLang="en-US" smtClean="0"/>
-              <a:t>2019. 3. 11.</a:t>
+              <a:t>2019. 3. 18.</a:t>
             </a:fld>
             <a:endParaRPr kumimoji="1" lang="ko-KR" altLang="en-US"/>
           </a:p>
@@ -1668,7 +2170,7 @@
           <a:p>
             <a:fld id="{9F330A17-6082-B049-97F9-A632412803EE}" type="datetimeFigureOut">
               <a:rPr kumimoji="1" lang="ko-KR" altLang="en-US" smtClean="0"/>
-              <a:t>2019. 3. 11.</a:t>
+              <a:t>2019. 3. 18.</a:t>
             </a:fld>
             <a:endParaRPr kumimoji="1" lang="ko-KR" altLang="en-US"/>
           </a:p>
@@ -1809,7 +2311,7 @@
           <a:p>
             <a:fld id="{9F330A17-6082-B049-97F9-A632412803EE}" type="datetimeFigureOut">
               <a:rPr kumimoji="1" lang="ko-KR" altLang="en-US" smtClean="0"/>
-              <a:t>2019. 3. 11.</a:t>
+              <a:t>2019. 3. 18.</a:t>
             </a:fld>
             <a:endParaRPr kumimoji="1" lang="ko-KR" altLang="en-US"/>
           </a:p>
@@ -1922,7 +2424,7 @@
           <a:p>
             <a:fld id="{9F330A17-6082-B049-97F9-A632412803EE}" type="datetimeFigureOut">
               <a:rPr kumimoji="1" lang="ko-KR" altLang="en-US" smtClean="0"/>
-              <a:t>2019. 3. 11.</a:t>
+              <a:t>2019. 3. 18.</a:t>
             </a:fld>
             <a:endParaRPr kumimoji="1" lang="ko-KR" altLang="en-US"/>
           </a:p>
@@ -2211,7 +2713,7 @@
           <a:p>
             <a:fld id="{9F330A17-6082-B049-97F9-A632412803EE}" type="datetimeFigureOut">
               <a:rPr kumimoji="1" lang="ko-KR" altLang="en-US" smtClean="0"/>
-              <a:t>2019. 3. 11.</a:t>
+              <a:t>2019. 3. 18.</a:t>
             </a:fld>
             <a:endParaRPr kumimoji="1" lang="ko-KR" altLang="en-US"/>
           </a:p>
@@ -2502,7 +3004,7 @@
           <a:p>
             <a:fld id="{9F330A17-6082-B049-97F9-A632412803EE}" type="datetimeFigureOut">
               <a:rPr kumimoji="1" lang="ko-KR" altLang="en-US" smtClean="0"/>
-              <a:t>2019. 3. 11.</a:t>
+              <a:t>2019. 3. 18.</a:t>
             </a:fld>
             <a:endParaRPr kumimoji="1" lang="ko-KR" altLang="en-US"/>
           </a:p>
@@ -2718,7 +3220,7 @@
           <a:p>
             <a:fld id="{9F330A17-6082-B049-97F9-A632412803EE}" type="datetimeFigureOut">
               <a:rPr kumimoji="1" lang="ko-KR" altLang="en-US" smtClean="0"/>
-              <a:t>2019. 3. 11.</a:t>
+              <a:t>2019. 3. 18.</a:t>
             </a:fld>
             <a:endParaRPr kumimoji="1" lang="ko-KR" altLang="en-US"/>
           </a:p>
@@ -3607,21 +4109,7 @@
                 <a:effectLst/>
                 <a:latin typeface="medium-content-serif-font"/>
               </a:rPr>
-              <a:t>각 시간 단계에서 근사 된 </a:t>
-            </a:r>
-            <a:r>
-              <a:rPr lang="en-US" altLang="ko-KR" b="0" i="0" dirty="0">
-                <a:effectLst/>
-                <a:latin typeface="medium-content-serif-font"/>
-              </a:rPr>
-              <a:t>perturbations</a:t>
-            </a:r>
-            <a:r>
-              <a:rPr lang="ko-KR" altLang="en-US" b="0" i="0" dirty="0">
-                <a:effectLst/>
-                <a:latin typeface="medium-content-serif-font"/>
-              </a:rPr>
-              <a:t> </a:t>
+              <a:t>각 시간 단계에서 근사 된 섭동 </a:t>
             </a:r>
             <a:r>
               <a:rPr lang="en-US" altLang="ko-KR" b="0" i="0" dirty="0">
@@ -4209,9 +4697,6 @@
             </a:r>
             <a:r>
               <a:rPr lang="ko-KR" altLang="en-US" b="0" i="0" dirty="0" err="1">
-                <a:solidFill>
-                  <a:srgbClr val="FF0000"/>
-                </a:solidFill>
                 <a:effectLst/>
                 <a:latin typeface="medium-content-serif-font"/>
               </a:rPr>
@@ -4240,27 +4725,313 @@
             </a:r>
             <a:r>
               <a:rPr lang="en-US" altLang="ko-KR" b="0" i="0" dirty="0">
-                <a:solidFill>
-                  <a:srgbClr val="FF0000"/>
-                </a:solidFill>
-                <a:effectLst/>
-                <a:latin typeface="medium-content-serif-font"/>
-              </a:rPr>
-              <a:t>1024</a:t>
-            </a:r>
-            <a:r>
-              <a:rPr lang="en-US" altLang="ko-KR" b="0" i="0" dirty="0">
+                <a:effectLst/>
+                <a:latin typeface="medium-content-serif-font"/>
+              </a:rPr>
+              <a:t>1024 </a:t>
+            </a:r>
+            <a:r>
+              <a:rPr lang="ko-KR" altLang="en-US" b="0" i="0" dirty="0">
+                <a:effectLst/>
+                <a:latin typeface="medium-content-serif-font"/>
+              </a:rPr>
+              <a:t>개의 숨겨진 유닛과 함께 사용됩니다</a:t>
+            </a:r>
+            <a:r>
+              <a:rPr lang="en-US" altLang="ko-KR" b="0" i="0" dirty="0">
+                <a:effectLst/>
+                <a:latin typeface="medium-content-serif-font"/>
+              </a:rPr>
+              <a:t>. </a:t>
+            </a:r>
+            <a:r>
+              <a:rPr lang="ko-KR" altLang="en-US" b="0" i="0" dirty="0">
+                <a:effectLst/>
+                <a:latin typeface="medium-content-serif-font"/>
+              </a:rPr>
+              <a:t>워드 </a:t>
+            </a:r>
+            <a:r>
+              <a:rPr lang="ko-KR" altLang="en-US" b="0" i="0" dirty="0" err="1">
+                <a:effectLst/>
+                <a:latin typeface="medium-content-serif-font"/>
+              </a:rPr>
+              <a:t>임베딩은</a:t>
+            </a:r>
+            <a:r>
+              <a:rPr lang="ko-KR" altLang="en-US" b="0" i="0" dirty="0">
                 <a:effectLst/>
                 <a:latin typeface="medium-content-serif-font"/>
               </a:rPr>
               <a:t> </a:t>
             </a:r>
             <a:r>
-              <a:rPr lang="ko-KR" altLang="en-US" b="0" i="0" dirty="0">
-                <a:effectLst/>
-                <a:latin typeface="medium-content-serif-font"/>
-              </a:rPr>
-              <a:t>개의 숨겨진 유닛과 함께 사용됩니다</a:t>
+              <a:rPr lang="en-US" altLang="ko-KR" b="0" i="0" dirty="0">
+                <a:effectLst/>
+                <a:latin typeface="medium-content-serif-font"/>
+              </a:rPr>
+              <a:t>IMDB</a:t>
+            </a:r>
+            <a:r>
+              <a:rPr lang="ko-KR" altLang="en-US" b="0" i="0" dirty="0">
+                <a:effectLst/>
+                <a:latin typeface="medium-content-serif-font"/>
+              </a:rPr>
+              <a:t>에서 </a:t>
+            </a:r>
+            <a:r>
+              <a:rPr lang="en-US" altLang="ko-KR" b="0" i="0" dirty="0">
+                <a:effectLst/>
+                <a:latin typeface="medium-content-serif-font"/>
+              </a:rPr>
+              <a:t>256 </a:t>
+            </a:r>
+            <a:r>
+              <a:rPr lang="ko-KR" altLang="en-US" b="0" i="0" dirty="0">
+                <a:effectLst/>
+                <a:latin typeface="medium-content-serif-font"/>
+              </a:rPr>
+              <a:t>차원을</a:t>
+            </a:r>
+            <a:r>
+              <a:rPr lang="en-US" altLang="ko-KR" b="0" i="0" dirty="0">
+                <a:effectLst/>
+                <a:latin typeface="medium-content-serif-font"/>
+              </a:rPr>
+              <a:t>, </a:t>
+            </a:r>
+            <a:r>
+              <a:rPr lang="ko-KR" altLang="en-US" b="0" i="0" dirty="0">
+                <a:effectLst/>
+                <a:latin typeface="medium-content-serif-font"/>
+              </a:rPr>
+              <a:t>다른 데이터 집합에서 </a:t>
+            </a:r>
+            <a:r>
+              <a:rPr lang="en-US" altLang="ko-KR" b="0" i="0" dirty="0">
+                <a:effectLst/>
+                <a:latin typeface="medium-content-serif-font"/>
+              </a:rPr>
+              <a:t>512</a:t>
+            </a:r>
+            <a:r>
+              <a:rPr lang="ko-KR" altLang="en-US" b="0" i="0" dirty="0" err="1">
+                <a:effectLst/>
+                <a:latin typeface="medium-content-serif-font"/>
+              </a:rPr>
+              <a:t>를</a:t>
+            </a:r>
+            <a:r>
+              <a:rPr lang="ko-KR" altLang="en-US" b="0" i="0" dirty="0">
+                <a:effectLst/>
+                <a:latin typeface="medium-content-serif-font"/>
+              </a:rPr>
+              <a:t> 사용합니다</a:t>
+            </a:r>
+            <a:r>
+              <a:rPr lang="en-US" altLang="ko-KR" b="0" i="0" dirty="0">
+                <a:effectLst/>
+                <a:latin typeface="medium-content-serif-font"/>
+              </a:rPr>
+              <a:t>. </a:t>
+            </a:r>
+            <a:r>
+              <a:rPr lang="en-US" altLang="ko-KR" b="0" i="0" dirty="0" err="1">
+                <a:effectLst/>
+                <a:latin typeface="medium-content-serif-font"/>
+              </a:rPr>
+              <a:t>opimization</a:t>
+            </a:r>
+            <a:r>
+              <a:rPr lang="en-US" altLang="ko-KR" b="0" i="0" dirty="0">
+                <a:effectLst/>
+                <a:latin typeface="medium-content-serif-font"/>
+              </a:rPr>
+              <a:t> </a:t>
+            </a:r>
+            <a:r>
+              <a:rPr lang="ko-KR" altLang="en-US" b="0" i="0" dirty="0" err="1">
+                <a:effectLst/>
+                <a:latin typeface="medium-content-serif-font"/>
+              </a:rPr>
+              <a:t>프로세스에서이</a:t>
+            </a:r>
+            <a:r>
+              <a:rPr lang="ko-KR" altLang="en-US" b="0" i="0" dirty="0">
+                <a:effectLst/>
+                <a:latin typeface="medium-content-serif-font"/>
+              </a:rPr>
+              <a:t> 종이는 배치 크기 </a:t>
+            </a:r>
+            <a:r>
+              <a:rPr lang="en-US" altLang="ko-KR" b="0" i="0" dirty="0">
+                <a:effectLst/>
+                <a:latin typeface="medium-content-serif-font"/>
+              </a:rPr>
+              <a:t>256</a:t>
+            </a:r>
+            <a:r>
+              <a:rPr lang="ko-KR" altLang="en-US" b="0" i="0" dirty="0">
+                <a:effectLst/>
+                <a:latin typeface="medium-content-serif-font"/>
+              </a:rPr>
+              <a:t>의 </a:t>
+            </a:r>
+            <a:r>
+              <a:rPr lang="en-US" altLang="ko-KR" b="0" i="0" dirty="0">
+                <a:effectLst/>
+                <a:latin typeface="medium-content-serif-font"/>
+              </a:rPr>
+              <a:t>Adam </a:t>
+            </a:r>
+            <a:r>
+              <a:rPr lang="ko-KR" altLang="en-US" b="0" i="0" dirty="0">
+                <a:effectLst/>
+                <a:latin typeface="medium-content-serif-font"/>
+              </a:rPr>
+              <a:t>최적화 프로그램을 사용합니다</a:t>
+            </a:r>
+            <a:r>
+              <a:rPr lang="en-US" altLang="ko-KR" b="0" i="0" dirty="0">
+                <a:effectLst/>
+                <a:latin typeface="medium-content-serif-font"/>
+              </a:rPr>
+              <a:t>. </a:t>
+            </a:r>
+            <a:r>
+              <a:rPr lang="ko-KR" altLang="en-US" b="0" i="0" dirty="0">
+                <a:effectLst/>
+                <a:latin typeface="medium-content-serif-font"/>
+              </a:rPr>
+              <a:t>학습 속도는 </a:t>
+            </a:r>
+            <a:r>
+              <a:rPr lang="en-US" altLang="ko-KR" b="0" i="0" dirty="0">
+                <a:effectLst/>
+                <a:latin typeface="medium-content-serif-font"/>
+              </a:rPr>
+              <a:t>0.001</a:t>
+            </a:r>
+            <a:r>
+              <a:rPr lang="ko-KR" altLang="en-US" b="0" i="0" dirty="0">
+                <a:effectLst/>
+                <a:latin typeface="medium-content-serif-font"/>
+              </a:rPr>
+              <a:t>로 설정되며 각 학습 단계에서 학습 속도가 감소합니다 </a:t>
+            </a:r>
+            <a:r>
+              <a:rPr lang="en-US" altLang="ko-KR" b="0" i="0" dirty="0">
+                <a:effectLst/>
+                <a:latin typeface="medium-content-serif-font"/>
+              </a:rPr>
+              <a:t>0.9999</a:t>
+            </a:r>
+            <a:r>
+              <a:rPr lang="ko-KR" altLang="en-US" b="0" i="0" dirty="0">
+                <a:effectLst/>
+                <a:latin typeface="medium-content-serif-font"/>
+              </a:rPr>
+              <a:t>의 비율로</a:t>
+            </a:r>
+            <a:r>
+              <a:rPr lang="en-US" altLang="ko-KR" b="0" i="0" dirty="0">
+                <a:effectLst/>
+                <a:latin typeface="medium-content-serif-font"/>
+              </a:rPr>
+              <a:t>.</a:t>
+            </a:r>
+          </a:p>
+          <a:p>
+            <a:r>
+              <a:rPr lang="ko-KR" altLang="en-US" b="0" i="0" dirty="0">
+                <a:effectLst/>
+                <a:latin typeface="medium-content-serif-font"/>
+              </a:rPr>
+              <a:t>특히</a:t>
+            </a:r>
+            <a:r>
+              <a:rPr lang="en-US" altLang="ko-KR" b="0" i="0" dirty="0">
+                <a:effectLst/>
+                <a:latin typeface="medium-content-serif-font"/>
+              </a:rPr>
+              <a:t>, GPU</a:t>
+            </a:r>
+            <a:r>
+              <a:rPr lang="ko-KR" altLang="en-US" b="0" i="0" dirty="0">
+                <a:effectLst/>
+                <a:latin typeface="medium-content-serif-font"/>
+              </a:rPr>
+              <a:t>에서 모델의 </a:t>
+            </a:r>
+            <a:r>
+              <a:rPr lang="ko-KR" altLang="en-US" b="0" i="0" dirty="0" err="1">
+                <a:effectLst/>
+                <a:latin typeface="medium-content-serif-font"/>
+              </a:rPr>
+              <a:t>런닝</a:t>
+            </a:r>
+            <a:r>
+              <a:rPr lang="ko-KR" altLang="en-US" b="0" i="0" dirty="0">
+                <a:effectLst/>
+                <a:latin typeface="medium-content-serif-font"/>
+              </a:rPr>
+              <a:t> 속도를 높이기 </a:t>
+            </a:r>
+            <a:r>
+              <a:rPr lang="ko-KR" altLang="en-US" b="0" i="1" dirty="0" err="1">
+                <a:effectLst/>
+                <a:latin typeface="medium-content-serif-font"/>
+              </a:rPr>
+              <a:t>위해이</a:t>
+            </a:r>
+            <a:r>
+              <a:rPr lang="ko-KR" altLang="en-US" b="0" i="0" dirty="0">
+                <a:effectLst/>
+                <a:latin typeface="medium-content-serif-font"/>
+              </a:rPr>
+              <a:t> 논문에서는 시퀀스의 각 끝에서 최대 </a:t>
+            </a:r>
+            <a:r>
+              <a:rPr lang="en-US" altLang="ko-KR" b="0" i="0" dirty="0">
+                <a:effectLst/>
+                <a:latin typeface="medium-content-serif-font"/>
+              </a:rPr>
+              <a:t>400 </a:t>
+            </a:r>
+            <a:r>
+              <a:rPr lang="ko-KR" altLang="en-US" b="0" i="0" dirty="0">
+                <a:effectLst/>
+                <a:latin typeface="medium-content-serif-font"/>
+              </a:rPr>
+              <a:t>단어의 </a:t>
+            </a:r>
+            <a:r>
+              <a:rPr lang="ko-KR" altLang="en-US" b="0" i="1" dirty="0">
+                <a:effectLst/>
+                <a:latin typeface="medium-content-serif-font"/>
+              </a:rPr>
+              <a:t>잘린 역 전파</a:t>
+            </a:r>
+            <a:r>
+              <a:rPr lang="ko-KR" altLang="en-US" b="0" i="0" dirty="0">
+                <a:effectLst/>
+                <a:latin typeface="medium-content-serif-font"/>
+              </a:rPr>
+              <a:t> </a:t>
+            </a:r>
+            <a:r>
+              <a:rPr lang="ko-KR" altLang="en-US" b="0" i="0" dirty="0" err="1">
+                <a:effectLst/>
+                <a:latin typeface="medium-content-serif-font"/>
+              </a:rPr>
+              <a:t>를</a:t>
+            </a:r>
+            <a:r>
+              <a:rPr lang="ko-KR" altLang="en-US" b="0" i="0" dirty="0">
+                <a:effectLst/>
+                <a:latin typeface="medium-content-serif-font"/>
+              </a:rPr>
+              <a:t> 채택 합니다</a:t>
             </a:r>
             <a:r>
               <a:rPr lang="en-US" altLang="ko-KR" b="0" i="0" dirty="0">
@@ -4274,94 +5045,28 @@
                 <a:effectLst/>
                 <a:latin typeface="medium-content-serif-font"/>
               </a:rPr>
-              <a:t>워드 </a:t>
+              <a:t>본 논문에서는 정규화를 위해 단어 삽입 계층에서 드롭 아웃 비율을 </a:t>
+            </a:r>
+            <a:r>
+              <a:rPr lang="en-US" altLang="ko-KR" b="0" i="0" dirty="0">
+                <a:effectLst/>
+                <a:latin typeface="medium-content-serif-font"/>
+              </a:rPr>
+              <a:t>0.5</a:t>
             </a:r>
             <a:r>
               <a:rPr lang="ko-KR" altLang="en-US" b="0" i="0" dirty="0" err="1">
                 <a:effectLst/>
                 <a:latin typeface="medium-content-serif-font"/>
               </a:rPr>
-              <a:t>임베딩은</a:t>
-            </a:r>
-            <a:r>
-              <a:rPr lang="ko-KR" altLang="en-US" b="0" i="0" dirty="0">
-                <a:effectLst/>
-                <a:latin typeface="medium-content-serif-font"/>
-              </a:rPr>
-              <a:t> </a:t>
-            </a:r>
-            <a:r>
-              <a:rPr lang="en-US" altLang="ko-KR" b="0" i="0" dirty="0">
-                <a:effectLst/>
-                <a:latin typeface="medium-content-serif-font"/>
-              </a:rPr>
-              <a:t>IMDB</a:t>
-            </a:r>
-            <a:r>
-              <a:rPr lang="ko-KR" altLang="en-US" b="0" i="0" dirty="0">
-                <a:effectLst/>
-                <a:latin typeface="medium-content-serif-font"/>
-              </a:rPr>
-              <a:t>에서 </a:t>
-            </a:r>
-            <a:r>
-              <a:rPr lang="en-US" altLang="ko-KR" b="0" i="0" dirty="0">
-                <a:solidFill>
-                  <a:srgbClr val="FF0000"/>
-                </a:solidFill>
-                <a:effectLst/>
-                <a:latin typeface="medium-content-serif-font"/>
-              </a:rPr>
-              <a:t>256</a:t>
-            </a:r>
-            <a:r>
-              <a:rPr lang="en-US" altLang="ko-KR" b="0" i="0" dirty="0">
-                <a:effectLst/>
-                <a:latin typeface="medium-content-serif-font"/>
-              </a:rPr>
-              <a:t> </a:t>
-            </a:r>
-            <a:r>
-              <a:rPr lang="ko-KR" altLang="en-US" b="0" i="0" dirty="0">
-                <a:effectLst/>
-                <a:latin typeface="medium-content-serif-font"/>
-              </a:rPr>
-              <a:t>차원을</a:t>
-            </a:r>
-            <a:r>
-              <a:rPr lang="en-US" altLang="ko-KR" b="0" i="0" dirty="0">
-                <a:effectLst/>
-                <a:latin typeface="medium-content-serif-font"/>
-              </a:rPr>
-              <a:t>, </a:t>
-            </a:r>
-            <a:r>
-              <a:rPr lang="ko-KR" altLang="en-US" b="0" i="0" dirty="0">
-                <a:effectLst/>
-                <a:latin typeface="medium-content-serif-font"/>
-              </a:rPr>
-              <a:t>다른 데이터 집합에서 </a:t>
-            </a:r>
-            <a:r>
-              <a:rPr lang="en-US" altLang="ko-KR" b="0" i="0" dirty="0">
-                <a:effectLst/>
-                <a:latin typeface="medium-content-serif-font"/>
-              </a:rPr>
-              <a:t>512</a:t>
-            </a:r>
-            <a:r>
-              <a:rPr lang="ko-KR" altLang="en-US" b="0" i="0" dirty="0" err="1">
-                <a:effectLst/>
-                <a:latin typeface="medium-content-serif-font"/>
-              </a:rPr>
-              <a:t>를</a:t>
-            </a:r>
-            <a:r>
-              <a:rPr lang="ko-KR" altLang="en-US" b="0" i="0" dirty="0">
-                <a:effectLst/>
-                <a:latin typeface="medium-content-serif-font"/>
-              </a:rPr>
-              <a:t> 사용합니다</a:t>
+              <a:t>로하는</a:t>
+            </a:r>
+            <a:r>
+              <a:rPr lang="ko-KR" altLang="en-US" b="0" i="0" dirty="0">
+                <a:effectLst/>
+                <a:latin typeface="medium-content-serif-font"/>
+              </a:rPr>
+              <a:t> 드롭 아웃 방법을 채택했다</a:t>
             </a:r>
             <a:r>
               <a:rPr lang="en-US" altLang="ko-KR" b="0" i="0" dirty="0">
@@ -4371,280 +5076,11 @@
               <a:t>. </a:t>
             </a:r>
             <a:r>
-              <a:rPr lang="en-US" altLang="ko-KR" b="0" i="0" dirty="0" err="1">
-                <a:effectLst/>
-                <a:latin typeface="medium-content-serif-font"/>
-              </a:rPr>
-              <a:t>opimization</a:t>
-            </a:r>
-            <a:r>
-              <a:rPr lang="en-US" altLang="ko-KR" b="0" i="0" dirty="0">
-                <a:effectLst/>
-                <a:latin typeface="medium-content-serif-font"/>
-              </a:rPr>
-              <a:t> </a:t>
-            </a:r>
-            <a:r>
-              <a:rPr lang="ko-KR" altLang="en-US" b="0" i="0" dirty="0" err="1">
-                <a:effectLst/>
-                <a:latin typeface="medium-content-serif-font"/>
-              </a:rPr>
-              <a:t>프로세스에서이</a:t>
-            </a:r>
-            <a:r>
-              <a:rPr lang="ko-KR" altLang="en-US" b="0" i="0" dirty="0">
-                <a:effectLst/>
-                <a:latin typeface="medium-content-serif-font"/>
-              </a:rPr>
-              <a:t> 종이는 배치 크기 </a:t>
-            </a:r>
-            <a:r>
-              <a:rPr lang="en-US" altLang="ko-KR" b="0" i="0" dirty="0">
-                <a:solidFill>
-                  <a:srgbClr val="FF0000"/>
-                </a:solidFill>
-                <a:effectLst/>
-                <a:latin typeface="medium-content-serif-font"/>
-              </a:rPr>
-              <a:t>256</a:t>
-            </a:r>
-            <a:r>
-              <a:rPr lang="ko-KR" altLang="en-US" b="0" i="0" dirty="0">
-                <a:effectLst/>
-                <a:latin typeface="medium-content-serif-font"/>
-              </a:rPr>
-              <a:t>의 </a:t>
-            </a:r>
-            <a:r>
-              <a:rPr lang="en-US" altLang="ko-KR" b="0" i="0" dirty="0">
-                <a:effectLst/>
-                <a:latin typeface="medium-content-serif-font"/>
-              </a:rPr>
-              <a:t>Adam </a:t>
-            </a:r>
-            <a:r>
-              <a:rPr lang="ko-KR" altLang="en-US" b="0" i="0" dirty="0">
-                <a:effectLst/>
-                <a:latin typeface="medium-content-serif-font"/>
-              </a:rPr>
-              <a:t>최적화 프로그램을 사용합니다</a:t>
-            </a:r>
-            <a:r>
-              <a:rPr lang="en-US" altLang="ko-KR" b="0" i="0" dirty="0">
-                <a:effectLst/>
-                <a:latin typeface="medium-content-serif-font"/>
-              </a:rPr>
-              <a:t>. </a:t>
-            </a:r>
-            <a:r>
-              <a:rPr lang="ko-KR" altLang="en-US" b="0" i="0" dirty="0">
-                <a:effectLst/>
-                <a:latin typeface="medium-content-serif-font"/>
-              </a:rPr>
-              <a:t>학습 속도는 </a:t>
-            </a:r>
-            <a:r>
-              <a:rPr lang="en-US" altLang="ko-KR" b="0" i="0" dirty="0">
-                <a:solidFill>
-                  <a:srgbClr val="FF0000"/>
-                </a:solidFill>
-                <a:effectLst/>
-                <a:latin typeface="medium-content-serif-font"/>
-              </a:rPr>
-              <a:t>0.001</a:t>
-            </a:r>
-            <a:r>
-              <a:rPr lang="ko-KR" altLang="en-US" b="0" i="0" dirty="0">
-                <a:effectLst/>
-                <a:latin typeface="medium-content-serif-font"/>
-              </a:rPr>
-              <a:t>로 설정되며 각 학습 단계에서 학습 속도가 감소합니다 </a:t>
-            </a:r>
-            <a:r>
-              <a:rPr lang="en-US" altLang="ko-KR" b="0" i="0" dirty="0">
-                <a:solidFill>
-                  <a:srgbClr val="FF0000"/>
-                </a:solidFill>
-                <a:effectLst/>
-                <a:latin typeface="medium-content-serif-font"/>
-              </a:rPr>
-              <a:t>0.9999</a:t>
-            </a:r>
-            <a:r>
-              <a:rPr lang="ko-KR" altLang="en-US" b="0" i="0" dirty="0">
-                <a:effectLst/>
-                <a:latin typeface="medium-content-serif-font"/>
-              </a:rPr>
-              <a:t>의 비율로</a:t>
-            </a:r>
-            <a:r>
-              <a:rPr lang="en-US" altLang="ko-KR" b="0" i="0" dirty="0">
-                <a:effectLst/>
-                <a:latin typeface="medium-content-serif-font"/>
-              </a:rPr>
-              <a:t>.</a:t>
-            </a:r>
-          </a:p>
-          <a:p>
-            <a:r>
-              <a:rPr lang="ko-KR" altLang="en-US" b="0" i="0" dirty="0">
-                <a:effectLst/>
-                <a:latin typeface="medium-content-serif-font"/>
-              </a:rPr>
-              <a:t>특히</a:t>
-            </a:r>
-            <a:r>
-              <a:rPr lang="en-US" altLang="ko-KR" b="0" i="0" dirty="0">
-                <a:effectLst/>
-                <a:latin typeface="medium-content-serif-font"/>
-              </a:rPr>
-              <a:t>, GPU</a:t>
-            </a:r>
-            <a:r>
-              <a:rPr lang="ko-KR" altLang="en-US" b="0" i="0" dirty="0">
-                <a:effectLst/>
-                <a:latin typeface="medium-content-serif-font"/>
-              </a:rPr>
-              <a:t>에서 모델의 </a:t>
-            </a:r>
-            <a:r>
-              <a:rPr lang="ko-KR" altLang="en-US" b="0" i="0" dirty="0" err="1">
-                <a:effectLst/>
-                <a:latin typeface="medium-content-serif-font"/>
-              </a:rPr>
-              <a:t>런닝</a:t>
-            </a:r>
-            <a:r>
-              <a:rPr lang="ko-KR" altLang="en-US" b="0" i="0" dirty="0">
-                <a:effectLst/>
-                <a:latin typeface="medium-content-serif-font"/>
-              </a:rPr>
-              <a:t> 속도를 높이기 </a:t>
-            </a:r>
-            <a:r>
-              <a:rPr lang="ko-KR" altLang="en-US" b="0" i="1" dirty="0" err="1">
-                <a:effectLst/>
-                <a:latin typeface="medium-content-serif-font"/>
-              </a:rPr>
-              <a:t>위해이</a:t>
-            </a:r>
-            <a:r>
-              <a:rPr lang="ko-KR" altLang="en-US" b="0" i="0" dirty="0">
-                <a:effectLst/>
-                <a:latin typeface="medium-content-serif-font"/>
-              </a:rPr>
-              <a:t> 논문에서는 시퀀스의 각 끝에서 최대 </a:t>
-            </a:r>
-            <a:r>
-              <a:rPr lang="en-US" altLang="ko-KR" b="0" i="0" dirty="0">
-                <a:solidFill>
-                  <a:srgbClr val="FF0000"/>
-                </a:solidFill>
-                <a:effectLst/>
-                <a:latin typeface="medium-content-serif-font"/>
-              </a:rPr>
-              <a:t>400</a:t>
-            </a:r>
-            <a:r>
-              <a:rPr lang="en-US" altLang="ko-KR" b="0" i="0" dirty="0">
-                <a:effectLst/>
-                <a:latin typeface="medium-content-serif-font"/>
-              </a:rPr>
-              <a:t> </a:t>
-            </a:r>
-            <a:r>
-              <a:rPr lang="ko-KR" altLang="en-US" b="0" i="0" dirty="0">
-                <a:effectLst/>
-                <a:latin typeface="medium-content-serif-font"/>
-              </a:rPr>
-              <a:t>단어의 </a:t>
-            </a:r>
-            <a:r>
-              <a:rPr lang="ko-KR" altLang="en-US" b="0" i="1" dirty="0">
-                <a:effectLst/>
-                <a:latin typeface="medium-content-serif-font"/>
-              </a:rPr>
-              <a:t>잘린 역 전파</a:t>
-            </a:r>
-            <a:r>
-              <a:rPr lang="ko-KR" altLang="en-US" b="0" i="0" dirty="0">
-                <a:effectLst/>
-                <a:latin typeface="medium-content-serif-font"/>
-              </a:rPr>
-              <a:t> </a:t>
-            </a:r>
-            <a:r>
-              <a:rPr lang="ko-KR" altLang="en-US" b="0" i="0" dirty="0" err="1">
-                <a:effectLst/>
-                <a:latin typeface="medium-content-serif-font"/>
-              </a:rPr>
-              <a:t>를</a:t>
-            </a:r>
-            <a:r>
-              <a:rPr lang="ko-KR" altLang="en-US" b="0" i="0" dirty="0">
-                <a:effectLst/>
-                <a:latin typeface="medium-content-serif-font"/>
-              </a:rPr>
-              <a:t> 채택 합니다</a:t>
-            </a:r>
-            <a:r>
-              <a:rPr lang="en-US" altLang="ko-KR" b="0" i="0" dirty="0">
-                <a:effectLst/>
-                <a:latin typeface="medium-content-serif-font"/>
-              </a:rPr>
-              <a:t>. </a:t>
-            </a:r>
-            <a:r>
-              <a:rPr lang="ko-KR" altLang="en-US" b="0" i="0" dirty="0">
-                <a:effectLst/>
-                <a:latin typeface="medium-content-serif-font"/>
-              </a:rPr>
-              <a:t>본 논문에서는 정규화를 위해 단어 삽입 계층에서 드롭 아웃 비율을 </a:t>
-            </a:r>
-            <a:r>
-              <a:rPr lang="en-US" altLang="ko-KR" b="0" i="0" dirty="0">
-                <a:effectLst/>
-                <a:latin typeface="medium-content-serif-font"/>
-              </a:rPr>
-              <a:t>0.5</a:t>
-            </a:r>
-            <a:r>
-              <a:rPr lang="ko-KR" altLang="en-US" b="0" i="0" dirty="0" err="1">
-                <a:effectLst/>
-                <a:latin typeface="medium-content-serif-font"/>
-              </a:rPr>
-              <a:t>로하는</a:t>
-            </a:r>
-            <a:r>
-              <a:rPr lang="ko-KR" altLang="en-US" b="0" i="0" dirty="0">
-                <a:effectLst/>
-                <a:latin typeface="medium-content-serif-font"/>
-              </a:rPr>
-              <a:t> 드롭 아웃 방법을 채택했다</a:t>
-            </a:r>
-            <a:r>
-              <a:rPr lang="en-US" altLang="ko-KR" b="0" i="0" dirty="0">
-                <a:effectLst/>
-                <a:latin typeface="medium-content-serif-font"/>
-              </a:rPr>
-              <a:t>. </a:t>
-            </a:r>
-            <a:r>
-              <a:rPr lang="ko-KR" altLang="en-US" b="0" i="0" dirty="0">
-                <a:solidFill>
-                  <a:srgbClr val="FF0000"/>
-                </a:solidFill>
-                <a:effectLst/>
-                <a:latin typeface="medium-content-serif-font"/>
-              </a:rPr>
-              <a:t>양방향</a:t>
-            </a:r>
-            <a:r>
-              <a:rPr lang="ko-KR" altLang="en-US" b="0" i="0" dirty="0">
-                <a:effectLst/>
-                <a:latin typeface="medium-content-serif-font"/>
-              </a:rPr>
-              <a:t> </a:t>
+              <a:rPr lang="ko-KR" altLang="en-US" b="0" i="0" dirty="0">
+                <a:effectLst/>
+                <a:latin typeface="medium-content-serif-font"/>
+              </a:rPr>
+              <a:t>양방향 </a:t>
             </a:r>
             <a:r>
               <a:rPr lang="en-US" altLang="ko-KR" b="0" i="0" dirty="0">
@@ -4662,9 +5098,6 @@
             </a:r>
             <a:r>
               <a:rPr lang="en-US" altLang="ko-KR" b="0" i="0" dirty="0">
-                <a:solidFill>
-                  <a:srgbClr val="FF0000"/>
-                </a:solidFill>
                 <a:effectLst/>
                 <a:latin typeface="medium-content-serif-font"/>
               </a:rPr>
@@ -4937,52 +5370,45 @@
                 <a:effectLst/>
                 <a:latin typeface="medium-content-serif-font"/>
               </a:rPr>
-              <a:t>과 같은 사전 학습 모델과 비슷하지만 </a:t>
-            </a:r>
-            <a:r>
-              <a:rPr lang="ko-KR" altLang="en-US" b="1" i="0" dirty="0">
-                <a:effectLst/>
-                <a:latin typeface="medium-content-serif-font"/>
-              </a:rPr>
-              <a:t>대상 </a:t>
-            </a:r>
-            <a:r>
-              <a:rPr lang="en-US" altLang="ko-KR" b="1" i="0" dirty="0">
+              <a:t>과 같은 사전 학습 모델과 비슷하지만 대상 </a:t>
+            </a:r>
+            <a:r>
+              <a:rPr lang="en-US" altLang="ko-KR" b="0" i="0" dirty="0">
                 <a:effectLst/>
                 <a:latin typeface="medium-content-serif-font"/>
               </a:rPr>
               <a:t>y</a:t>
             </a:r>
             <a:r>
-              <a:rPr lang="ko-KR" altLang="en-US" b="1" i="0" dirty="0">
+              <a:rPr lang="ko-KR" altLang="en-US" b="0" i="0" dirty="0">
                 <a:effectLst/>
                 <a:latin typeface="medium-content-serif-font"/>
               </a:rPr>
               <a:t>의 </a:t>
             </a:r>
             <a:r>
-              <a:rPr lang="en-US" altLang="ko-KR" b="1" i="0" dirty="0" err="1">
+              <a:rPr lang="en-US" altLang="ko-KR" b="0" i="0" dirty="0" err="1">
                 <a:effectLst/>
                 <a:latin typeface="medium-content-serif-font"/>
               </a:rPr>
               <a:t>softmax</a:t>
             </a:r>
             <a:r>
-              <a:rPr lang="en-US" altLang="ko-KR" b="1" i="0" dirty="0">
+              <a:rPr lang="en-US" altLang="ko-KR" b="0" i="0" dirty="0">
                 <a:effectLst/>
                 <a:latin typeface="medium-content-serif-font"/>
               </a:rPr>
               <a:t> </a:t>
             </a:r>
             <a:r>
-              <a:rPr lang="ko-KR" altLang="en-US" b="1" i="0" dirty="0">
+              <a:rPr lang="ko-KR" altLang="en-US" b="0" i="0" dirty="0">
                 <a:effectLst/>
                 <a:latin typeface="medium-content-serif-font"/>
               </a:rPr>
               <a:t>레이어와 최종 출력 레이어 사이에 추가 숨겨진 레이어가 추가된다는 점만 다릅니다</a:t>
             </a:r>
             <a:r>
-              <a:rPr lang="en-US" altLang="ko-KR" b="1" i="0" dirty="0">
+              <a:rPr lang="en-US" altLang="ko-KR" b="0" i="0" dirty="0">
                 <a:effectLst/>
                 <a:latin typeface="medium-content-serif-font"/>
               </a:rPr>
@@ -4991,62 +5417,28 @@
           </a:p>
           <a:p>
             <a:r>
-              <a:rPr lang="en-US" altLang="ko-KR" b="0" i="0" dirty="0">
-                <a:effectLst/>
-                <a:latin typeface="medium-content-serif-font"/>
-              </a:rPr>
-              <a:t>base</a:t>
-            </a:r>
-            <a:r>
-              <a:rPr lang="ko-KR" altLang="en-US" b="0" i="0" dirty="0">
-                <a:effectLst/>
-                <a:latin typeface="medium-content-serif-font"/>
-              </a:rPr>
-              <a:t> 방법이나 </a:t>
-            </a:r>
-            <a:r>
-              <a:rPr lang="en-US" altLang="ko-KR" b="0" i="0" dirty="0">
-                <a:effectLst/>
-                <a:latin typeface="medium-content-serif-font"/>
-              </a:rPr>
-              <a:t>adversarial</a:t>
-            </a:r>
-            <a:r>
-              <a:rPr lang="ko-KR" altLang="en-US" b="0" i="0" dirty="0">
-                <a:effectLst/>
-                <a:latin typeface="medium-content-serif-font"/>
-              </a:rPr>
-              <a:t> 훈련</a:t>
-            </a:r>
-            <a:r>
-              <a:rPr lang="en-US" altLang="ko-KR" b="0" i="0" dirty="0">
-                <a:effectLst/>
-                <a:latin typeface="medium-content-serif-font"/>
-              </a:rPr>
-              <a:t>, virtual adversarial</a:t>
-            </a:r>
-            <a:r>
-              <a:rPr lang="ko-KR" altLang="en-US" b="0" i="0" dirty="0">
-                <a:effectLst/>
-                <a:latin typeface="medium-content-serif-font"/>
-              </a:rPr>
-              <a:t> 훈련을 공정하게 비교하기 위해 논문에서는 </a:t>
-            </a:r>
-            <a:r>
-              <a:rPr lang="ko-KR" altLang="en-US" b="0" i="0" dirty="0">
-                <a:solidFill>
-                  <a:srgbClr val="FF0000"/>
-                </a:solidFill>
-                <a:effectLst/>
-                <a:latin typeface="medium-content-serif-font"/>
-              </a:rPr>
-              <a:t>사전 훈련과 </a:t>
+              <a:rPr lang="ko-KR" altLang="en-US" b="0" i="0" dirty="0">
+                <a:effectLst/>
+                <a:latin typeface="medium-content-serif-font"/>
+              </a:rPr>
+              <a:t>적법한 방법이나 적대적인 훈련</a:t>
+            </a:r>
+            <a:r>
+              <a:rPr lang="en-US" altLang="ko-KR" b="0" i="0" dirty="0">
+                <a:effectLst/>
+                <a:latin typeface="medium-content-serif-font"/>
+              </a:rPr>
+              <a:t>, </a:t>
+            </a:r>
+            <a:r>
+              <a:rPr lang="ko-KR" altLang="en-US" b="0" i="0" dirty="0">
+                <a:effectLst/>
+                <a:latin typeface="medium-content-serif-font"/>
+              </a:rPr>
+              <a:t>가상적인 적대적 훈련을 공정하게 비교하기 위해 논문에서는 사전 훈련과 </a:t>
             </a:r>
             <a:r>
               <a:rPr lang="ko-KR" altLang="en-US" b="0" i="0" dirty="0" err="1">
-                <a:solidFill>
-                  <a:srgbClr val="FF0000"/>
-                </a:solidFill>
                 <a:effectLst/>
                 <a:latin typeface="medium-content-serif-font"/>
               </a:rPr>
@@ -5054,20 +5446,10 @@
             </a:r>
             <a:r>
               <a:rPr lang="ko-KR" altLang="en-US" b="0" i="0" dirty="0">
-                <a:solidFill>
-                  <a:srgbClr val="FF0000"/>
-                </a:solidFill>
-                <a:effectLst/>
-                <a:latin typeface="medium-content-serif-font"/>
-              </a:rPr>
-              <a:t> 드롭 아웃 만 사용</a:t>
-            </a:r>
-            <a:r>
-              <a:rPr lang="ko-KR" altLang="en-US" b="0" i="0" dirty="0">
-                <a:effectLst/>
-                <a:latin typeface="medium-content-serif-font"/>
-              </a:rPr>
-              <a:t>되는 기준선을 설정합니다</a:t>
+                <a:effectLst/>
+                <a:latin typeface="medium-content-serif-font"/>
+              </a:rPr>
+              <a:t> 드롭 아웃 만 사용되는 기준선을 설정합니다</a:t>
             </a:r>
             <a:r>
               <a:rPr lang="en-US" altLang="ko-KR" b="0" i="0" dirty="0">
@@ -6181,37 +6563,30 @@
                 <a:effectLst/>
                 <a:latin typeface="medium-content-serif-font"/>
               </a:rPr>
-              <a:t>데이터 세트에는 </a:t>
-            </a:r>
-            <a:r>
-              <a:rPr lang="ko-KR" altLang="en-US" b="1" i="0" dirty="0">
-                <a:effectLst/>
-                <a:latin typeface="medium-content-serif-font"/>
-              </a:rPr>
-              <a:t>양방향 모델이 더 잘 처리 할 </a:t>
-            </a:r>
-            <a:r>
-              <a:rPr lang="ko-KR" altLang="en-US" b="1" i="0" dirty="0" err="1">
+              <a:t>데이터 세트에는 양방향 모델이 더 잘 처리 할 </a:t>
+            </a:r>
+            <a:r>
+              <a:rPr lang="ko-KR" altLang="en-US" b="0" i="0" dirty="0" err="1">
                 <a:effectLst/>
                 <a:latin typeface="medium-content-serif-font"/>
               </a:rPr>
               <a:t>수있는</a:t>
             </a:r>
             <a:r>
-              <a:rPr lang="ko-KR" altLang="en-US" b="1" i="0" dirty="0">
+              <a:rPr lang="ko-KR" altLang="en-US" b="0" i="0" dirty="0">
                 <a:effectLst/>
                 <a:latin typeface="medium-content-serif-font"/>
               </a:rPr>
               <a:t> 많은 긴 문장이 있기 때문입니다</a:t>
             </a:r>
             <a:r>
-              <a:rPr lang="en-US" altLang="ko-KR" b="1" i="0" dirty="0">
+              <a:rPr lang="en-US" altLang="ko-KR" b="0" i="0" dirty="0">
                 <a:effectLst/>
                 <a:latin typeface="medium-content-serif-font"/>
               </a:rPr>
               <a:t>.</a:t>
             </a:r>
-            <a:endParaRPr lang="ko-KR" altLang="en-US" b="1" dirty="0"/>
+            <a:endParaRPr lang="ko-KR" altLang="en-US" dirty="0"/>
           </a:p>
         </p:txBody>
       </p:sp>
@@ -6431,18 +6806,11 @@
               <a:t>Rotten Tomatoes </a:t>
             </a:r>
             <a:r>
-              <a:rPr lang="ko-KR" altLang="en-US" b="1" i="0" dirty="0">
-                <a:effectLst/>
-                <a:latin typeface="medium-content-serif-font"/>
-              </a:rPr>
-              <a:t>데이터 세트에 표시된 문장의 수가 매우 적기 때문일 수 있음을 보여</a:t>
-            </a:r>
-            <a:r>
-              <a:rPr lang="ko-KR" altLang="en-US" b="0" i="0" dirty="0">
-                <a:effectLst/>
-                <a:latin typeface="medium-content-serif-font"/>
-              </a:rPr>
-              <a:t>줍니다</a:t>
+              <a:rPr lang="ko-KR" altLang="en-US" b="0" i="0" dirty="0">
+                <a:effectLst/>
+                <a:latin typeface="medium-content-serif-font"/>
+              </a:rPr>
+              <a:t>데이터 세트에 표시된 문장의 수가 매우 적기 때문일 수 있음을 보여줍니다</a:t>
             </a:r>
             <a:r>
               <a:rPr lang="en-US" altLang="ko-KR" b="0" i="0" dirty="0">
@@ -7112,6 +7480,4755 @@
 </p:sld>
 </file>
 
+<file path=ppt/slides/slide21.xml><?xml version="1.0" encoding="utf-8"?>
+<p:sld xmlns:a="http://schemas.openxmlformats.org/drawingml/2006/main" xmlns:r="http://schemas.openxmlformats.org/officeDocument/2006/relationships" xmlns:p="http://schemas.openxmlformats.org/presentationml/2006/main">
+  <p:cSld>
+    <p:spTree>
+      <p:nvGrpSpPr>
+        <p:cNvPr id="1" name=""/>
+        <p:cNvGrpSpPr/>
+        <p:nvPr/>
+      </p:nvGrpSpPr>
+      <p:grpSpPr>
+        <a:xfrm>
+          <a:off x="0" y="0"/>
+          <a:ext cx="0" cy="0"/>
+          <a:chOff x="0" y="0"/>
+          <a:chExt cx="0" cy="0"/>
+        </a:xfrm>
+      </p:grpSpPr>
+      <p:sp>
+        <p:nvSpPr>
+          <p:cNvPr id="4" name="직사각형 3">
+            <a:extLst>
+              <a:ext uri="{FF2B5EF4-FFF2-40B4-BE49-F238E27FC236}">
+                <a16:creationId xmlns:a16="http://schemas.microsoft.com/office/drawing/2014/main" id="{A541CB1E-8F3A-1249-ADDF-8CBD22EF5F07}"/>
+              </a:ext>
+            </a:extLst>
+          </p:cNvPr>
+          <p:cNvSpPr/>
+          <p:nvPr/>
+        </p:nvSpPr>
+        <p:spPr>
+          <a:xfrm>
+            <a:off x="357369" y="430796"/>
+            <a:ext cx="1911229" cy="369332"/>
+          </a:xfrm>
+          <a:prstGeom prst="rect">
+            <a:avLst/>
+          </a:prstGeom>
+        </p:spPr>
+        <p:txBody>
+          <a:bodyPr wrap="none">
+            <a:spAutoFit/>
+          </a:bodyPr>
+          <a:lstStyle/>
+          <a:p>
+            <a:r>
+              <a:rPr lang="ko-KR" altLang="en-US" dirty="0" err="1"/>
+              <a:t>train_classifier.py</a:t>
+            </a:r>
+            <a:endParaRPr lang="ko-KR" altLang="en-US" dirty="0"/>
+          </a:p>
+        </p:txBody>
+      </p:sp>
+      <p:sp>
+        <p:nvSpPr>
+          <p:cNvPr id="5" name="직사각형 4">
+            <a:extLst>
+              <a:ext uri="{FF2B5EF4-FFF2-40B4-BE49-F238E27FC236}">
+                <a16:creationId xmlns:a16="http://schemas.microsoft.com/office/drawing/2014/main" id="{DC92BB40-E8C7-5644-ACCE-0E42C782C554}"/>
+              </a:ext>
+            </a:extLst>
+          </p:cNvPr>
+          <p:cNvSpPr/>
+          <p:nvPr/>
+        </p:nvSpPr>
+        <p:spPr>
+          <a:xfrm>
+            <a:off x="1533281" y="1005227"/>
+            <a:ext cx="2841868" cy="369332"/>
+          </a:xfrm>
+          <a:prstGeom prst="rect">
+            <a:avLst/>
+          </a:prstGeom>
+        </p:spPr>
+        <p:txBody>
+          <a:bodyPr wrap="none">
+            <a:spAutoFit/>
+          </a:bodyPr>
+          <a:lstStyle/>
+          <a:p>
+            <a:r>
+              <a:rPr lang="en-US" altLang="ko-KR" dirty="0">
+                <a:solidFill>
+                  <a:srgbClr val="24292E"/>
+                </a:solidFill>
+                <a:latin typeface="SFMono-Regular"/>
+              </a:rPr>
+              <a:t>model </a:t>
+            </a:r>
+            <a:r>
+              <a:rPr lang="en-US" altLang="ko-KR" dirty="0">
+                <a:solidFill>
+                  <a:srgbClr val="D73A49"/>
+                </a:solidFill>
+                <a:latin typeface="SFMono-Regular"/>
+              </a:rPr>
+              <a:t>=</a:t>
+            </a:r>
+            <a:r>
+              <a:rPr lang="en-US" altLang="ko-KR" dirty="0">
+                <a:solidFill>
+                  <a:srgbClr val="24292E"/>
+                </a:solidFill>
+                <a:latin typeface="SFMono-Regular"/>
+              </a:rPr>
+              <a:t> </a:t>
+            </a:r>
+            <a:r>
+              <a:rPr lang="en-US" altLang="ko-KR" dirty="0" err="1">
+                <a:solidFill>
+                  <a:srgbClr val="24292E"/>
+                </a:solidFill>
+                <a:latin typeface="SFMono-Regular"/>
+              </a:rPr>
+              <a:t>graphs.get_model</a:t>
+            </a:r>
+            <a:r>
+              <a:rPr lang="en-US" altLang="ko-KR" dirty="0">
+                <a:solidFill>
+                  <a:srgbClr val="24292E"/>
+                </a:solidFill>
+                <a:latin typeface="SFMono-Regular"/>
+              </a:rPr>
+              <a:t>()</a:t>
+            </a:r>
+            <a:endParaRPr lang="ko-KR" altLang="en-US" dirty="0"/>
+          </a:p>
+        </p:txBody>
+      </p:sp>
+      <p:sp>
+        <p:nvSpPr>
+          <p:cNvPr id="6" name="직사각형 5">
+            <a:extLst>
+              <a:ext uri="{FF2B5EF4-FFF2-40B4-BE49-F238E27FC236}">
+                <a16:creationId xmlns:a16="http://schemas.microsoft.com/office/drawing/2014/main" id="{8D3AE9D3-92D6-2C4A-BC66-6E0DC3681B1D}"/>
+              </a:ext>
+            </a:extLst>
+          </p:cNvPr>
+          <p:cNvSpPr/>
+          <p:nvPr/>
+        </p:nvSpPr>
+        <p:spPr>
+          <a:xfrm>
+            <a:off x="333914" y="1814118"/>
+            <a:ext cx="1199367" cy="369332"/>
+          </a:xfrm>
+          <a:prstGeom prst="rect">
+            <a:avLst/>
+          </a:prstGeom>
+        </p:spPr>
+        <p:txBody>
+          <a:bodyPr wrap="none">
+            <a:spAutoFit/>
+          </a:bodyPr>
+          <a:lstStyle/>
+          <a:p>
+            <a:r>
+              <a:rPr lang="ko-KR" altLang="en-US" dirty="0" err="1"/>
+              <a:t>graphs.py</a:t>
+            </a:r>
+            <a:endParaRPr lang="ko-KR" altLang="en-US" dirty="0"/>
+          </a:p>
+        </p:txBody>
+      </p:sp>
+      <p:sp>
+        <p:nvSpPr>
+          <p:cNvPr id="9" name="직사각형 8">
+            <a:extLst>
+              <a:ext uri="{FF2B5EF4-FFF2-40B4-BE49-F238E27FC236}">
+                <a16:creationId xmlns:a16="http://schemas.microsoft.com/office/drawing/2014/main" id="{92D871CB-3917-8D4D-86B9-519BDBBE0936}"/>
+              </a:ext>
+            </a:extLst>
+          </p:cNvPr>
+          <p:cNvSpPr/>
+          <p:nvPr/>
+        </p:nvSpPr>
+        <p:spPr>
+          <a:xfrm>
+            <a:off x="1411726" y="2388549"/>
+            <a:ext cx="5739351" cy="1477328"/>
+          </a:xfrm>
+          <a:prstGeom prst="rect">
+            <a:avLst/>
+          </a:prstGeom>
+        </p:spPr>
+        <p:txBody>
+          <a:bodyPr wrap="square">
+            <a:spAutoFit/>
+          </a:bodyPr>
+          <a:lstStyle/>
+          <a:p>
+            <a:r>
+              <a:rPr lang="en-US" altLang="ko-KR" dirty="0"/>
+              <a:t>def </a:t>
+            </a:r>
+            <a:r>
+              <a:rPr lang="en-US" altLang="ko-KR" dirty="0" err="1"/>
+              <a:t>get_model</a:t>
+            </a:r>
+            <a:r>
+              <a:rPr lang="en-US" altLang="ko-KR" dirty="0"/>
+              <a:t>():</a:t>
+            </a:r>
+          </a:p>
+          <a:p>
+            <a:r>
+              <a:rPr lang="en-US" altLang="ko-KR" dirty="0"/>
+              <a:t>  if </a:t>
+            </a:r>
+            <a:r>
+              <a:rPr lang="en-US" altLang="ko-KR" dirty="0" err="1"/>
+              <a:t>FLAGS.bidir_lstm</a:t>
+            </a:r>
+            <a:r>
+              <a:rPr lang="en-US" altLang="ko-KR" dirty="0"/>
+              <a:t>:</a:t>
+            </a:r>
+          </a:p>
+          <a:p>
+            <a:r>
+              <a:rPr lang="en-US" altLang="ko-KR" dirty="0"/>
+              <a:t>    return </a:t>
+            </a:r>
+            <a:r>
+              <a:rPr lang="en-US" altLang="ko-KR" dirty="0" err="1"/>
+              <a:t>VatxtBidirModel</a:t>
+            </a:r>
+            <a:r>
+              <a:rPr lang="en-US" altLang="ko-KR" dirty="0"/>
+              <a:t>()</a:t>
+            </a:r>
+          </a:p>
+          <a:p>
+            <a:r>
+              <a:rPr lang="en-US" altLang="ko-KR" dirty="0"/>
+              <a:t>  else:</a:t>
+            </a:r>
+          </a:p>
+          <a:p>
+            <a:r>
+              <a:rPr lang="en-US" altLang="ko-KR" dirty="0"/>
+              <a:t>    return </a:t>
+            </a:r>
+            <a:r>
+              <a:rPr lang="en-US" altLang="ko-KR" dirty="0" err="1"/>
+              <a:t>VatxtModel</a:t>
+            </a:r>
+            <a:r>
+              <a:rPr lang="en-US" altLang="ko-KR" dirty="0"/>
+              <a:t>()</a:t>
+            </a:r>
+            <a:endParaRPr lang="ko-KR" altLang="en-US" dirty="0"/>
+          </a:p>
+        </p:txBody>
+      </p:sp>
+    </p:spTree>
+    <p:extLst>
+      <p:ext uri="{BB962C8B-B14F-4D97-AF65-F5344CB8AC3E}">
+        <p14:creationId xmlns:p14="http://schemas.microsoft.com/office/powerpoint/2010/main" val="3936127313"/>
+      </p:ext>
+    </p:extLst>
+  </p:cSld>
+  <p:clrMapOvr>
+    <a:masterClrMapping/>
+  </p:clrMapOvr>
+</p:sld>
+</file>
+
+<file path=ppt/slides/slide22.xml><?xml version="1.0" encoding="utf-8"?>
+<p:sld xmlns:a="http://schemas.openxmlformats.org/drawingml/2006/main" xmlns:r="http://schemas.openxmlformats.org/officeDocument/2006/relationships" xmlns:p="http://schemas.openxmlformats.org/presentationml/2006/main">
+  <p:cSld>
+    <p:spTree>
+      <p:nvGrpSpPr>
+        <p:cNvPr id="1" name=""/>
+        <p:cNvGrpSpPr/>
+        <p:nvPr/>
+      </p:nvGrpSpPr>
+      <p:grpSpPr>
+        <a:xfrm>
+          <a:off x="0" y="0"/>
+          <a:ext cx="0" cy="0"/>
+          <a:chOff x="0" y="0"/>
+          <a:chExt cx="0" cy="0"/>
+        </a:xfrm>
+      </p:grpSpPr>
+      <p:sp>
+        <p:nvSpPr>
+          <p:cNvPr id="6" name="직사각형 5">
+            <a:extLst>
+              <a:ext uri="{FF2B5EF4-FFF2-40B4-BE49-F238E27FC236}">
+                <a16:creationId xmlns:a16="http://schemas.microsoft.com/office/drawing/2014/main" id="{8D3AE9D3-92D6-2C4A-BC66-6E0DC3681B1D}"/>
+              </a:ext>
+            </a:extLst>
+          </p:cNvPr>
+          <p:cNvSpPr/>
+          <p:nvPr/>
+        </p:nvSpPr>
+        <p:spPr>
+          <a:xfrm>
+            <a:off x="115425" y="114272"/>
+            <a:ext cx="1199367" cy="369332"/>
+          </a:xfrm>
+          <a:prstGeom prst="rect">
+            <a:avLst/>
+          </a:prstGeom>
+        </p:spPr>
+        <p:txBody>
+          <a:bodyPr wrap="none">
+            <a:spAutoFit/>
+          </a:bodyPr>
+          <a:lstStyle/>
+          <a:p>
+            <a:r>
+              <a:rPr lang="ko-KR" altLang="en-US" dirty="0" err="1"/>
+              <a:t>graphs.py</a:t>
+            </a:r>
+            <a:endParaRPr lang="ko-KR" altLang="en-US" dirty="0"/>
+          </a:p>
+        </p:txBody>
+      </p:sp>
+      <p:sp>
+        <p:nvSpPr>
+          <p:cNvPr id="12" name="직사각형 11">
+            <a:extLst>
+              <a:ext uri="{FF2B5EF4-FFF2-40B4-BE49-F238E27FC236}">
+                <a16:creationId xmlns:a16="http://schemas.microsoft.com/office/drawing/2014/main" id="{2C04F038-B1AD-8E46-B615-ED29F95EBE5B}"/>
+              </a:ext>
+            </a:extLst>
+          </p:cNvPr>
+          <p:cNvSpPr/>
+          <p:nvPr/>
+        </p:nvSpPr>
+        <p:spPr>
+          <a:xfrm>
+            <a:off x="715108" y="565777"/>
+            <a:ext cx="9929446" cy="3139321"/>
+          </a:xfrm>
+          <a:prstGeom prst="rect">
+            <a:avLst/>
+          </a:prstGeom>
+        </p:spPr>
+        <p:txBody>
+          <a:bodyPr wrap="square">
+            <a:spAutoFit/>
+          </a:bodyPr>
+          <a:lstStyle/>
+          <a:p>
+            <a:r>
+              <a:rPr lang="ko-KR" altLang="en-US" dirty="0"/>
+              <a:t> </a:t>
+            </a:r>
+            <a:r>
+              <a:rPr lang="ko-KR" altLang="en-US" dirty="0" err="1"/>
+              <a:t>self.layers</a:t>
+            </a:r>
+            <a:r>
+              <a:rPr lang="ko-KR" altLang="en-US" dirty="0"/>
+              <a:t> = {}</a:t>
+            </a:r>
+          </a:p>
+          <a:p>
+            <a:r>
+              <a:rPr lang="ko-KR" altLang="en-US" dirty="0"/>
+              <a:t>    </a:t>
+            </a:r>
+            <a:r>
+              <a:rPr lang="ko-KR" altLang="en-US" dirty="0" err="1"/>
+              <a:t>self.layers</a:t>
+            </a:r>
+            <a:r>
+              <a:rPr lang="ko-KR" altLang="en-US" dirty="0"/>
+              <a:t>['</a:t>
+            </a:r>
+            <a:r>
+              <a:rPr lang="ko-KR" altLang="en-US" dirty="0" err="1"/>
+              <a:t>embedding</a:t>
+            </a:r>
+            <a:r>
+              <a:rPr lang="ko-KR" altLang="en-US" dirty="0"/>
+              <a:t>'] = </a:t>
+            </a:r>
+            <a:r>
+              <a:rPr lang="ko-KR" altLang="en-US" dirty="0" err="1"/>
+              <a:t>layers_lib.Embedding</a:t>
+            </a:r>
+            <a:r>
+              <a:rPr lang="ko-KR" altLang="en-US" dirty="0"/>
+              <a:t>(</a:t>
+            </a:r>
+          </a:p>
+          <a:p>
+            <a:r>
+              <a:rPr lang="ko-KR" altLang="en-US" dirty="0"/>
+              <a:t>        </a:t>
+            </a:r>
+            <a:r>
+              <a:rPr lang="ko-KR" altLang="en-US" dirty="0" err="1"/>
+              <a:t>FLAGS.vocab_size</a:t>
+            </a:r>
+            <a:r>
+              <a:rPr lang="ko-KR" altLang="en-US" dirty="0"/>
+              <a:t>, </a:t>
+            </a:r>
+            <a:r>
+              <a:rPr lang="ko-KR" altLang="en-US" dirty="0" err="1"/>
+              <a:t>FLAGS.embedding_dims</a:t>
+            </a:r>
+            <a:r>
+              <a:rPr lang="ko-KR" altLang="en-US" dirty="0"/>
+              <a:t>, </a:t>
+            </a:r>
+            <a:r>
+              <a:rPr lang="ko-KR" altLang="en-US" dirty="0" err="1"/>
+              <a:t>FLAGS.normalize_embeddings</a:t>
+            </a:r>
+            <a:r>
+              <a:rPr lang="ko-KR" altLang="en-US" dirty="0"/>
+              <a:t>,</a:t>
+            </a:r>
+          </a:p>
+          <a:p>
+            <a:r>
+              <a:rPr lang="ko-KR" altLang="en-US" dirty="0"/>
+              <a:t>        </a:t>
+            </a:r>
+            <a:r>
+              <a:rPr lang="ko-KR" altLang="en-US" dirty="0" err="1"/>
+              <a:t>self.vocab_freqs</a:t>
+            </a:r>
+            <a:r>
+              <a:rPr lang="ko-KR" altLang="en-US" dirty="0"/>
+              <a:t>, </a:t>
+            </a:r>
+            <a:r>
+              <a:rPr lang="ko-KR" altLang="en-US" dirty="0" err="1"/>
+              <a:t>FLAGS.keep_prob_emb</a:t>
+            </a:r>
+            <a:r>
+              <a:rPr lang="ko-KR" altLang="en-US" dirty="0"/>
+              <a:t>)</a:t>
+            </a:r>
+          </a:p>
+          <a:p>
+            <a:r>
+              <a:rPr lang="ko-KR" altLang="en-US" dirty="0"/>
+              <a:t>    </a:t>
+            </a:r>
+            <a:r>
+              <a:rPr lang="ko-KR" altLang="en-US" dirty="0" err="1"/>
+              <a:t>self.layers</a:t>
+            </a:r>
+            <a:r>
+              <a:rPr lang="ko-KR" altLang="en-US" dirty="0"/>
+              <a:t>['</a:t>
+            </a:r>
+            <a:r>
+              <a:rPr lang="ko-KR" altLang="en-US" dirty="0" err="1"/>
+              <a:t>lstm</a:t>
+            </a:r>
+            <a:r>
+              <a:rPr lang="ko-KR" altLang="en-US" dirty="0"/>
+              <a:t>'] = </a:t>
+            </a:r>
+            <a:r>
+              <a:rPr lang="ko-KR" altLang="en-US" dirty="0" err="1"/>
+              <a:t>layers_lib.LSTM</a:t>
+            </a:r>
+            <a:r>
+              <a:rPr lang="ko-KR" altLang="en-US" dirty="0"/>
+              <a:t>(</a:t>
+            </a:r>
+          </a:p>
+          <a:p>
+            <a:r>
+              <a:rPr lang="ko-KR" altLang="en-US" dirty="0"/>
+              <a:t>        </a:t>
+            </a:r>
+            <a:r>
+              <a:rPr lang="ko-KR" altLang="en-US" dirty="0" err="1"/>
+              <a:t>FLAGS.rnn_cell_size</a:t>
+            </a:r>
+            <a:r>
+              <a:rPr lang="ko-KR" altLang="en-US" dirty="0"/>
+              <a:t>, </a:t>
+            </a:r>
+            <a:r>
+              <a:rPr lang="ko-KR" altLang="en-US" dirty="0" err="1"/>
+              <a:t>FLAGS.rnn_num_layers</a:t>
+            </a:r>
+            <a:r>
+              <a:rPr lang="ko-KR" altLang="en-US" dirty="0"/>
+              <a:t>, </a:t>
+            </a:r>
+            <a:r>
+              <a:rPr lang="ko-KR" altLang="en-US" dirty="0" err="1"/>
+              <a:t>FLAGS.keep_prob_lstm_out</a:t>
+            </a:r>
+            <a:r>
+              <a:rPr lang="ko-KR" altLang="en-US" dirty="0"/>
+              <a:t>)</a:t>
+            </a:r>
+          </a:p>
+          <a:p>
+            <a:r>
+              <a:rPr lang="ko-KR" altLang="en-US" dirty="0"/>
+              <a:t>    </a:t>
+            </a:r>
+            <a:r>
+              <a:rPr lang="ko-KR" altLang="en-US" dirty="0" err="1"/>
+              <a:t>self.layers</a:t>
+            </a:r>
+            <a:r>
+              <a:rPr lang="ko-KR" altLang="en-US" dirty="0"/>
+              <a:t>['</a:t>
+            </a:r>
+            <a:r>
+              <a:rPr lang="ko-KR" altLang="en-US" dirty="0" err="1"/>
+              <a:t>lm_loss</a:t>
+            </a:r>
+            <a:r>
+              <a:rPr lang="ko-KR" altLang="en-US" dirty="0"/>
+              <a:t>'] = </a:t>
+            </a:r>
+            <a:r>
+              <a:rPr lang="ko-KR" altLang="en-US" dirty="0" err="1"/>
+              <a:t>layers_lib.SoftmaxLoss</a:t>
+            </a:r>
+            <a:r>
+              <a:rPr lang="ko-KR" altLang="en-US" dirty="0"/>
+              <a:t>(</a:t>
+            </a:r>
+          </a:p>
+          <a:p>
+            <a:r>
+              <a:rPr lang="ko-KR" altLang="en-US" dirty="0"/>
+              <a:t>        </a:t>
+            </a:r>
+            <a:r>
+              <a:rPr lang="ko-KR" altLang="en-US" dirty="0" err="1"/>
+              <a:t>FLAGS.vocab_size</a:t>
+            </a:r>
+            <a:r>
+              <a:rPr lang="ko-KR" altLang="en-US" dirty="0"/>
+              <a:t>,</a:t>
+            </a:r>
+          </a:p>
+          <a:p>
+            <a:r>
+              <a:rPr lang="ko-KR" altLang="en-US" dirty="0"/>
+              <a:t>        </a:t>
+            </a:r>
+            <a:r>
+              <a:rPr lang="ko-KR" altLang="en-US" dirty="0" err="1"/>
+              <a:t>FLAGS.num_candidate_samples</a:t>
+            </a:r>
+            <a:r>
+              <a:rPr lang="ko-KR" altLang="en-US" dirty="0"/>
+              <a:t>,</a:t>
+            </a:r>
+          </a:p>
+          <a:p>
+            <a:r>
+              <a:rPr lang="ko-KR" altLang="en-US" dirty="0"/>
+              <a:t>        </a:t>
+            </a:r>
+            <a:r>
+              <a:rPr lang="ko-KR" altLang="en-US" dirty="0" err="1"/>
+              <a:t>self.vocab_freqs</a:t>
+            </a:r>
+            <a:r>
+              <a:rPr lang="ko-KR" altLang="en-US" dirty="0"/>
+              <a:t>,</a:t>
+            </a:r>
+          </a:p>
+          <a:p>
+            <a:r>
+              <a:rPr lang="ko-KR" altLang="en-US" dirty="0"/>
+              <a:t>        </a:t>
+            </a:r>
+            <a:r>
+              <a:rPr lang="ko-KR" altLang="en-US" dirty="0" err="1"/>
+              <a:t>name</a:t>
+            </a:r>
+            <a:r>
+              <a:rPr lang="ko-KR" altLang="en-US" dirty="0"/>
+              <a:t>='</a:t>
+            </a:r>
+            <a:r>
+              <a:rPr lang="ko-KR" altLang="en-US" dirty="0" err="1"/>
+              <a:t>LM_loss</a:t>
+            </a:r>
+            <a:r>
+              <a:rPr lang="ko-KR" altLang="en-US" dirty="0"/>
+              <a:t>')</a:t>
+            </a:r>
+          </a:p>
+        </p:txBody>
+      </p:sp>
+    </p:spTree>
+    <p:extLst>
+      <p:ext uri="{BB962C8B-B14F-4D97-AF65-F5344CB8AC3E}">
+        <p14:creationId xmlns:p14="http://schemas.microsoft.com/office/powerpoint/2010/main" val="2255208559"/>
+      </p:ext>
+    </p:extLst>
+  </p:cSld>
+  <p:clrMapOvr>
+    <a:masterClrMapping/>
+  </p:clrMapOvr>
+</p:sld>
+</file>
+
+<file path=ppt/slides/slide23.xml><?xml version="1.0" encoding="utf-8"?>
+<p:sld xmlns:a="http://schemas.openxmlformats.org/drawingml/2006/main" xmlns:r="http://schemas.openxmlformats.org/officeDocument/2006/relationships" xmlns:p="http://schemas.openxmlformats.org/presentationml/2006/main">
+  <p:cSld>
+    <p:spTree>
+      <p:nvGrpSpPr>
+        <p:cNvPr id="1" name=""/>
+        <p:cNvGrpSpPr/>
+        <p:nvPr/>
+      </p:nvGrpSpPr>
+      <p:grpSpPr>
+        <a:xfrm>
+          <a:off x="0" y="0"/>
+          <a:ext cx="0" cy="0"/>
+          <a:chOff x="0" y="0"/>
+          <a:chExt cx="0" cy="0"/>
+        </a:xfrm>
+      </p:grpSpPr>
+      <p:sp>
+        <p:nvSpPr>
+          <p:cNvPr id="6" name="직사각형 5">
+            <a:extLst>
+              <a:ext uri="{FF2B5EF4-FFF2-40B4-BE49-F238E27FC236}">
+                <a16:creationId xmlns:a16="http://schemas.microsoft.com/office/drawing/2014/main" id="{8D3AE9D3-92D6-2C4A-BC66-6E0DC3681B1D}"/>
+              </a:ext>
+            </a:extLst>
+          </p:cNvPr>
+          <p:cNvSpPr/>
+          <p:nvPr/>
+        </p:nvSpPr>
+        <p:spPr>
+          <a:xfrm>
+            <a:off x="115425" y="114272"/>
+            <a:ext cx="1911229" cy="369332"/>
+          </a:xfrm>
+          <a:prstGeom prst="rect">
+            <a:avLst/>
+          </a:prstGeom>
+        </p:spPr>
+        <p:txBody>
+          <a:bodyPr wrap="none">
+            <a:spAutoFit/>
+          </a:bodyPr>
+          <a:lstStyle/>
+          <a:p>
+            <a:r>
+              <a:rPr lang="en-US" altLang="ko-KR" dirty="0" err="1"/>
+              <a:t>train_classifier.py</a:t>
+            </a:r>
+            <a:endParaRPr lang="ko-KR" altLang="en-US" dirty="0"/>
+          </a:p>
+        </p:txBody>
+      </p:sp>
+      <p:sp>
+        <p:nvSpPr>
+          <p:cNvPr id="2" name="직사각형 1">
+            <a:extLst>
+              <a:ext uri="{FF2B5EF4-FFF2-40B4-BE49-F238E27FC236}">
+                <a16:creationId xmlns:a16="http://schemas.microsoft.com/office/drawing/2014/main" id="{89E52F48-5C89-6C4B-8B04-230945563700}"/>
+              </a:ext>
+            </a:extLst>
+          </p:cNvPr>
+          <p:cNvSpPr/>
+          <p:nvPr/>
+        </p:nvSpPr>
+        <p:spPr>
+          <a:xfrm>
+            <a:off x="1071039" y="583196"/>
+            <a:ext cx="5306133" cy="369332"/>
+          </a:xfrm>
+          <a:prstGeom prst="rect">
+            <a:avLst/>
+          </a:prstGeom>
+        </p:spPr>
+        <p:txBody>
+          <a:bodyPr wrap="none">
+            <a:spAutoFit/>
+          </a:bodyPr>
+          <a:lstStyle/>
+          <a:p>
+            <a:r>
+              <a:rPr lang="en-US" altLang="ko-KR" dirty="0" err="1">
+                <a:solidFill>
+                  <a:srgbClr val="24292E"/>
+                </a:solidFill>
+                <a:latin typeface="SFMono-Regular"/>
+              </a:rPr>
+              <a:t>train_op</a:t>
+            </a:r>
+            <a:r>
+              <a:rPr lang="en-US" altLang="ko-KR" dirty="0">
+                <a:solidFill>
+                  <a:srgbClr val="24292E"/>
+                </a:solidFill>
+                <a:latin typeface="SFMono-Regular"/>
+              </a:rPr>
+              <a:t>, loss, </a:t>
+            </a:r>
+            <a:r>
+              <a:rPr lang="en-US" altLang="ko-KR" dirty="0" err="1">
+                <a:solidFill>
+                  <a:srgbClr val="24292E"/>
+                </a:solidFill>
+                <a:latin typeface="SFMono-Regular"/>
+              </a:rPr>
+              <a:t>global_step</a:t>
+            </a:r>
+            <a:r>
+              <a:rPr lang="en-US" altLang="ko-KR" dirty="0">
+                <a:solidFill>
+                  <a:srgbClr val="24292E"/>
+                </a:solidFill>
+                <a:latin typeface="SFMono-Regular"/>
+              </a:rPr>
+              <a:t> </a:t>
+            </a:r>
+            <a:r>
+              <a:rPr lang="en-US" altLang="ko-KR" dirty="0">
+                <a:solidFill>
+                  <a:srgbClr val="D73A49"/>
+                </a:solidFill>
+                <a:latin typeface="SFMono-Regular"/>
+              </a:rPr>
+              <a:t>=</a:t>
+            </a:r>
+            <a:r>
+              <a:rPr lang="en-US" altLang="ko-KR" dirty="0">
+                <a:solidFill>
+                  <a:srgbClr val="24292E"/>
+                </a:solidFill>
+                <a:latin typeface="SFMono-Regular"/>
+              </a:rPr>
+              <a:t> </a:t>
+            </a:r>
+            <a:r>
+              <a:rPr lang="en-US" altLang="ko-KR" dirty="0" err="1">
+                <a:solidFill>
+                  <a:srgbClr val="24292E"/>
+                </a:solidFill>
+                <a:latin typeface="SFMono-Regular"/>
+              </a:rPr>
+              <a:t>model.classifier_training</a:t>
+            </a:r>
+            <a:r>
+              <a:rPr lang="en-US" altLang="ko-KR" dirty="0">
+                <a:solidFill>
+                  <a:srgbClr val="24292E"/>
+                </a:solidFill>
+                <a:latin typeface="SFMono-Regular"/>
+              </a:rPr>
+              <a:t>()</a:t>
+            </a:r>
+            <a:endParaRPr lang="ko-KR" altLang="en-US" dirty="0"/>
+          </a:p>
+        </p:txBody>
+      </p:sp>
+      <p:sp>
+        <p:nvSpPr>
+          <p:cNvPr id="3" name="직사각형 2">
+            <a:extLst>
+              <a:ext uri="{FF2B5EF4-FFF2-40B4-BE49-F238E27FC236}">
+                <a16:creationId xmlns:a16="http://schemas.microsoft.com/office/drawing/2014/main" id="{77393E52-200F-1D4D-8044-B4FF11D5E897}"/>
+              </a:ext>
+            </a:extLst>
+          </p:cNvPr>
+          <p:cNvSpPr/>
+          <p:nvPr/>
+        </p:nvSpPr>
+        <p:spPr>
+          <a:xfrm>
+            <a:off x="115425" y="1145903"/>
+            <a:ext cx="1199367" cy="369332"/>
+          </a:xfrm>
+          <a:prstGeom prst="rect">
+            <a:avLst/>
+          </a:prstGeom>
+        </p:spPr>
+        <p:txBody>
+          <a:bodyPr wrap="none">
+            <a:spAutoFit/>
+          </a:bodyPr>
+          <a:lstStyle/>
+          <a:p>
+            <a:r>
+              <a:rPr lang="ko-KR" altLang="en-US" dirty="0" err="1"/>
+              <a:t>graphs.py</a:t>
+            </a:r>
+            <a:endParaRPr lang="ko-KR" altLang="en-US" dirty="0"/>
+          </a:p>
+        </p:txBody>
+      </p:sp>
+      <p:sp>
+        <p:nvSpPr>
+          <p:cNvPr id="5" name="직사각형 4">
+            <a:extLst>
+              <a:ext uri="{FF2B5EF4-FFF2-40B4-BE49-F238E27FC236}">
+                <a16:creationId xmlns:a16="http://schemas.microsoft.com/office/drawing/2014/main" id="{1E5CD04D-6087-704C-9F9D-118DF4A1510A}"/>
+              </a:ext>
+            </a:extLst>
+          </p:cNvPr>
+          <p:cNvSpPr/>
+          <p:nvPr/>
+        </p:nvSpPr>
+        <p:spPr>
+          <a:xfrm>
+            <a:off x="808892" y="1438870"/>
+            <a:ext cx="6096000" cy="1477328"/>
+          </a:xfrm>
+          <a:prstGeom prst="rect">
+            <a:avLst/>
+          </a:prstGeom>
+        </p:spPr>
+        <p:txBody>
+          <a:bodyPr>
+            <a:spAutoFit/>
+          </a:bodyPr>
+          <a:lstStyle/>
+          <a:p>
+            <a:endParaRPr lang="ko-KR" altLang="en-US" dirty="0"/>
+          </a:p>
+          <a:p>
+            <a:r>
+              <a:rPr lang="ko-KR" altLang="en-US" dirty="0"/>
+              <a:t>  </a:t>
+            </a:r>
+            <a:r>
+              <a:rPr lang="ko-KR" altLang="en-US" dirty="0" err="1"/>
+              <a:t>def</a:t>
+            </a:r>
+            <a:r>
+              <a:rPr lang="ko-KR" altLang="en-US" dirty="0"/>
+              <a:t> </a:t>
+            </a:r>
+            <a:r>
+              <a:rPr lang="ko-KR" altLang="en-US" dirty="0" err="1"/>
+              <a:t>classifier_training</a:t>
+            </a:r>
+            <a:r>
+              <a:rPr lang="ko-KR" altLang="en-US" dirty="0"/>
+              <a:t>(</a:t>
+            </a:r>
+            <a:r>
+              <a:rPr lang="ko-KR" altLang="en-US" dirty="0" err="1"/>
+              <a:t>self</a:t>
+            </a:r>
+            <a:r>
+              <a:rPr lang="ko-KR" altLang="en-US" dirty="0"/>
+              <a:t>):</a:t>
+            </a:r>
+          </a:p>
+          <a:p>
+            <a:r>
+              <a:rPr lang="ko-KR" altLang="en-US" dirty="0"/>
+              <a:t>    </a:t>
+            </a:r>
+            <a:r>
+              <a:rPr lang="ko-KR" altLang="en-US" dirty="0" err="1"/>
+              <a:t>loss</a:t>
+            </a:r>
+            <a:r>
+              <a:rPr lang="ko-KR" altLang="en-US" dirty="0"/>
+              <a:t> = </a:t>
+            </a:r>
+            <a:r>
+              <a:rPr lang="ko-KR" altLang="en-US" dirty="0" err="1"/>
+              <a:t>self.classifier_graph</a:t>
+            </a:r>
+            <a:r>
+              <a:rPr lang="ko-KR" altLang="en-US" dirty="0"/>
+              <a:t>()</a:t>
+            </a:r>
+          </a:p>
+          <a:p>
+            <a:r>
+              <a:rPr lang="ko-KR" altLang="en-US" dirty="0"/>
+              <a:t>    </a:t>
+            </a:r>
+            <a:r>
+              <a:rPr lang="ko-KR" altLang="en-US" dirty="0" err="1"/>
+              <a:t>train_op</a:t>
+            </a:r>
+            <a:r>
+              <a:rPr lang="ko-KR" altLang="en-US" dirty="0"/>
+              <a:t> = </a:t>
+            </a:r>
+            <a:r>
+              <a:rPr lang="ko-KR" altLang="en-US" dirty="0" err="1"/>
+              <a:t>optimize</a:t>
+            </a:r>
+            <a:r>
+              <a:rPr lang="ko-KR" altLang="en-US" dirty="0"/>
+              <a:t>(</a:t>
+            </a:r>
+            <a:r>
+              <a:rPr lang="ko-KR" altLang="en-US" dirty="0" err="1"/>
+              <a:t>loss</a:t>
+            </a:r>
+            <a:r>
+              <a:rPr lang="ko-KR" altLang="en-US" dirty="0"/>
+              <a:t>, </a:t>
+            </a:r>
+            <a:r>
+              <a:rPr lang="ko-KR" altLang="en-US" dirty="0" err="1"/>
+              <a:t>self.global_step</a:t>
+            </a:r>
+            <a:r>
+              <a:rPr lang="ko-KR" altLang="en-US" dirty="0"/>
+              <a:t>)</a:t>
+            </a:r>
+          </a:p>
+          <a:p>
+            <a:r>
+              <a:rPr lang="ko-KR" altLang="en-US" dirty="0"/>
+              <a:t>    </a:t>
+            </a:r>
+            <a:r>
+              <a:rPr lang="ko-KR" altLang="en-US" dirty="0" err="1"/>
+              <a:t>return</a:t>
+            </a:r>
+            <a:r>
+              <a:rPr lang="ko-KR" altLang="en-US" dirty="0"/>
+              <a:t> </a:t>
+            </a:r>
+            <a:r>
+              <a:rPr lang="ko-KR" altLang="en-US" dirty="0" err="1"/>
+              <a:t>train_op</a:t>
+            </a:r>
+            <a:r>
+              <a:rPr lang="ko-KR" altLang="en-US" dirty="0"/>
+              <a:t>, </a:t>
+            </a:r>
+            <a:r>
+              <a:rPr lang="ko-KR" altLang="en-US" dirty="0" err="1"/>
+              <a:t>loss</a:t>
+            </a:r>
+            <a:r>
+              <a:rPr lang="ko-KR" altLang="en-US" dirty="0"/>
+              <a:t>, </a:t>
+            </a:r>
+            <a:r>
+              <a:rPr lang="ko-KR" altLang="en-US" dirty="0" err="1"/>
+              <a:t>self.global_step</a:t>
+            </a:r>
+            <a:endParaRPr lang="ko-KR" altLang="en-US" dirty="0"/>
+          </a:p>
+        </p:txBody>
+      </p:sp>
+      <p:sp>
+        <p:nvSpPr>
+          <p:cNvPr id="7" name="직사각형 6">
+            <a:extLst>
+              <a:ext uri="{FF2B5EF4-FFF2-40B4-BE49-F238E27FC236}">
+                <a16:creationId xmlns:a16="http://schemas.microsoft.com/office/drawing/2014/main" id="{0E12DED1-D580-0745-BDC0-A32C00EE11C3}"/>
+              </a:ext>
+            </a:extLst>
+          </p:cNvPr>
+          <p:cNvSpPr/>
+          <p:nvPr/>
+        </p:nvSpPr>
+        <p:spPr>
+          <a:xfrm>
+            <a:off x="966259" y="3033208"/>
+            <a:ext cx="2545697" cy="369332"/>
+          </a:xfrm>
+          <a:prstGeom prst="rect">
+            <a:avLst/>
+          </a:prstGeom>
+        </p:spPr>
+        <p:txBody>
+          <a:bodyPr wrap="none">
+            <a:spAutoFit/>
+          </a:bodyPr>
+          <a:lstStyle/>
+          <a:p>
+            <a:r>
+              <a:rPr lang="en-US" altLang="ko-KR" dirty="0">
+                <a:solidFill>
+                  <a:srgbClr val="D73A49"/>
+                </a:solidFill>
+                <a:latin typeface="SFMono-Regular"/>
+              </a:rPr>
+              <a:t>def</a:t>
+            </a:r>
+            <a:r>
+              <a:rPr lang="en-US" altLang="ko-KR" dirty="0">
+                <a:solidFill>
+                  <a:srgbClr val="24292E"/>
+                </a:solidFill>
+                <a:latin typeface="SFMono-Regular"/>
+              </a:rPr>
+              <a:t> </a:t>
+            </a:r>
+            <a:r>
+              <a:rPr lang="en-US" altLang="ko-KR" dirty="0" err="1">
+                <a:solidFill>
+                  <a:srgbClr val="6F42C1"/>
+                </a:solidFill>
+                <a:latin typeface="SFMono-Regular"/>
+              </a:rPr>
+              <a:t>classifier_graph</a:t>
+            </a:r>
+            <a:r>
+              <a:rPr lang="en-US" altLang="ko-KR" dirty="0">
+                <a:solidFill>
+                  <a:srgbClr val="24292E"/>
+                </a:solidFill>
+                <a:latin typeface="SFMono-Regular"/>
+              </a:rPr>
+              <a:t>(self):</a:t>
+            </a:r>
+            <a:endParaRPr lang="ko-KR" altLang="en-US" dirty="0"/>
+          </a:p>
+        </p:txBody>
+      </p:sp>
+      <p:sp>
+        <p:nvSpPr>
+          <p:cNvPr id="9" name="직사각형 8">
+            <a:extLst>
+              <a:ext uri="{FF2B5EF4-FFF2-40B4-BE49-F238E27FC236}">
+                <a16:creationId xmlns:a16="http://schemas.microsoft.com/office/drawing/2014/main" id="{BC832B5E-F58D-1545-B39D-CC83DB461D2D}"/>
+              </a:ext>
+            </a:extLst>
+          </p:cNvPr>
+          <p:cNvSpPr/>
+          <p:nvPr/>
+        </p:nvSpPr>
+        <p:spPr>
+          <a:xfrm>
+            <a:off x="1071039" y="5143250"/>
+            <a:ext cx="3094309" cy="369332"/>
+          </a:xfrm>
+          <a:prstGeom prst="rect">
+            <a:avLst/>
+          </a:prstGeom>
+        </p:spPr>
+        <p:txBody>
+          <a:bodyPr wrap="none">
+            <a:spAutoFit/>
+          </a:bodyPr>
+          <a:lstStyle/>
+          <a:p>
+            <a:r>
+              <a:rPr lang="en-US" altLang="ko-KR" dirty="0" err="1">
+                <a:solidFill>
+                  <a:srgbClr val="005CC5"/>
+                </a:solidFill>
+                <a:latin typeface="SFMono-Regular"/>
+              </a:rPr>
+              <a:t>self</a:t>
+            </a:r>
+            <a:r>
+              <a:rPr lang="en-US" altLang="ko-KR" dirty="0" err="1">
+                <a:solidFill>
+                  <a:srgbClr val="24292E"/>
+                </a:solidFill>
+                <a:latin typeface="SFMono-Regular"/>
+              </a:rPr>
+              <a:t>.cl_loss_from_embedding</a:t>
+            </a:r>
+            <a:r>
+              <a:rPr lang="ko-KR" altLang="en-US" dirty="0">
+                <a:solidFill>
+                  <a:srgbClr val="24292E"/>
+                </a:solidFill>
+                <a:latin typeface="SFMono-Regular"/>
+              </a:rPr>
+              <a:t> </a:t>
+            </a:r>
+            <a:r>
+              <a:rPr lang="en-US" altLang="ko-KR" b="1" dirty="0">
+                <a:solidFill>
+                  <a:srgbClr val="FF0000"/>
+                </a:solidFill>
+                <a:latin typeface="SFMono-Regular"/>
+              </a:rPr>
+              <a:t>1</a:t>
+            </a:r>
+            <a:endParaRPr lang="ko-KR" altLang="en-US" b="1" dirty="0">
+              <a:solidFill>
+                <a:srgbClr val="FF0000"/>
+              </a:solidFill>
+            </a:endParaRPr>
+          </a:p>
+        </p:txBody>
+      </p:sp>
+      <p:sp>
+        <p:nvSpPr>
+          <p:cNvPr id="10" name="TextBox 9">
+            <a:extLst>
+              <a:ext uri="{FF2B5EF4-FFF2-40B4-BE49-F238E27FC236}">
+                <a16:creationId xmlns:a16="http://schemas.microsoft.com/office/drawing/2014/main" id="{82F99B7A-EB86-A145-83D1-DA885A8AF4F8}"/>
+              </a:ext>
+            </a:extLst>
+          </p:cNvPr>
+          <p:cNvSpPr txBox="1"/>
+          <p:nvPr/>
+        </p:nvSpPr>
+        <p:spPr>
+          <a:xfrm>
+            <a:off x="1559168" y="3475726"/>
+            <a:ext cx="10632832" cy="1477328"/>
+          </a:xfrm>
+          <a:prstGeom prst="rect">
+            <a:avLst/>
+          </a:prstGeom>
+          <a:noFill/>
+        </p:spPr>
+        <p:txBody>
+          <a:bodyPr wrap="square" rtlCol="0">
+            <a:spAutoFit/>
+          </a:bodyPr>
+          <a:lstStyle/>
+          <a:p>
+            <a:r>
+              <a:rPr lang="en-US" altLang="ko-KR" dirty="0" err="1"/>
+              <a:t>self.cl_loss_from_embedding</a:t>
+            </a:r>
+            <a:r>
+              <a:rPr lang="en-US" altLang="ko-KR" dirty="0"/>
+              <a:t>(embedded, </a:t>
+            </a:r>
+            <a:r>
+              <a:rPr lang="en-US" altLang="ko-KR" dirty="0" err="1"/>
+              <a:t>return_intermediates</a:t>
+            </a:r>
+            <a:r>
+              <a:rPr lang="en-US" altLang="ko-KR" dirty="0"/>
+              <a:t>=True)</a:t>
+            </a:r>
+            <a:r>
+              <a:rPr lang="ko-KR" altLang="en-US" dirty="0"/>
+              <a:t>  </a:t>
+            </a:r>
+            <a:r>
+              <a:rPr lang="en-US" altLang="ko-KR" b="1" dirty="0">
+                <a:solidFill>
+                  <a:srgbClr val="FF0000"/>
+                </a:solidFill>
+              </a:rPr>
+              <a:t>1</a:t>
+            </a:r>
+          </a:p>
+          <a:p>
+            <a:endParaRPr lang="en-US" altLang="ko-KR" dirty="0"/>
+          </a:p>
+          <a:p>
+            <a:r>
+              <a:rPr lang="en-US" altLang="ko-KR" dirty="0" err="1"/>
+              <a:t>acc</a:t>
+            </a:r>
+            <a:r>
+              <a:rPr lang="en-US" altLang="ko-KR" dirty="0"/>
+              <a:t> = </a:t>
+            </a:r>
+            <a:r>
+              <a:rPr lang="en-US" altLang="ko-KR" dirty="0" err="1"/>
+              <a:t>layers_lib.accuracy</a:t>
+            </a:r>
+            <a:r>
+              <a:rPr lang="en-US" altLang="ko-KR" dirty="0"/>
+              <a:t>(logits, </a:t>
+            </a:r>
+            <a:r>
+              <a:rPr lang="en-US" altLang="ko-KR" dirty="0" err="1"/>
+              <a:t>f_inputs.labels</a:t>
+            </a:r>
+            <a:r>
+              <a:rPr lang="en-US" altLang="ko-KR" dirty="0"/>
+              <a:t>, </a:t>
+            </a:r>
+            <a:r>
+              <a:rPr lang="en-US" altLang="ko-KR" dirty="0" err="1"/>
+              <a:t>f_inputs.weights</a:t>
+            </a:r>
+            <a:r>
+              <a:rPr lang="en-US" altLang="ko-KR" dirty="0"/>
+              <a:t>)</a:t>
+            </a:r>
+            <a:r>
+              <a:rPr lang="ko-KR" altLang="en-US" dirty="0"/>
+              <a:t>  정확도 가져오기 </a:t>
+            </a:r>
+            <a:r>
+              <a:rPr lang="en-US" altLang="ko-KR" b="1" dirty="0">
+                <a:solidFill>
+                  <a:srgbClr val="FF0000"/>
+                </a:solidFill>
+              </a:rPr>
+              <a:t>2</a:t>
+            </a:r>
+          </a:p>
+          <a:p>
+            <a:endParaRPr kumimoji="1" lang="en-US" altLang="ko-KR" dirty="0"/>
+          </a:p>
+          <a:p>
+            <a:r>
+              <a:rPr kumimoji="1" lang="en-US" altLang="ko-KR" dirty="0" err="1"/>
+              <a:t>adv_loss</a:t>
+            </a:r>
+            <a:r>
+              <a:rPr kumimoji="1" lang="en-US" altLang="ko-KR" dirty="0"/>
+              <a:t> = (</a:t>
+            </a:r>
+            <a:r>
+              <a:rPr kumimoji="1" lang="en-US" altLang="ko-KR" dirty="0" err="1"/>
+              <a:t>self.adversarial_loss</a:t>
+            </a:r>
+            <a:r>
+              <a:rPr kumimoji="1" lang="en-US" altLang="ko-KR" dirty="0"/>
+              <a:t>() * </a:t>
+            </a:r>
+            <a:r>
+              <a:rPr kumimoji="1" lang="en-US" altLang="ko-KR" dirty="0" err="1"/>
+              <a:t>tf.constant</a:t>
+            </a:r>
+            <a:r>
+              <a:rPr kumimoji="1" lang="en-US" altLang="ko-KR" dirty="0"/>
+              <a:t>(</a:t>
+            </a:r>
+            <a:r>
+              <a:rPr kumimoji="1" lang="en-US" altLang="ko-KR" dirty="0" err="1"/>
+              <a:t>FLAGS.adv_reg_coeff</a:t>
+            </a:r>
+            <a:r>
+              <a:rPr kumimoji="1" lang="en-US" altLang="ko-KR" dirty="0"/>
+              <a:t>, name='</a:t>
+            </a:r>
+            <a:r>
+              <a:rPr kumimoji="1" lang="en-US" altLang="ko-KR" dirty="0" err="1"/>
+              <a:t>adv_reg_coeff</a:t>
+            </a:r>
+            <a:r>
+              <a:rPr kumimoji="1" lang="ko-KR" altLang="en-US" dirty="0"/>
+              <a:t>＇</a:t>
+            </a:r>
+            <a:r>
+              <a:rPr kumimoji="1" lang="en-US" altLang="ko-KR" dirty="0"/>
+              <a:t>))</a:t>
+            </a:r>
+            <a:r>
+              <a:rPr kumimoji="1" lang="ko-KR" altLang="en-US" dirty="0"/>
+              <a:t> </a:t>
+            </a:r>
+            <a:r>
+              <a:rPr kumimoji="1" lang="en-US" altLang="ko-KR" b="1" dirty="0">
+                <a:solidFill>
+                  <a:srgbClr val="FF0000"/>
+                </a:solidFill>
+              </a:rPr>
+              <a:t>3</a:t>
+            </a:r>
+            <a:endParaRPr kumimoji="1" lang="ko-KR" altLang="en-US" b="1" dirty="0">
+              <a:solidFill>
+                <a:srgbClr val="FF0000"/>
+              </a:solidFill>
+            </a:endParaRPr>
+          </a:p>
+        </p:txBody>
+      </p:sp>
+      <p:sp>
+        <p:nvSpPr>
+          <p:cNvPr id="13" name="TextBox 12">
+            <a:extLst>
+              <a:ext uri="{FF2B5EF4-FFF2-40B4-BE49-F238E27FC236}">
+                <a16:creationId xmlns:a16="http://schemas.microsoft.com/office/drawing/2014/main" id="{B1B7728E-4133-4249-8442-5BF3DD374125}"/>
+              </a:ext>
+            </a:extLst>
+          </p:cNvPr>
+          <p:cNvSpPr txBox="1"/>
+          <p:nvPr/>
+        </p:nvSpPr>
+        <p:spPr>
+          <a:xfrm>
+            <a:off x="1643972" y="5601902"/>
+            <a:ext cx="4536819" cy="369332"/>
+          </a:xfrm>
+          <a:prstGeom prst="rect">
+            <a:avLst/>
+          </a:prstGeom>
+          <a:noFill/>
+        </p:spPr>
+        <p:txBody>
+          <a:bodyPr wrap="none" rtlCol="0">
+            <a:spAutoFit/>
+          </a:bodyPr>
+          <a:lstStyle/>
+          <a:p>
+            <a:r>
+              <a:rPr kumimoji="1" lang="en-US" altLang="ko-KR" dirty="0"/>
+              <a:t>Embedding</a:t>
+            </a:r>
+            <a:r>
+              <a:rPr kumimoji="1" lang="ko-KR" altLang="en-US" dirty="0" err="1"/>
+              <a:t>으로</a:t>
+            </a:r>
+            <a:r>
+              <a:rPr kumimoji="1" lang="ko-KR" altLang="en-US" dirty="0"/>
+              <a:t> </a:t>
+            </a:r>
+            <a:r>
+              <a:rPr kumimoji="1" lang="ko-KR" altLang="en-US" dirty="0" err="1"/>
+              <a:t>부터</a:t>
+            </a:r>
+            <a:r>
+              <a:rPr kumimoji="1" lang="ko-KR" altLang="en-US" dirty="0"/>
+              <a:t> 분류 </a:t>
+            </a:r>
+            <a:r>
+              <a:rPr kumimoji="1" lang="en-US" altLang="ko-KR" dirty="0"/>
+              <a:t>loss </a:t>
+            </a:r>
+            <a:r>
+              <a:rPr kumimoji="1" lang="ko-KR" altLang="en-US" dirty="0" err="1"/>
+              <a:t>를</a:t>
+            </a:r>
+            <a:r>
+              <a:rPr kumimoji="1" lang="ko-KR" altLang="en-US" dirty="0"/>
+              <a:t> 구한다</a:t>
+            </a:r>
+            <a:r>
+              <a:rPr kumimoji="1" lang="en-US" altLang="ko-KR" dirty="0"/>
+              <a:t>.</a:t>
+            </a:r>
+            <a:endParaRPr kumimoji="1" lang="ko-KR" altLang="en-US" dirty="0"/>
+          </a:p>
+        </p:txBody>
+      </p:sp>
+    </p:spTree>
+    <p:extLst>
+      <p:ext uri="{BB962C8B-B14F-4D97-AF65-F5344CB8AC3E}">
+        <p14:creationId xmlns:p14="http://schemas.microsoft.com/office/powerpoint/2010/main" val="1261201180"/>
+      </p:ext>
+    </p:extLst>
+  </p:cSld>
+  <p:clrMapOvr>
+    <a:masterClrMapping/>
+  </p:clrMapOvr>
+</p:sld>
+</file>
+
+<file path=ppt/slides/slide24.xml><?xml version="1.0" encoding="utf-8"?>
+<p:sld xmlns:a="http://schemas.openxmlformats.org/drawingml/2006/main" xmlns:r="http://schemas.openxmlformats.org/officeDocument/2006/relationships" xmlns:p="http://schemas.openxmlformats.org/presentationml/2006/main">
+  <p:cSld>
+    <p:spTree>
+      <p:nvGrpSpPr>
+        <p:cNvPr id="1" name=""/>
+        <p:cNvGrpSpPr/>
+        <p:nvPr/>
+      </p:nvGrpSpPr>
+      <p:grpSpPr>
+        <a:xfrm>
+          <a:off x="0" y="0"/>
+          <a:ext cx="0" cy="0"/>
+          <a:chOff x="0" y="0"/>
+          <a:chExt cx="0" cy="0"/>
+        </a:xfrm>
+      </p:grpSpPr>
+      <p:sp>
+        <p:nvSpPr>
+          <p:cNvPr id="3" name="직사각형 2">
+            <a:extLst>
+              <a:ext uri="{FF2B5EF4-FFF2-40B4-BE49-F238E27FC236}">
+                <a16:creationId xmlns:a16="http://schemas.microsoft.com/office/drawing/2014/main" id="{77393E52-200F-1D4D-8044-B4FF11D5E897}"/>
+              </a:ext>
+            </a:extLst>
+          </p:cNvPr>
+          <p:cNvSpPr/>
+          <p:nvPr/>
+        </p:nvSpPr>
+        <p:spPr>
+          <a:xfrm>
+            <a:off x="138872" y="219780"/>
+            <a:ext cx="1082797" cy="369332"/>
+          </a:xfrm>
+          <a:prstGeom prst="rect">
+            <a:avLst/>
+          </a:prstGeom>
+        </p:spPr>
+        <p:txBody>
+          <a:bodyPr wrap="none">
+            <a:spAutoFit/>
+          </a:bodyPr>
+          <a:lstStyle/>
+          <a:p>
+            <a:r>
+              <a:rPr lang="en-US" altLang="ko-KR" dirty="0" err="1"/>
+              <a:t>layers.py</a:t>
+            </a:r>
+            <a:endParaRPr lang="ko-KR" altLang="en-US" dirty="0"/>
+          </a:p>
+        </p:txBody>
+      </p:sp>
+      <p:sp>
+        <p:nvSpPr>
+          <p:cNvPr id="9" name="직사각형 8">
+            <a:extLst>
+              <a:ext uri="{FF2B5EF4-FFF2-40B4-BE49-F238E27FC236}">
+                <a16:creationId xmlns:a16="http://schemas.microsoft.com/office/drawing/2014/main" id="{BC832B5E-F58D-1545-B39D-CC83DB461D2D}"/>
+              </a:ext>
+            </a:extLst>
+          </p:cNvPr>
+          <p:cNvSpPr/>
+          <p:nvPr/>
+        </p:nvSpPr>
+        <p:spPr>
+          <a:xfrm>
+            <a:off x="543500" y="676758"/>
+            <a:ext cx="4246996" cy="369332"/>
+          </a:xfrm>
+          <a:prstGeom prst="rect">
+            <a:avLst/>
+          </a:prstGeom>
+        </p:spPr>
+        <p:txBody>
+          <a:bodyPr wrap="none">
+            <a:spAutoFit/>
+          </a:bodyPr>
+          <a:lstStyle/>
+          <a:p>
+            <a:r>
+              <a:rPr lang="en-US" altLang="ko-KR" dirty="0"/>
+              <a:t>def accuracy(logits, targets, weights): </a:t>
+            </a:r>
+            <a:r>
+              <a:rPr lang="en-US" altLang="ko-KR" b="1" dirty="0">
+                <a:solidFill>
+                  <a:srgbClr val="FF0000"/>
+                </a:solidFill>
+                <a:latin typeface="SFMono-Regular"/>
+              </a:rPr>
+              <a:t>2</a:t>
+            </a:r>
+            <a:endParaRPr lang="ko-KR" altLang="en-US" b="1" dirty="0">
+              <a:solidFill>
+                <a:srgbClr val="FF0000"/>
+              </a:solidFill>
+            </a:endParaRPr>
+          </a:p>
+        </p:txBody>
+      </p:sp>
+      <p:sp>
+        <p:nvSpPr>
+          <p:cNvPr id="13" name="TextBox 12">
+            <a:extLst>
+              <a:ext uri="{FF2B5EF4-FFF2-40B4-BE49-F238E27FC236}">
+                <a16:creationId xmlns:a16="http://schemas.microsoft.com/office/drawing/2014/main" id="{B1B7728E-4133-4249-8442-5BF3DD374125}"/>
+              </a:ext>
+            </a:extLst>
+          </p:cNvPr>
+          <p:cNvSpPr txBox="1"/>
+          <p:nvPr/>
+        </p:nvSpPr>
+        <p:spPr>
+          <a:xfrm>
+            <a:off x="1116433" y="1135410"/>
+            <a:ext cx="1420582" cy="369332"/>
+          </a:xfrm>
+          <a:prstGeom prst="rect">
+            <a:avLst/>
+          </a:prstGeom>
+          <a:noFill/>
+        </p:spPr>
+        <p:txBody>
+          <a:bodyPr wrap="none" rtlCol="0">
+            <a:spAutoFit/>
+          </a:bodyPr>
+          <a:lstStyle/>
+          <a:p>
+            <a:r>
+              <a:rPr kumimoji="1" lang="ko-KR" altLang="en-US" dirty="0"/>
+              <a:t>정확도 계산</a:t>
+            </a:r>
+          </a:p>
+        </p:txBody>
+      </p:sp>
+      <p:sp>
+        <p:nvSpPr>
+          <p:cNvPr id="4" name="직사각형 3">
+            <a:extLst>
+              <a:ext uri="{FF2B5EF4-FFF2-40B4-BE49-F238E27FC236}">
+                <a16:creationId xmlns:a16="http://schemas.microsoft.com/office/drawing/2014/main" id="{3554031C-B602-5D4F-9345-9AF252A2F4C9}"/>
+              </a:ext>
+            </a:extLst>
+          </p:cNvPr>
+          <p:cNvSpPr/>
+          <p:nvPr/>
+        </p:nvSpPr>
+        <p:spPr>
+          <a:xfrm>
+            <a:off x="543500" y="2192948"/>
+            <a:ext cx="2794291" cy="369332"/>
+          </a:xfrm>
+          <a:prstGeom prst="rect">
+            <a:avLst/>
+          </a:prstGeom>
+        </p:spPr>
+        <p:txBody>
+          <a:bodyPr wrap="none">
+            <a:spAutoFit/>
+          </a:bodyPr>
+          <a:lstStyle/>
+          <a:p>
+            <a:r>
+              <a:rPr lang="en-US" altLang="ko-KR" dirty="0">
+                <a:solidFill>
+                  <a:srgbClr val="D73A49"/>
+                </a:solidFill>
+                <a:latin typeface="SFMono-Regular"/>
+              </a:rPr>
+              <a:t>def</a:t>
+            </a:r>
+            <a:r>
+              <a:rPr lang="en-US" altLang="ko-KR" dirty="0">
+                <a:solidFill>
+                  <a:srgbClr val="24292E"/>
+                </a:solidFill>
+                <a:latin typeface="SFMono-Regular"/>
+              </a:rPr>
+              <a:t> </a:t>
+            </a:r>
+            <a:r>
+              <a:rPr lang="en-US" altLang="ko-KR" dirty="0" err="1">
+                <a:solidFill>
+                  <a:srgbClr val="6F42C1"/>
+                </a:solidFill>
+                <a:latin typeface="SFMono-Regular"/>
+              </a:rPr>
+              <a:t>adversarial_loss</a:t>
+            </a:r>
+            <a:r>
+              <a:rPr lang="en-US" altLang="ko-KR" dirty="0">
+                <a:solidFill>
+                  <a:srgbClr val="24292E"/>
+                </a:solidFill>
+                <a:latin typeface="SFMono-Regular"/>
+              </a:rPr>
+              <a:t>(self):</a:t>
+            </a:r>
+            <a:r>
+              <a:rPr lang="ko-KR" altLang="en-US" dirty="0">
+                <a:solidFill>
+                  <a:srgbClr val="24292E"/>
+                </a:solidFill>
+                <a:latin typeface="SFMono-Regular"/>
+              </a:rPr>
+              <a:t>  </a:t>
+            </a:r>
+            <a:r>
+              <a:rPr lang="en-US" altLang="ko-KR" b="1" dirty="0">
+                <a:solidFill>
+                  <a:srgbClr val="FF0000"/>
+                </a:solidFill>
+                <a:latin typeface="SFMono-Regular"/>
+              </a:rPr>
+              <a:t>3</a:t>
+            </a:r>
+            <a:endParaRPr lang="ko-KR" altLang="en-US" b="1" dirty="0">
+              <a:solidFill>
+                <a:srgbClr val="FF0000"/>
+              </a:solidFill>
+            </a:endParaRPr>
+          </a:p>
+        </p:txBody>
+      </p:sp>
+      <p:sp>
+        <p:nvSpPr>
+          <p:cNvPr id="11" name="직사각형 10">
+            <a:extLst>
+              <a:ext uri="{FF2B5EF4-FFF2-40B4-BE49-F238E27FC236}">
+                <a16:creationId xmlns:a16="http://schemas.microsoft.com/office/drawing/2014/main" id="{05B52F2F-0B22-6148-9116-8BBBF140B055}"/>
+              </a:ext>
+            </a:extLst>
+          </p:cNvPr>
+          <p:cNvSpPr/>
+          <p:nvPr/>
+        </p:nvSpPr>
+        <p:spPr>
+          <a:xfrm>
+            <a:off x="68865" y="1734296"/>
+            <a:ext cx="1082797" cy="369332"/>
+          </a:xfrm>
+          <a:prstGeom prst="rect">
+            <a:avLst/>
+          </a:prstGeom>
+        </p:spPr>
+        <p:txBody>
+          <a:bodyPr wrap="none">
+            <a:spAutoFit/>
+          </a:bodyPr>
+          <a:lstStyle/>
+          <a:p>
+            <a:r>
+              <a:rPr lang="en-US" altLang="ko-KR" dirty="0" err="1"/>
+              <a:t>layers.py</a:t>
+            </a:r>
+            <a:endParaRPr lang="ko-KR" altLang="en-US" dirty="0"/>
+          </a:p>
+        </p:txBody>
+      </p:sp>
+      <p:sp>
+        <p:nvSpPr>
+          <p:cNvPr id="14" name="TextBox 13">
+            <a:extLst>
+              <a:ext uri="{FF2B5EF4-FFF2-40B4-BE49-F238E27FC236}">
+                <a16:creationId xmlns:a16="http://schemas.microsoft.com/office/drawing/2014/main" id="{F6AA01A8-F898-9B41-AEC5-0B318581D51E}"/>
+              </a:ext>
+            </a:extLst>
+          </p:cNvPr>
+          <p:cNvSpPr txBox="1"/>
+          <p:nvPr/>
+        </p:nvSpPr>
+        <p:spPr>
+          <a:xfrm>
+            <a:off x="1116433" y="2826505"/>
+            <a:ext cx="7191777" cy="923330"/>
+          </a:xfrm>
+          <a:prstGeom prst="rect">
+            <a:avLst/>
+          </a:prstGeom>
+          <a:noFill/>
+        </p:spPr>
+        <p:txBody>
+          <a:bodyPr wrap="none" rtlCol="0">
+            <a:spAutoFit/>
+          </a:bodyPr>
+          <a:lstStyle/>
+          <a:p>
+            <a:r>
+              <a:rPr lang="en-US" altLang="ko-KR" dirty="0" err="1"/>
+              <a:t>random_perturbation_loss</a:t>
+            </a:r>
+            <a:r>
+              <a:rPr lang="ko-KR" altLang="en-US" dirty="0"/>
+              <a:t> </a:t>
+            </a:r>
+            <a:r>
+              <a:rPr lang="en-US" altLang="ko-KR" dirty="0"/>
+              <a:t>,</a:t>
+            </a:r>
+            <a:r>
+              <a:rPr lang="ko-KR" altLang="en-US" dirty="0"/>
+              <a:t> </a:t>
+            </a:r>
+            <a:r>
+              <a:rPr lang="en-US" altLang="ko-KR" dirty="0" err="1"/>
+              <a:t>adversarial_loss</a:t>
+            </a:r>
+            <a:r>
+              <a:rPr lang="en-US" altLang="ko-KR" dirty="0"/>
+              <a:t>,</a:t>
+            </a:r>
+            <a:r>
+              <a:rPr lang="ko-KR" altLang="en-US" dirty="0"/>
+              <a:t> </a:t>
+            </a:r>
+            <a:r>
+              <a:rPr lang="en-US" altLang="ko-KR" dirty="0" err="1"/>
+              <a:t>virtual_adversarial_loss</a:t>
+            </a:r>
+            <a:endParaRPr lang="en-US" altLang="ko-KR" dirty="0"/>
+          </a:p>
+          <a:p>
+            <a:endParaRPr kumimoji="1" lang="en-US" altLang="ko-KR" dirty="0"/>
+          </a:p>
+          <a:p>
+            <a:r>
+              <a:rPr kumimoji="1" lang="en-US" altLang="ko-KR" dirty="0"/>
+              <a:t>Loss</a:t>
+            </a:r>
+            <a:r>
+              <a:rPr kumimoji="1" lang="ko-KR" altLang="en-US" dirty="0" err="1"/>
+              <a:t>를</a:t>
+            </a:r>
+            <a:r>
+              <a:rPr kumimoji="1" lang="ko-KR" altLang="en-US" dirty="0"/>
+              <a:t> 구한다</a:t>
+            </a:r>
+            <a:r>
+              <a:rPr kumimoji="1" lang="en-US" altLang="ko-KR" dirty="0"/>
+              <a:t>.</a:t>
+            </a:r>
+            <a:endParaRPr kumimoji="1" lang="ko-KR" altLang="en-US" dirty="0"/>
+          </a:p>
+        </p:txBody>
+      </p:sp>
+      <p:sp>
+        <p:nvSpPr>
+          <p:cNvPr id="12" name="직사각형 11">
+            <a:extLst>
+              <a:ext uri="{FF2B5EF4-FFF2-40B4-BE49-F238E27FC236}">
+                <a16:creationId xmlns:a16="http://schemas.microsoft.com/office/drawing/2014/main" id="{50ECBD53-B9AB-0745-BE4B-FD02EDC4DD63}"/>
+              </a:ext>
+            </a:extLst>
+          </p:cNvPr>
+          <p:cNvSpPr/>
+          <p:nvPr/>
+        </p:nvSpPr>
+        <p:spPr>
+          <a:xfrm>
+            <a:off x="0" y="4158029"/>
+            <a:ext cx="2312043" cy="369332"/>
+          </a:xfrm>
+          <a:prstGeom prst="rect">
+            <a:avLst/>
+          </a:prstGeom>
+        </p:spPr>
+        <p:txBody>
+          <a:bodyPr wrap="none">
+            <a:spAutoFit/>
+          </a:bodyPr>
+          <a:lstStyle/>
+          <a:p>
+            <a:r>
+              <a:rPr lang="ko-KR" altLang="en-US" dirty="0" err="1"/>
+              <a:t>adversarial_losses.py</a:t>
+            </a:r>
+            <a:endParaRPr lang="ko-KR" altLang="en-US" dirty="0"/>
+          </a:p>
+        </p:txBody>
+      </p:sp>
+      <p:sp>
+        <p:nvSpPr>
+          <p:cNvPr id="18" name="직사각형 17">
+            <a:extLst>
+              <a:ext uri="{FF2B5EF4-FFF2-40B4-BE49-F238E27FC236}">
+                <a16:creationId xmlns:a16="http://schemas.microsoft.com/office/drawing/2014/main" id="{E1C017D2-C250-C248-8596-14889372A5DB}"/>
+              </a:ext>
+            </a:extLst>
+          </p:cNvPr>
+          <p:cNvSpPr/>
+          <p:nvPr/>
+        </p:nvSpPr>
+        <p:spPr>
+          <a:xfrm>
+            <a:off x="1398586" y="4750889"/>
+            <a:ext cx="3064365" cy="369332"/>
+          </a:xfrm>
+          <a:prstGeom prst="rect">
+            <a:avLst/>
+          </a:prstGeom>
+        </p:spPr>
+        <p:txBody>
+          <a:bodyPr wrap="none">
+            <a:spAutoFit/>
+          </a:bodyPr>
+          <a:lstStyle/>
+          <a:p>
+            <a:r>
+              <a:rPr lang="en-US" altLang="ko-KR" dirty="0">
+                <a:solidFill>
+                  <a:srgbClr val="D73A49"/>
+                </a:solidFill>
+                <a:latin typeface="SFMono-Regular"/>
+              </a:rPr>
+              <a:t>def</a:t>
+            </a:r>
+            <a:r>
+              <a:rPr lang="en-US" altLang="ko-KR" dirty="0">
+                <a:solidFill>
+                  <a:srgbClr val="24292E"/>
+                </a:solidFill>
+                <a:latin typeface="SFMono-Regular"/>
+              </a:rPr>
+              <a:t> </a:t>
+            </a:r>
+            <a:r>
+              <a:rPr lang="en-US" altLang="ko-KR" dirty="0" err="1">
+                <a:solidFill>
+                  <a:srgbClr val="6F42C1"/>
+                </a:solidFill>
+                <a:latin typeface="SFMono-Regular"/>
+              </a:rPr>
+              <a:t>random_perturbation_loss</a:t>
+            </a:r>
+            <a:endParaRPr lang="ko-KR" altLang="en-US" dirty="0"/>
+          </a:p>
+        </p:txBody>
+      </p:sp>
+      <p:sp>
+        <p:nvSpPr>
+          <p:cNvPr id="19" name="직사각형 18">
+            <a:extLst>
+              <a:ext uri="{FF2B5EF4-FFF2-40B4-BE49-F238E27FC236}">
+                <a16:creationId xmlns:a16="http://schemas.microsoft.com/office/drawing/2014/main" id="{5DD0277B-EB86-3943-9EFA-8590FB332145}"/>
+              </a:ext>
+            </a:extLst>
+          </p:cNvPr>
+          <p:cNvSpPr/>
+          <p:nvPr/>
+        </p:nvSpPr>
+        <p:spPr>
+          <a:xfrm>
+            <a:off x="1398586" y="5343749"/>
+            <a:ext cx="4494885" cy="369332"/>
+          </a:xfrm>
+          <a:prstGeom prst="rect">
+            <a:avLst/>
+          </a:prstGeom>
+        </p:spPr>
+        <p:txBody>
+          <a:bodyPr wrap="none">
+            <a:spAutoFit/>
+          </a:bodyPr>
+          <a:lstStyle/>
+          <a:p>
+            <a:r>
+              <a:rPr lang="en-US" altLang="ko-KR" dirty="0">
+                <a:solidFill>
+                  <a:srgbClr val="D73A49"/>
+                </a:solidFill>
+                <a:latin typeface="SFMono-Regular"/>
+              </a:rPr>
+              <a:t>def</a:t>
+            </a:r>
+            <a:r>
+              <a:rPr lang="en-US" altLang="ko-KR" dirty="0">
+                <a:solidFill>
+                  <a:srgbClr val="24292E"/>
+                </a:solidFill>
+                <a:latin typeface="SFMono-Regular"/>
+              </a:rPr>
+              <a:t> </a:t>
+            </a:r>
+            <a:r>
+              <a:rPr lang="en-US" altLang="ko-KR" dirty="0" err="1">
+                <a:solidFill>
+                  <a:srgbClr val="6F42C1"/>
+                </a:solidFill>
+                <a:latin typeface="SFMono-Regular"/>
+              </a:rPr>
+              <a:t>adversarial_loss</a:t>
+            </a:r>
+            <a:r>
+              <a:rPr lang="en-US" altLang="ko-KR" dirty="0">
+                <a:solidFill>
+                  <a:srgbClr val="24292E"/>
+                </a:solidFill>
+                <a:latin typeface="SFMono-Regular"/>
+              </a:rPr>
+              <a:t>(embedded, loss, </a:t>
+            </a:r>
+            <a:r>
+              <a:rPr lang="en-US" altLang="ko-KR" dirty="0" err="1">
+                <a:solidFill>
+                  <a:srgbClr val="24292E"/>
+                </a:solidFill>
+                <a:latin typeface="SFMono-Regular"/>
+              </a:rPr>
+              <a:t>loss_fn</a:t>
+            </a:r>
+            <a:r>
+              <a:rPr lang="en-US" altLang="ko-KR" dirty="0">
+                <a:solidFill>
+                  <a:srgbClr val="24292E"/>
+                </a:solidFill>
+                <a:latin typeface="SFMono-Regular"/>
+              </a:rPr>
+              <a:t>):</a:t>
+            </a:r>
+            <a:endParaRPr lang="ko-KR" altLang="en-US" dirty="0"/>
+          </a:p>
+        </p:txBody>
+      </p:sp>
+      <p:sp>
+        <p:nvSpPr>
+          <p:cNvPr id="22" name="직사각형 21">
+            <a:extLst>
+              <a:ext uri="{FF2B5EF4-FFF2-40B4-BE49-F238E27FC236}">
+                <a16:creationId xmlns:a16="http://schemas.microsoft.com/office/drawing/2014/main" id="{49222882-9699-DB48-A0CD-AC765A75758A}"/>
+              </a:ext>
+            </a:extLst>
+          </p:cNvPr>
+          <p:cNvSpPr/>
+          <p:nvPr/>
+        </p:nvSpPr>
+        <p:spPr>
+          <a:xfrm>
+            <a:off x="1398586" y="6121275"/>
+            <a:ext cx="5148910" cy="369332"/>
+          </a:xfrm>
+          <a:prstGeom prst="rect">
+            <a:avLst/>
+          </a:prstGeom>
+        </p:spPr>
+        <p:txBody>
+          <a:bodyPr wrap="none">
+            <a:spAutoFit/>
+          </a:bodyPr>
+          <a:lstStyle/>
+          <a:p>
+            <a:r>
+              <a:rPr lang="en-US" altLang="ko-KR" dirty="0">
+                <a:solidFill>
+                  <a:srgbClr val="D73A49"/>
+                </a:solidFill>
+                <a:latin typeface="SFMono-Regular"/>
+              </a:rPr>
+              <a:t>def</a:t>
+            </a:r>
+            <a:r>
+              <a:rPr lang="en-US" altLang="ko-KR" dirty="0">
+                <a:solidFill>
+                  <a:srgbClr val="24292E"/>
+                </a:solidFill>
+                <a:latin typeface="SFMono-Regular"/>
+              </a:rPr>
+              <a:t> </a:t>
+            </a:r>
+            <a:r>
+              <a:rPr lang="en-US" altLang="ko-KR" dirty="0" err="1">
+                <a:solidFill>
+                  <a:srgbClr val="6F42C1"/>
+                </a:solidFill>
+                <a:latin typeface="SFMono-Regular"/>
+              </a:rPr>
+              <a:t>virtual_adversarial_loss</a:t>
+            </a:r>
+            <a:r>
+              <a:rPr lang="en-US" altLang="ko-KR" dirty="0">
+                <a:solidFill>
+                  <a:srgbClr val="24292E"/>
+                </a:solidFill>
+                <a:latin typeface="SFMono-Regular"/>
+              </a:rPr>
+              <a:t>(logits, embedded, inputs</a:t>
+            </a:r>
+            <a:endParaRPr lang="ko-KR" altLang="en-US" dirty="0"/>
+          </a:p>
+        </p:txBody>
+      </p:sp>
+    </p:spTree>
+    <p:extLst>
+      <p:ext uri="{BB962C8B-B14F-4D97-AF65-F5344CB8AC3E}">
+        <p14:creationId xmlns:p14="http://schemas.microsoft.com/office/powerpoint/2010/main" val="1681941058"/>
+      </p:ext>
+    </p:extLst>
+  </p:cSld>
+  <p:clrMapOvr>
+    <a:masterClrMapping/>
+  </p:clrMapOvr>
+</p:sld>
+</file>
+
+<file path=ppt/slides/slide25.xml><?xml version="1.0" encoding="utf-8"?>
+<p:sld xmlns:a="http://schemas.openxmlformats.org/drawingml/2006/main" xmlns:r="http://schemas.openxmlformats.org/officeDocument/2006/relationships" xmlns:p="http://schemas.openxmlformats.org/presentationml/2006/main">
+  <p:cSld>
+    <p:spTree>
+      <p:nvGrpSpPr>
+        <p:cNvPr id="1" name=""/>
+        <p:cNvGrpSpPr/>
+        <p:nvPr/>
+      </p:nvGrpSpPr>
+      <p:grpSpPr>
+        <a:xfrm>
+          <a:off x="0" y="0"/>
+          <a:ext cx="0" cy="0"/>
+          <a:chOff x="0" y="0"/>
+          <a:chExt cx="0" cy="0"/>
+        </a:xfrm>
+      </p:grpSpPr>
+      <p:sp>
+        <p:nvSpPr>
+          <p:cNvPr id="12" name="직사각형 11">
+            <a:extLst>
+              <a:ext uri="{FF2B5EF4-FFF2-40B4-BE49-F238E27FC236}">
+                <a16:creationId xmlns:a16="http://schemas.microsoft.com/office/drawing/2014/main" id="{50ECBD53-B9AB-0745-BE4B-FD02EDC4DD63}"/>
+              </a:ext>
+            </a:extLst>
+          </p:cNvPr>
+          <p:cNvSpPr/>
+          <p:nvPr/>
+        </p:nvSpPr>
+        <p:spPr>
+          <a:xfrm>
+            <a:off x="128954" y="148737"/>
+            <a:ext cx="2312043" cy="369332"/>
+          </a:xfrm>
+          <a:prstGeom prst="rect">
+            <a:avLst/>
+          </a:prstGeom>
+        </p:spPr>
+        <p:txBody>
+          <a:bodyPr wrap="none">
+            <a:spAutoFit/>
+          </a:bodyPr>
+          <a:lstStyle/>
+          <a:p>
+            <a:r>
+              <a:rPr lang="ko-KR" altLang="en-US" dirty="0" err="1"/>
+              <a:t>adversarial_losses.py</a:t>
+            </a:r>
+            <a:endParaRPr lang="ko-KR" altLang="en-US" dirty="0"/>
+          </a:p>
+        </p:txBody>
+      </p:sp>
+      <p:sp>
+        <p:nvSpPr>
+          <p:cNvPr id="17" name="직사각형 16">
+            <a:extLst>
+              <a:ext uri="{FF2B5EF4-FFF2-40B4-BE49-F238E27FC236}">
+                <a16:creationId xmlns:a16="http://schemas.microsoft.com/office/drawing/2014/main" id="{9B1DB98C-B9C0-C84A-941A-DAA74431279D}"/>
+              </a:ext>
+            </a:extLst>
+          </p:cNvPr>
+          <p:cNvSpPr/>
+          <p:nvPr/>
+        </p:nvSpPr>
+        <p:spPr>
+          <a:xfrm>
+            <a:off x="1" y="5705985"/>
+            <a:ext cx="3786554" cy="1200329"/>
+          </a:xfrm>
+          <a:prstGeom prst="rect">
+            <a:avLst/>
+          </a:prstGeom>
+        </p:spPr>
+        <p:txBody>
+          <a:bodyPr wrap="square">
+            <a:spAutoFit/>
+          </a:bodyPr>
+          <a:lstStyle/>
+          <a:p>
+            <a:r>
+              <a:rPr lang="en-US" altLang="ko-KR" dirty="0" err="1"/>
+              <a:t>tf.sequence_mask</a:t>
+            </a:r>
+            <a:r>
+              <a:rPr lang="en-US" altLang="ko-KR" dirty="0"/>
+              <a:t>([</a:t>
+            </a:r>
+            <a:r>
+              <a:rPr lang="en-US" altLang="ko-KR" dirty="0">
+                <a:solidFill>
+                  <a:srgbClr val="C53929"/>
+                </a:solidFill>
+              </a:rPr>
+              <a:t>1</a:t>
+            </a:r>
+            <a:r>
+              <a:rPr lang="en-US" altLang="ko-KR" dirty="0"/>
+              <a:t>, </a:t>
+            </a:r>
+            <a:r>
+              <a:rPr lang="en-US" altLang="ko-KR" dirty="0">
+                <a:solidFill>
+                  <a:srgbClr val="C53929"/>
+                </a:solidFill>
+              </a:rPr>
+              <a:t>3</a:t>
+            </a:r>
+            <a:r>
+              <a:rPr lang="en-US" altLang="ko-KR" dirty="0"/>
+              <a:t>, </a:t>
+            </a:r>
+            <a:r>
+              <a:rPr lang="en-US" altLang="ko-KR" dirty="0">
+                <a:solidFill>
+                  <a:srgbClr val="C53929"/>
+                </a:solidFill>
+              </a:rPr>
+              <a:t>2</a:t>
+            </a:r>
+            <a:r>
+              <a:rPr lang="en-US" altLang="ko-KR" dirty="0"/>
+              <a:t>], </a:t>
+            </a:r>
+            <a:r>
+              <a:rPr lang="en-US" altLang="ko-KR" dirty="0">
+                <a:solidFill>
+                  <a:srgbClr val="C53929"/>
+                </a:solidFill>
+              </a:rPr>
+              <a:t>5</a:t>
+            </a:r>
+            <a:r>
+              <a:rPr lang="en-US" altLang="ko-KR" dirty="0"/>
+              <a:t>)  </a:t>
+            </a:r>
+          </a:p>
+          <a:p>
+            <a:r>
+              <a:rPr lang="en-US" altLang="ko-KR" dirty="0">
+                <a:solidFill>
+                  <a:srgbClr val="D81B60"/>
+                </a:solidFill>
+              </a:rPr>
+              <a:t># [[True, False, False, False, False],</a:t>
+            </a:r>
+            <a:br>
+              <a:rPr lang="en-US" altLang="ko-KR" dirty="0"/>
+            </a:br>
+            <a:r>
+              <a:rPr lang="en-US" altLang="ko-KR" dirty="0">
+                <a:solidFill>
+                  <a:srgbClr val="D81B60"/>
+                </a:solidFill>
+              </a:rPr>
+              <a:t>#  [True, True, True, False, False],</a:t>
+            </a:r>
+            <a:br>
+              <a:rPr lang="en-US" altLang="ko-KR" dirty="0"/>
+            </a:br>
+            <a:r>
+              <a:rPr lang="en-US" altLang="ko-KR" dirty="0">
+                <a:solidFill>
+                  <a:srgbClr val="D81B60"/>
+                </a:solidFill>
+              </a:rPr>
+              <a:t>#  [True, True, False, False, False]]</a:t>
+            </a:r>
+            <a:endParaRPr lang="ko-KR" altLang="en-US" dirty="0"/>
+          </a:p>
+        </p:txBody>
+      </p:sp>
+      <p:sp>
+        <p:nvSpPr>
+          <p:cNvPr id="5" name="직사각형 4">
+            <a:extLst>
+              <a:ext uri="{FF2B5EF4-FFF2-40B4-BE49-F238E27FC236}">
+                <a16:creationId xmlns:a16="http://schemas.microsoft.com/office/drawing/2014/main" id="{0D0EED6D-7186-3043-BDD2-8C43B63E4D0D}"/>
+              </a:ext>
+            </a:extLst>
+          </p:cNvPr>
+          <p:cNvSpPr/>
+          <p:nvPr/>
+        </p:nvSpPr>
+        <p:spPr>
+          <a:xfrm>
+            <a:off x="757436" y="518069"/>
+            <a:ext cx="8198994" cy="2862322"/>
+          </a:xfrm>
+          <a:prstGeom prst="rect">
+            <a:avLst/>
+          </a:prstGeom>
+        </p:spPr>
+        <p:txBody>
+          <a:bodyPr wrap="square">
+            <a:spAutoFit/>
+          </a:bodyPr>
+          <a:lstStyle/>
+          <a:p>
+            <a:r>
+              <a:rPr lang="ko-KR" altLang="en-US" dirty="0" err="1"/>
+              <a:t>def</a:t>
+            </a:r>
+            <a:r>
+              <a:rPr lang="ko-KR" altLang="en-US" dirty="0"/>
+              <a:t> _scale_l2(</a:t>
+            </a:r>
+            <a:r>
+              <a:rPr lang="ko-KR" altLang="en-US" dirty="0" err="1"/>
+              <a:t>x</a:t>
+            </a:r>
+            <a:r>
+              <a:rPr lang="ko-KR" altLang="en-US" dirty="0"/>
+              <a:t>, </a:t>
+            </a:r>
+            <a:r>
+              <a:rPr lang="ko-KR" altLang="en-US" dirty="0" err="1"/>
+              <a:t>norm_length</a:t>
+            </a:r>
+            <a:r>
+              <a:rPr lang="ko-KR" altLang="en-US" dirty="0"/>
+              <a:t>):</a:t>
+            </a:r>
+          </a:p>
+          <a:p>
+            <a:r>
+              <a:rPr lang="ko-KR" altLang="en-US" dirty="0"/>
+              <a:t>  # </a:t>
+            </a:r>
+            <a:r>
+              <a:rPr lang="ko-KR" altLang="en-US" dirty="0" err="1"/>
+              <a:t>shape</a:t>
+            </a:r>
+            <a:r>
+              <a:rPr lang="ko-KR" altLang="en-US" dirty="0"/>
+              <a:t>(</a:t>
+            </a:r>
+            <a:r>
+              <a:rPr lang="ko-KR" altLang="en-US" dirty="0" err="1"/>
+              <a:t>x</a:t>
+            </a:r>
+            <a:r>
+              <a:rPr lang="ko-KR" altLang="en-US" dirty="0"/>
+              <a:t>) = (</a:t>
+            </a:r>
+            <a:r>
+              <a:rPr lang="ko-KR" altLang="en-US" dirty="0" err="1"/>
+              <a:t>batch</a:t>
+            </a:r>
+            <a:r>
+              <a:rPr lang="ko-KR" altLang="en-US" dirty="0"/>
+              <a:t>, </a:t>
+            </a:r>
+            <a:r>
+              <a:rPr lang="ko-KR" altLang="en-US" dirty="0" err="1"/>
+              <a:t>num_timesteps</a:t>
+            </a:r>
+            <a:r>
+              <a:rPr lang="ko-KR" altLang="en-US" dirty="0"/>
+              <a:t>, </a:t>
+            </a:r>
+            <a:r>
+              <a:rPr lang="ko-KR" altLang="en-US" dirty="0" err="1"/>
+              <a:t>d</a:t>
+            </a:r>
+            <a:r>
+              <a:rPr lang="ko-KR" altLang="en-US" dirty="0"/>
+              <a:t>)</a:t>
+            </a:r>
+          </a:p>
+          <a:p>
+            <a:r>
+              <a:rPr lang="ko-KR" altLang="en-US" dirty="0"/>
+              <a:t>  # </a:t>
+            </a:r>
+            <a:r>
+              <a:rPr lang="ko-KR" altLang="en-US" dirty="0" err="1"/>
+              <a:t>Divide</a:t>
+            </a:r>
+            <a:r>
+              <a:rPr lang="ko-KR" altLang="en-US" dirty="0"/>
+              <a:t> </a:t>
+            </a:r>
+            <a:r>
+              <a:rPr lang="ko-KR" altLang="en-US" dirty="0" err="1"/>
+              <a:t>x</a:t>
+            </a:r>
+            <a:r>
+              <a:rPr lang="ko-KR" altLang="en-US" dirty="0"/>
+              <a:t> </a:t>
+            </a:r>
+            <a:r>
+              <a:rPr lang="ko-KR" altLang="en-US" dirty="0" err="1"/>
+              <a:t>by</a:t>
+            </a:r>
+            <a:r>
+              <a:rPr lang="ko-KR" altLang="en-US" dirty="0"/>
+              <a:t> </a:t>
+            </a:r>
+            <a:r>
+              <a:rPr lang="ko-KR" altLang="en-US" dirty="0" err="1"/>
+              <a:t>max</a:t>
+            </a:r>
+            <a:r>
+              <a:rPr lang="ko-KR" altLang="en-US" dirty="0"/>
+              <a:t>(</a:t>
+            </a:r>
+            <a:r>
+              <a:rPr lang="ko-KR" altLang="en-US" dirty="0" err="1"/>
+              <a:t>abs</a:t>
+            </a:r>
+            <a:r>
+              <a:rPr lang="ko-KR" altLang="en-US" dirty="0"/>
+              <a:t>(</a:t>
+            </a:r>
+            <a:r>
+              <a:rPr lang="ko-KR" altLang="en-US" dirty="0" err="1"/>
+              <a:t>x</a:t>
+            </a:r>
+            <a:r>
+              <a:rPr lang="ko-KR" altLang="en-US" dirty="0"/>
+              <a:t>)) </a:t>
+            </a:r>
+            <a:r>
+              <a:rPr lang="ko-KR" altLang="en-US" dirty="0" err="1"/>
+              <a:t>for</a:t>
+            </a:r>
+            <a:r>
+              <a:rPr lang="ko-KR" altLang="en-US" dirty="0"/>
+              <a:t> </a:t>
+            </a:r>
+            <a:r>
+              <a:rPr lang="ko-KR" altLang="en-US" dirty="0" err="1"/>
+              <a:t>a</a:t>
+            </a:r>
+            <a:r>
+              <a:rPr lang="ko-KR" altLang="en-US" dirty="0"/>
+              <a:t> </a:t>
+            </a:r>
+            <a:r>
+              <a:rPr lang="ko-KR" altLang="en-US" dirty="0" err="1"/>
+              <a:t>numerically</a:t>
+            </a:r>
+            <a:r>
+              <a:rPr lang="ko-KR" altLang="en-US" dirty="0"/>
+              <a:t> </a:t>
+            </a:r>
+            <a:r>
+              <a:rPr lang="ko-KR" altLang="en-US" dirty="0" err="1"/>
+              <a:t>stable</a:t>
+            </a:r>
+            <a:r>
+              <a:rPr lang="ko-KR" altLang="en-US" dirty="0"/>
+              <a:t> L2 </a:t>
+            </a:r>
+            <a:r>
+              <a:rPr lang="ko-KR" altLang="en-US" dirty="0" err="1"/>
+              <a:t>norm</a:t>
+            </a:r>
+            <a:r>
+              <a:rPr lang="ko-KR" altLang="en-US" dirty="0"/>
+              <a:t>.</a:t>
+            </a:r>
+          </a:p>
+          <a:p>
+            <a:r>
+              <a:rPr lang="ko-KR" altLang="en-US" dirty="0"/>
+              <a:t>  # 2norm(</a:t>
+            </a:r>
+            <a:r>
+              <a:rPr lang="ko-KR" altLang="en-US" dirty="0" err="1"/>
+              <a:t>x</a:t>
+            </a:r>
+            <a:r>
+              <a:rPr lang="ko-KR" altLang="en-US" dirty="0"/>
+              <a:t>) = </a:t>
+            </a:r>
+            <a:r>
+              <a:rPr lang="ko-KR" altLang="en-US" dirty="0" err="1"/>
+              <a:t>a</a:t>
+            </a:r>
+            <a:r>
+              <a:rPr lang="ko-KR" altLang="en-US" dirty="0"/>
+              <a:t> * 2norm(</a:t>
+            </a:r>
+            <a:r>
+              <a:rPr lang="ko-KR" altLang="en-US" dirty="0" err="1"/>
+              <a:t>x</a:t>
+            </a:r>
+            <a:r>
+              <a:rPr lang="ko-KR" altLang="en-US" dirty="0"/>
+              <a:t>/</a:t>
+            </a:r>
+            <a:r>
+              <a:rPr lang="ko-KR" altLang="en-US" dirty="0" err="1"/>
+              <a:t>a</a:t>
+            </a:r>
+            <a:r>
+              <a:rPr lang="ko-KR" altLang="en-US" dirty="0"/>
+              <a:t>)</a:t>
+            </a:r>
+          </a:p>
+          <a:p>
+            <a:r>
+              <a:rPr lang="ko-KR" altLang="en-US" dirty="0"/>
+              <a:t>  # </a:t>
+            </a:r>
+            <a:r>
+              <a:rPr lang="ko-KR" altLang="en-US" dirty="0" err="1"/>
+              <a:t>Scale</a:t>
+            </a:r>
+            <a:r>
+              <a:rPr lang="ko-KR" altLang="en-US" dirty="0"/>
+              <a:t> </a:t>
+            </a:r>
+            <a:r>
+              <a:rPr lang="ko-KR" altLang="en-US" dirty="0" err="1"/>
+              <a:t>over</a:t>
+            </a:r>
+            <a:r>
+              <a:rPr lang="ko-KR" altLang="en-US" dirty="0"/>
+              <a:t> </a:t>
+            </a:r>
+            <a:r>
+              <a:rPr lang="ko-KR" altLang="en-US" dirty="0" err="1"/>
+              <a:t>the</a:t>
+            </a:r>
+            <a:r>
+              <a:rPr lang="ko-KR" altLang="en-US" dirty="0"/>
+              <a:t> </a:t>
+            </a:r>
+            <a:r>
+              <a:rPr lang="ko-KR" altLang="en-US" dirty="0" err="1"/>
+              <a:t>full</a:t>
+            </a:r>
+            <a:r>
+              <a:rPr lang="ko-KR" altLang="en-US" dirty="0"/>
+              <a:t> </a:t>
+            </a:r>
+            <a:r>
+              <a:rPr lang="ko-KR" altLang="en-US" dirty="0" err="1"/>
+              <a:t>sequence</a:t>
+            </a:r>
+            <a:r>
+              <a:rPr lang="ko-KR" altLang="en-US" dirty="0"/>
+              <a:t>, </a:t>
+            </a:r>
+            <a:r>
+              <a:rPr lang="ko-KR" altLang="en-US" dirty="0" err="1"/>
+              <a:t>dims</a:t>
+            </a:r>
+            <a:r>
+              <a:rPr lang="ko-KR" altLang="en-US" dirty="0"/>
+              <a:t> (1, 2)</a:t>
+            </a:r>
+          </a:p>
+          <a:p>
+            <a:r>
+              <a:rPr lang="ko-KR" altLang="en-US" dirty="0"/>
+              <a:t>  </a:t>
+            </a:r>
+            <a:r>
+              <a:rPr lang="ko-KR" altLang="en-US" dirty="0" err="1"/>
+              <a:t>alpha</a:t>
+            </a:r>
+            <a:r>
+              <a:rPr lang="ko-KR" altLang="en-US" dirty="0"/>
+              <a:t> = </a:t>
+            </a:r>
+            <a:r>
+              <a:rPr lang="ko-KR" altLang="en-US" dirty="0" err="1"/>
+              <a:t>tf.reduce_max</a:t>
+            </a:r>
+            <a:r>
+              <a:rPr lang="ko-KR" altLang="en-US" dirty="0"/>
+              <a:t>(</a:t>
+            </a:r>
+            <a:r>
+              <a:rPr lang="ko-KR" altLang="en-US" dirty="0" err="1"/>
+              <a:t>tf.abs</a:t>
+            </a:r>
+            <a:r>
+              <a:rPr lang="ko-KR" altLang="en-US" dirty="0"/>
+              <a:t>(</a:t>
+            </a:r>
+            <a:r>
+              <a:rPr lang="ko-KR" altLang="en-US" dirty="0" err="1"/>
+              <a:t>x</a:t>
+            </a:r>
+            <a:r>
+              <a:rPr lang="ko-KR" altLang="en-US" dirty="0"/>
+              <a:t>), (1, 2), </a:t>
+            </a:r>
+            <a:r>
+              <a:rPr lang="ko-KR" altLang="en-US" dirty="0" err="1"/>
+              <a:t>keep_dims</a:t>
+            </a:r>
+            <a:r>
+              <a:rPr lang="ko-KR" altLang="en-US" dirty="0"/>
+              <a:t>=</a:t>
+            </a:r>
+            <a:r>
+              <a:rPr lang="ko-KR" altLang="en-US" dirty="0" err="1"/>
+              <a:t>True</a:t>
+            </a:r>
+            <a:r>
+              <a:rPr lang="ko-KR" altLang="en-US" dirty="0"/>
+              <a:t>) + 1e-12</a:t>
+            </a:r>
+          </a:p>
+          <a:p>
+            <a:r>
+              <a:rPr lang="ko-KR" altLang="en-US" dirty="0"/>
+              <a:t>  l2_norm = </a:t>
+            </a:r>
+            <a:r>
+              <a:rPr lang="ko-KR" altLang="en-US" dirty="0" err="1"/>
+              <a:t>alpha</a:t>
+            </a:r>
+            <a:r>
+              <a:rPr lang="ko-KR" altLang="en-US" dirty="0"/>
+              <a:t> * </a:t>
+            </a:r>
+            <a:r>
+              <a:rPr lang="ko-KR" altLang="en-US" dirty="0" err="1"/>
+              <a:t>tf.sqrt</a:t>
+            </a:r>
+            <a:r>
+              <a:rPr lang="ko-KR" altLang="en-US" dirty="0"/>
+              <a:t>(</a:t>
+            </a:r>
+          </a:p>
+          <a:p>
+            <a:r>
+              <a:rPr lang="ko-KR" altLang="en-US" dirty="0"/>
+              <a:t>      </a:t>
+            </a:r>
+            <a:r>
+              <a:rPr lang="ko-KR" altLang="en-US" dirty="0" err="1"/>
+              <a:t>tf.reduce_sum</a:t>
+            </a:r>
+            <a:r>
+              <a:rPr lang="ko-KR" altLang="en-US" dirty="0"/>
+              <a:t>(</a:t>
+            </a:r>
+            <a:r>
+              <a:rPr lang="ko-KR" altLang="en-US" dirty="0" err="1"/>
+              <a:t>tf.pow</a:t>
+            </a:r>
+            <a:r>
+              <a:rPr lang="ko-KR" altLang="en-US" dirty="0"/>
+              <a:t>(</a:t>
+            </a:r>
+            <a:r>
+              <a:rPr lang="ko-KR" altLang="en-US" dirty="0" err="1"/>
+              <a:t>x</a:t>
+            </a:r>
+            <a:r>
+              <a:rPr lang="ko-KR" altLang="en-US" dirty="0"/>
+              <a:t> / </a:t>
+            </a:r>
+            <a:r>
+              <a:rPr lang="ko-KR" altLang="en-US" dirty="0" err="1"/>
+              <a:t>alpha</a:t>
+            </a:r>
+            <a:r>
+              <a:rPr lang="ko-KR" altLang="en-US" dirty="0"/>
+              <a:t>, 2), (1, 2), </a:t>
+            </a:r>
+            <a:r>
+              <a:rPr lang="ko-KR" altLang="en-US" dirty="0" err="1"/>
+              <a:t>keep_dims</a:t>
+            </a:r>
+            <a:r>
+              <a:rPr lang="ko-KR" altLang="en-US" dirty="0"/>
+              <a:t>=</a:t>
+            </a:r>
+            <a:r>
+              <a:rPr lang="ko-KR" altLang="en-US" dirty="0" err="1"/>
+              <a:t>True</a:t>
+            </a:r>
+            <a:r>
+              <a:rPr lang="ko-KR" altLang="en-US" dirty="0"/>
+              <a:t>) + 1e-6)</a:t>
+            </a:r>
+          </a:p>
+          <a:p>
+            <a:r>
+              <a:rPr lang="ko-KR" altLang="en-US" dirty="0"/>
+              <a:t>  </a:t>
+            </a:r>
+            <a:r>
+              <a:rPr lang="ko-KR" altLang="en-US" dirty="0" err="1"/>
+              <a:t>x_unit</a:t>
+            </a:r>
+            <a:r>
+              <a:rPr lang="ko-KR" altLang="en-US" dirty="0"/>
+              <a:t> = </a:t>
+            </a:r>
+            <a:r>
+              <a:rPr lang="ko-KR" altLang="en-US" dirty="0" err="1"/>
+              <a:t>x</a:t>
+            </a:r>
+            <a:r>
+              <a:rPr lang="ko-KR" altLang="en-US" dirty="0"/>
+              <a:t> / l2_norm</a:t>
+            </a:r>
+          </a:p>
+          <a:p>
+            <a:r>
+              <a:rPr lang="ko-KR" altLang="en-US" dirty="0"/>
+              <a:t>  </a:t>
+            </a:r>
+            <a:r>
+              <a:rPr lang="ko-KR" altLang="en-US" dirty="0" err="1"/>
+              <a:t>return</a:t>
+            </a:r>
+            <a:r>
+              <a:rPr lang="ko-KR" altLang="en-US" dirty="0"/>
+              <a:t> </a:t>
+            </a:r>
+            <a:r>
+              <a:rPr lang="ko-KR" altLang="en-US" dirty="0" err="1"/>
+              <a:t>norm_length</a:t>
+            </a:r>
+            <a:r>
+              <a:rPr lang="ko-KR" altLang="en-US" dirty="0"/>
+              <a:t> * </a:t>
+            </a:r>
+            <a:r>
+              <a:rPr lang="ko-KR" altLang="en-US" dirty="0" err="1"/>
+              <a:t>x_unit</a:t>
+            </a:r>
+            <a:endParaRPr lang="ko-KR" altLang="en-US" dirty="0"/>
+          </a:p>
+        </p:txBody>
+      </p:sp>
+      <p:sp>
+        <p:nvSpPr>
+          <p:cNvPr id="6" name="직사각형 5">
+            <a:extLst>
+              <a:ext uri="{FF2B5EF4-FFF2-40B4-BE49-F238E27FC236}">
+                <a16:creationId xmlns:a16="http://schemas.microsoft.com/office/drawing/2014/main" id="{037A14DB-3C32-D441-A461-615FB95F68F8}"/>
+              </a:ext>
+            </a:extLst>
+          </p:cNvPr>
+          <p:cNvSpPr/>
+          <p:nvPr/>
+        </p:nvSpPr>
+        <p:spPr>
+          <a:xfrm>
+            <a:off x="3630575" y="4272677"/>
+            <a:ext cx="8561425" cy="2585323"/>
+          </a:xfrm>
+          <a:prstGeom prst="rect">
+            <a:avLst/>
+          </a:prstGeom>
+        </p:spPr>
+        <p:txBody>
+          <a:bodyPr wrap="square">
+            <a:spAutoFit/>
+          </a:bodyPr>
+          <a:lstStyle/>
+          <a:p>
+            <a:r>
+              <a:rPr lang="ko-KR" altLang="en-US" dirty="0" err="1"/>
+              <a:t>def</a:t>
+            </a:r>
+            <a:r>
+              <a:rPr lang="ko-KR" altLang="en-US" dirty="0"/>
+              <a:t> _</a:t>
+            </a:r>
+            <a:r>
+              <a:rPr lang="ko-KR" altLang="en-US" dirty="0" err="1"/>
+              <a:t>mask_by_length</a:t>
+            </a:r>
+            <a:r>
+              <a:rPr lang="ko-KR" altLang="en-US" dirty="0"/>
+              <a:t>(</a:t>
+            </a:r>
+            <a:r>
+              <a:rPr lang="ko-KR" altLang="en-US" dirty="0" err="1"/>
+              <a:t>t</a:t>
+            </a:r>
+            <a:r>
+              <a:rPr lang="ko-KR" altLang="en-US" dirty="0"/>
+              <a:t>, </a:t>
+            </a:r>
+            <a:r>
+              <a:rPr lang="ko-KR" altLang="en-US" dirty="0" err="1"/>
+              <a:t>length</a:t>
+            </a:r>
+            <a:r>
+              <a:rPr lang="ko-KR" altLang="en-US" dirty="0"/>
+              <a:t>):</a:t>
+            </a:r>
+          </a:p>
+          <a:p>
+            <a:r>
+              <a:rPr lang="ko-KR" altLang="en-US" dirty="0"/>
+              <a:t>  """</a:t>
+            </a:r>
+            <a:r>
+              <a:rPr lang="ko-KR" altLang="en-US" dirty="0" err="1"/>
+              <a:t>Mask</a:t>
+            </a:r>
+            <a:r>
+              <a:rPr lang="ko-KR" altLang="en-US" dirty="0"/>
+              <a:t> </a:t>
+            </a:r>
+            <a:r>
+              <a:rPr lang="ko-KR" altLang="en-US" dirty="0" err="1"/>
+              <a:t>t</a:t>
+            </a:r>
+            <a:r>
+              <a:rPr lang="ko-KR" altLang="en-US" dirty="0"/>
+              <a:t>, 3-D [</a:t>
+            </a:r>
+            <a:r>
+              <a:rPr lang="ko-KR" altLang="en-US" dirty="0" err="1"/>
+              <a:t>batch</a:t>
+            </a:r>
+            <a:r>
+              <a:rPr lang="ko-KR" altLang="en-US" dirty="0"/>
+              <a:t>, </a:t>
+            </a:r>
+            <a:r>
+              <a:rPr lang="ko-KR" altLang="en-US" dirty="0" err="1"/>
+              <a:t>time</a:t>
+            </a:r>
+            <a:r>
+              <a:rPr lang="ko-KR" altLang="en-US" dirty="0"/>
+              <a:t>, </a:t>
+            </a:r>
+            <a:r>
+              <a:rPr lang="ko-KR" altLang="en-US" dirty="0" err="1"/>
+              <a:t>dim</a:t>
+            </a:r>
+            <a:r>
+              <a:rPr lang="ko-KR" altLang="en-US" dirty="0"/>
+              <a:t>], </a:t>
+            </a:r>
+            <a:r>
+              <a:rPr lang="ko-KR" altLang="en-US" dirty="0" err="1"/>
+              <a:t>by</a:t>
+            </a:r>
+            <a:r>
+              <a:rPr lang="ko-KR" altLang="en-US" dirty="0"/>
+              <a:t> </a:t>
+            </a:r>
+            <a:r>
+              <a:rPr lang="ko-KR" altLang="en-US" dirty="0" err="1"/>
+              <a:t>length</a:t>
+            </a:r>
+            <a:r>
+              <a:rPr lang="ko-KR" altLang="en-US" dirty="0"/>
+              <a:t>, 1-D [</a:t>
+            </a:r>
+            <a:r>
+              <a:rPr lang="ko-KR" altLang="en-US" dirty="0" err="1"/>
+              <a:t>batch</a:t>
+            </a:r>
+            <a:r>
+              <a:rPr lang="ko-KR" altLang="en-US" dirty="0"/>
+              <a:t>,]."""</a:t>
+            </a:r>
+          </a:p>
+          <a:p>
+            <a:r>
+              <a:rPr lang="ko-KR" altLang="en-US" dirty="0"/>
+              <a:t>  </a:t>
+            </a:r>
+            <a:r>
+              <a:rPr lang="ko-KR" altLang="en-US" dirty="0" err="1"/>
+              <a:t>maxlen</a:t>
+            </a:r>
+            <a:r>
+              <a:rPr lang="ko-KR" altLang="en-US" dirty="0"/>
+              <a:t> = </a:t>
+            </a:r>
+            <a:r>
+              <a:rPr lang="ko-KR" altLang="en-US" dirty="0" err="1"/>
+              <a:t>t.get_shape</a:t>
+            </a:r>
+            <a:r>
+              <a:rPr lang="ko-KR" altLang="en-US" dirty="0"/>
+              <a:t>().</a:t>
+            </a:r>
+            <a:r>
+              <a:rPr lang="ko-KR" altLang="en-US" dirty="0" err="1"/>
+              <a:t>as_list</a:t>
+            </a:r>
+            <a:r>
+              <a:rPr lang="ko-KR" altLang="en-US" dirty="0"/>
+              <a:t>()[1]</a:t>
+            </a:r>
+          </a:p>
+          <a:p>
+            <a:endParaRPr lang="ko-KR" altLang="en-US" dirty="0"/>
+          </a:p>
+          <a:p>
+            <a:r>
+              <a:rPr lang="ko-KR" altLang="en-US" dirty="0"/>
+              <a:t>  # </a:t>
+            </a:r>
+            <a:r>
+              <a:rPr lang="ko-KR" altLang="en-US" dirty="0" err="1"/>
+              <a:t>Subtract</a:t>
+            </a:r>
+            <a:r>
+              <a:rPr lang="ko-KR" altLang="en-US" dirty="0"/>
+              <a:t> 1 </a:t>
+            </a:r>
+            <a:r>
+              <a:rPr lang="ko-KR" altLang="en-US" dirty="0" err="1"/>
+              <a:t>from</a:t>
+            </a:r>
+            <a:r>
+              <a:rPr lang="ko-KR" altLang="en-US" dirty="0"/>
+              <a:t> </a:t>
+            </a:r>
+            <a:r>
+              <a:rPr lang="ko-KR" altLang="en-US" dirty="0" err="1"/>
+              <a:t>length</a:t>
+            </a:r>
+            <a:r>
+              <a:rPr lang="ko-KR" altLang="en-US" dirty="0"/>
+              <a:t> </a:t>
+            </a:r>
+            <a:r>
+              <a:rPr lang="ko-KR" altLang="en-US" dirty="0" err="1"/>
+              <a:t>to</a:t>
+            </a:r>
+            <a:r>
+              <a:rPr lang="ko-KR" altLang="en-US" dirty="0"/>
+              <a:t> </a:t>
+            </a:r>
+            <a:r>
+              <a:rPr lang="ko-KR" altLang="en-US" dirty="0" err="1"/>
+              <a:t>prevent</a:t>
+            </a:r>
+            <a:r>
+              <a:rPr lang="ko-KR" altLang="en-US" dirty="0"/>
+              <a:t> </a:t>
+            </a:r>
+            <a:r>
+              <a:rPr lang="ko-KR" altLang="en-US" dirty="0" err="1"/>
+              <a:t>the</a:t>
+            </a:r>
+            <a:r>
+              <a:rPr lang="ko-KR" altLang="en-US" dirty="0"/>
+              <a:t> </a:t>
+            </a:r>
+            <a:r>
+              <a:rPr lang="ko-KR" altLang="en-US" dirty="0" err="1"/>
+              <a:t>perturbation</a:t>
+            </a:r>
+            <a:r>
+              <a:rPr lang="ko-KR" altLang="en-US" dirty="0"/>
+              <a:t> </a:t>
+            </a:r>
+            <a:r>
+              <a:rPr lang="ko-KR" altLang="en-US" dirty="0" err="1"/>
+              <a:t>from</a:t>
+            </a:r>
+            <a:r>
+              <a:rPr lang="ko-KR" altLang="en-US" dirty="0"/>
+              <a:t> </a:t>
+            </a:r>
+            <a:r>
+              <a:rPr lang="ko-KR" altLang="en-US" dirty="0" err="1"/>
+              <a:t>going</a:t>
+            </a:r>
+            <a:r>
+              <a:rPr lang="ko-KR" altLang="en-US" dirty="0"/>
+              <a:t> </a:t>
+            </a:r>
+            <a:r>
+              <a:rPr lang="ko-KR" altLang="en-US" dirty="0" err="1"/>
+              <a:t>on</a:t>
+            </a:r>
+            <a:r>
+              <a:rPr lang="ko-KR" altLang="en-US" dirty="0"/>
+              <a:t> '</a:t>
+            </a:r>
+            <a:r>
+              <a:rPr lang="ko-KR" altLang="en-US" dirty="0" err="1"/>
+              <a:t>eos</a:t>
+            </a:r>
+            <a:r>
+              <a:rPr lang="ko-KR" altLang="en-US" dirty="0"/>
+              <a:t>'</a:t>
+            </a:r>
+          </a:p>
+          <a:p>
+            <a:r>
+              <a:rPr lang="ko-KR" altLang="en-US" dirty="0"/>
+              <a:t>  </a:t>
+            </a:r>
+            <a:r>
+              <a:rPr lang="ko-KR" altLang="en-US" dirty="0" err="1"/>
+              <a:t>mask</a:t>
+            </a:r>
+            <a:r>
+              <a:rPr lang="ko-KR" altLang="en-US" dirty="0"/>
+              <a:t> = </a:t>
+            </a:r>
+            <a:r>
+              <a:rPr lang="ko-KR" altLang="en-US" dirty="0" err="1"/>
+              <a:t>tf.sequence_mask</a:t>
+            </a:r>
+            <a:r>
+              <a:rPr lang="ko-KR" altLang="en-US" dirty="0"/>
+              <a:t>(</a:t>
+            </a:r>
+            <a:r>
+              <a:rPr lang="ko-KR" altLang="en-US" dirty="0" err="1"/>
+              <a:t>length</a:t>
+            </a:r>
+            <a:r>
+              <a:rPr lang="ko-KR" altLang="en-US" dirty="0"/>
+              <a:t> - 1, </a:t>
+            </a:r>
+            <a:r>
+              <a:rPr lang="ko-KR" altLang="en-US" dirty="0" err="1"/>
+              <a:t>maxlen</a:t>
+            </a:r>
+            <a:r>
+              <a:rPr lang="ko-KR" altLang="en-US" dirty="0"/>
+              <a:t>=</a:t>
+            </a:r>
+            <a:r>
+              <a:rPr lang="ko-KR" altLang="en-US" dirty="0" err="1"/>
+              <a:t>maxlen</a:t>
+            </a:r>
+            <a:r>
+              <a:rPr lang="ko-KR" altLang="en-US" dirty="0"/>
+              <a:t>)</a:t>
+            </a:r>
+          </a:p>
+          <a:p>
+            <a:r>
+              <a:rPr lang="ko-KR" altLang="en-US" dirty="0"/>
+              <a:t>  </a:t>
+            </a:r>
+            <a:r>
+              <a:rPr lang="ko-KR" altLang="en-US" dirty="0" err="1"/>
+              <a:t>mask</a:t>
+            </a:r>
+            <a:r>
+              <a:rPr lang="ko-KR" altLang="en-US" dirty="0"/>
+              <a:t> = </a:t>
+            </a:r>
+            <a:r>
+              <a:rPr lang="ko-KR" altLang="en-US" dirty="0" err="1"/>
+              <a:t>tf.expand_dims</a:t>
+            </a:r>
+            <a:r>
+              <a:rPr lang="ko-KR" altLang="en-US" dirty="0"/>
+              <a:t>(</a:t>
+            </a:r>
+            <a:r>
+              <a:rPr lang="ko-KR" altLang="en-US" dirty="0" err="1"/>
+              <a:t>tf.cast</a:t>
+            </a:r>
+            <a:r>
+              <a:rPr lang="ko-KR" altLang="en-US" dirty="0"/>
+              <a:t>(</a:t>
+            </a:r>
+            <a:r>
+              <a:rPr lang="ko-KR" altLang="en-US" dirty="0" err="1"/>
+              <a:t>mask</a:t>
+            </a:r>
+            <a:r>
+              <a:rPr lang="ko-KR" altLang="en-US" dirty="0"/>
+              <a:t>, tf.float32), -1)</a:t>
+            </a:r>
+          </a:p>
+          <a:p>
+            <a:r>
+              <a:rPr lang="ko-KR" altLang="en-US" dirty="0"/>
+              <a:t>  # </a:t>
+            </a:r>
+            <a:r>
+              <a:rPr lang="ko-KR" altLang="en-US" dirty="0" err="1"/>
+              <a:t>shape</a:t>
+            </a:r>
+            <a:r>
+              <a:rPr lang="ko-KR" altLang="en-US" dirty="0"/>
+              <a:t>(</a:t>
+            </a:r>
+            <a:r>
+              <a:rPr lang="ko-KR" altLang="en-US" dirty="0" err="1"/>
+              <a:t>mask</a:t>
+            </a:r>
+            <a:r>
+              <a:rPr lang="ko-KR" altLang="en-US" dirty="0"/>
+              <a:t>) = (</a:t>
+            </a:r>
+            <a:r>
+              <a:rPr lang="ko-KR" altLang="en-US" dirty="0" err="1"/>
+              <a:t>batch</a:t>
+            </a:r>
+            <a:r>
+              <a:rPr lang="ko-KR" altLang="en-US" dirty="0"/>
+              <a:t>, </a:t>
+            </a:r>
+            <a:r>
+              <a:rPr lang="ko-KR" altLang="en-US" dirty="0" err="1"/>
+              <a:t>num_timesteps</a:t>
+            </a:r>
+            <a:r>
+              <a:rPr lang="ko-KR" altLang="en-US" dirty="0"/>
+              <a:t>, 1)</a:t>
+            </a:r>
+          </a:p>
+          <a:p>
+            <a:r>
+              <a:rPr lang="ko-KR" altLang="en-US" dirty="0"/>
+              <a:t>  </a:t>
+            </a:r>
+            <a:r>
+              <a:rPr lang="ko-KR" altLang="en-US" dirty="0" err="1"/>
+              <a:t>return</a:t>
+            </a:r>
+            <a:r>
+              <a:rPr lang="ko-KR" altLang="en-US" dirty="0"/>
+              <a:t> </a:t>
+            </a:r>
+            <a:r>
+              <a:rPr lang="ko-KR" altLang="en-US" dirty="0" err="1"/>
+              <a:t>t</a:t>
+            </a:r>
+            <a:r>
+              <a:rPr lang="ko-KR" altLang="en-US" dirty="0"/>
+              <a:t> * </a:t>
+            </a:r>
+            <a:r>
+              <a:rPr lang="ko-KR" altLang="en-US" dirty="0" err="1"/>
+              <a:t>mask</a:t>
+            </a:r>
+            <a:endParaRPr lang="ko-KR" altLang="en-US" dirty="0"/>
+          </a:p>
+        </p:txBody>
+      </p:sp>
+    </p:spTree>
+    <p:extLst>
+      <p:ext uri="{BB962C8B-B14F-4D97-AF65-F5344CB8AC3E}">
+        <p14:creationId xmlns:p14="http://schemas.microsoft.com/office/powerpoint/2010/main" val="4001999736"/>
+      </p:ext>
+    </p:extLst>
+  </p:cSld>
+  <p:clrMapOvr>
+    <a:masterClrMapping/>
+  </p:clrMapOvr>
+</p:sld>
+</file>
+
+<file path=ppt/slides/slide26.xml><?xml version="1.0" encoding="utf-8"?>
+<p:sld xmlns:a="http://schemas.openxmlformats.org/drawingml/2006/main" xmlns:r="http://schemas.openxmlformats.org/officeDocument/2006/relationships" xmlns:p="http://schemas.openxmlformats.org/presentationml/2006/main">
+  <p:cSld>
+    <p:spTree>
+      <p:nvGrpSpPr>
+        <p:cNvPr id="1" name=""/>
+        <p:cNvGrpSpPr/>
+        <p:nvPr/>
+      </p:nvGrpSpPr>
+      <p:grpSpPr>
+        <a:xfrm>
+          <a:off x="0" y="0"/>
+          <a:ext cx="0" cy="0"/>
+          <a:chOff x="0" y="0"/>
+          <a:chExt cx="0" cy="0"/>
+        </a:xfrm>
+      </p:grpSpPr>
+      <p:sp>
+        <p:nvSpPr>
+          <p:cNvPr id="2" name="직사각형 1">
+            <a:extLst>
+              <a:ext uri="{FF2B5EF4-FFF2-40B4-BE49-F238E27FC236}">
+                <a16:creationId xmlns:a16="http://schemas.microsoft.com/office/drawing/2014/main" id="{1CB5C570-C037-4F4A-A007-15BCCAC0AA84}"/>
+              </a:ext>
+            </a:extLst>
+          </p:cNvPr>
+          <p:cNvSpPr/>
+          <p:nvPr/>
+        </p:nvSpPr>
+        <p:spPr>
+          <a:xfrm>
+            <a:off x="220932" y="231503"/>
+            <a:ext cx="1199367" cy="369332"/>
+          </a:xfrm>
+          <a:prstGeom prst="rect">
+            <a:avLst/>
+          </a:prstGeom>
+        </p:spPr>
+        <p:txBody>
+          <a:bodyPr wrap="none">
+            <a:spAutoFit/>
+          </a:bodyPr>
+          <a:lstStyle/>
+          <a:p>
+            <a:r>
+              <a:rPr lang="ko-KR" altLang="en-US" dirty="0" err="1"/>
+              <a:t>graphs.py</a:t>
+            </a:r>
+            <a:endParaRPr lang="ko-KR" altLang="en-US" dirty="0"/>
+          </a:p>
+        </p:txBody>
+      </p:sp>
+      <p:sp>
+        <p:nvSpPr>
+          <p:cNvPr id="3" name="직사각형 2">
+            <a:extLst>
+              <a:ext uri="{FF2B5EF4-FFF2-40B4-BE49-F238E27FC236}">
+                <a16:creationId xmlns:a16="http://schemas.microsoft.com/office/drawing/2014/main" id="{78E57391-4EFF-F44B-B433-ACB20FFB8173}"/>
+              </a:ext>
+            </a:extLst>
+          </p:cNvPr>
+          <p:cNvSpPr/>
+          <p:nvPr/>
+        </p:nvSpPr>
+        <p:spPr>
+          <a:xfrm>
+            <a:off x="505148" y="770765"/>
+            <a:ext cx="2483180" cy="369332"/>
+          </a:xfrm>
+          <a:prstGeom prst="rect">
+            <a:avLst/>
+          </a:prstGeom>
+        </p:spPr>
+        <p:txBody>
+          <a:bodyPr wrap="none">
+            <a:spAutoFit/>
+          </a:bodyPr>
+          <a:lstStyle/>
+          <a:p>
+            <a:r>
+              <a:rPr lang="en-US" altLang="ko-KR" dirty="0">
+                <a:solidFill>
+                  <a:srgbClr val="D73A49"/>
+                </a:solidFill>
+                <a:latin typeface="SFMono-Regular"/>
+              </a:rPr>
+              <a:t>def</a:t>
+            </a:r>
+            <a:r>
+              <a:rPr lang="en-US" altLang="ko-KR" dirty="0">
+                <a:solidFill>
+                  <a:srgbClr val="24292E"/>
+                </a:solidFill>
+                <a:latin typeface="SFMono-Regular"/>
+              </a:rPr>
+              <a:t> </a:t>
+            </a:r>
+            <a:r>
+              <a:rPr lang="en-US" altLang="ko-KR" dirty="0" err="1">
+                <a:solidFill>
+                  <a:srgbClr val="6F42C1"/>
+                </a:solidFill>
+                <a:latin typeface="SFMono-Regular"/>
+              </a:rPr>
+              <a:t>classifier_graph</a:t>
+            </a:r>
+            <a:r>
+              <a:rPr lang="en-US" altLang="ko-KR" dirty="0">
+                <a:solidFill>
+                  <a:srgbClr val="24292E"/>
+                </a:solidFill>
+                <a:latin typeface="SFMono-Regular"/>
+              </a:rPr>
+              <a:t>(self)</a:t>
+            </a:r>
+            <a:endParaRPr lang="ko-KR" altLang="en-US" dirty="0"/>
+          </a:p>
+        </p:txBody>
+      </p:sp>
+      <p:sp>
+        <p:nvSpPr>
+          <p:cNvPr id="4" name="직사각형 3">
+            <a:extLst>
+              <a:ext uri="{FF2B5EF4-FFF2-40B4-BE49-F238E27FC236}">
+                <a16:creationId xmlns:a16="http://schemas.microsoft.com/office/drawing/2014/main" id="{95A523F6-F525-4847-9A02-DA260C3F1D22}"/>
+              </a:ext>
+            </a:extLst>
+          </p:cNvPr>
+          <p:cNvSpPr/>
+          <p:nvPr/>
+        </p:nvSpPr>
+        <p:spPr>
+          <a:xfrm>
+            <a:off x="1538124" y="1140097"/>
+            <a:ext cx="2691506" cy="369332"/>
+          </a:xfrm>
+          <a:prstGeom prst="rect">
+            <a:avLst/>
+          </a:prstGeom>
+        </p:spPr>
+        <p:txBody>
+          <a:bodyPr wrap="none">
+            <a:spAutoFit/>
+          </a:bodyPr>
+          <a:lstStyle/>
+          <a:p>
+            <a:r>
+              <a:rPr lang="en-US" altLang="ko-KR" dirty="0" err="1">
+                <a:solidFill>
+                  <a:srgbClr val="24292E"/>
+                </a:solidFill>
+                <a:latin typeface="SFMono-Regular"/>
+              </a:rPr>
+              <a:t>total_loss</a:t>
+            </a:r>
+            <a:r>
+              <a:rPr lang="en-US" altLang="ko-KR" dirty="0">
+                <a:solidFill>
+                  <a:srgbClr val="24292E"/>
+                </a:solidFill>
+                <a:latin typeface="SFMono-Regular"/>
+              </a:rPr>
+              <a:t> </a:t>
+            </a:r>
+            <a:r>
+              <a:rPr lang="en-US" altLang="ko-KR" dirty="0">
+                <a:solidFill>
+                  <a:srgbClr val="D73A49"/>
+                </a:solidFill>
+                <a:latin typeface="SFMono-Regular"/>
+              </a:rPr>
+              <a:t>=</a:t>
+            </a:r>
+            <a:r>
+              <a:rPr lang="en-US" altLang="ko-KR" dirty="0">
+                <a:solidFill>
+                  <a:srgbClr val="24292E"/>
+                </a:solidFill>
+                <a:latin typeface="SFMono-Regular"/>
+              </a:rPr>
+              <a:t> loss </a:t>
+            </a:r>
+            <a:r>
+              <a:rPr lang="en-US" altLang="ko-KR" dirty="0">
+                <a:solidFill>
+                  <a:srgbClr val="D73A49"/>
+                </a:solidFill>
+                <a:latin typeface="SFMono-Regular"/>
+              </a:rPr>
+              <a:t>+</a:t>
+            </a:r>
+            <a:r>
+              <a:rPr lang="en-US" altLang="ko-KR" dirty="0">
+                <a:solidFill>
+                  <a:srgbClr val="24292E"/>
+                </a:solidFill>
+                <a:latin typeface="SFMono-Regular"/>
+              </a:rPr>
+              <a:t> </a:t>
+            </a:r>
+            <a:r>
+              <a:rPr lang="en-US" altLang="ko-KR" dirty="0" err="1">
+                <a:solidFill>
+                  <a:srgbClr val="24292E"/>
+                </a:solidFill>
+                <a:latin typeface="SFMono-Regular"/>
+              </a:rPr>
+              <a:t>adv_loss</a:t>
+            </a:r>
+            <a:endParaRPr lang="ko-KR" altLang="en-US" dirty="0"/>
+          </a:p>
+        </p:txBody>
+      </p:sp>
+      <p:sp>
+        <p:nvSpPr>
+          <p:cNvPr id="8" name="직사각형 7">
+            <a:extLst>
+              <a:ext uri="{FF2B5EF4-FFF2-40B4-BE49-F238E27FC236}">
+                <a16:creationId xmlns:a16="http://schemas.microsoft.com/office/drawing/2014/main" id="{27A1E059-846C-284D-8373-07109C0E350A}"/>
+              </a:ext>
+            </a:extLst>
+          </p:cNvPr>
+          <p:cNvSpPr/>
+          <p:nvPr/>
+        </p:nvSpPr>
+        <p:spPr>
+          <a:xfrm>
+            <a:off x="505148" y="2123218"/>
+            <a:ext cx="4076757" cy="369332"/>
+          </a:xfrm>
+          <a:prstGeom prst="rect">
+            <a:avLst/>
+          </a:prstGeom>
+        </p:spPr>
+        <p:txBody>
+          <a:bodyPr wrap="none">
+            <a:spAutoFit/>
+          </a:bodyPr>
+          <a:lstStyle/>
+          <a:p>
+            <a:r>
+              <a:rPr lang="en-US" altLang="ko-KR" dirty="0" err="1">
+                <a:solidFill>
+                  <a:srgbClr val="24292E"/>
+                </a:solidFill>
+                <a:latin typeface="SFMono-Regular"/>
+              </a:rPr>
+              <a:t>train_op</a:t>
+            </a:r>
+            <a:r>
+              <a:rPr lang="en-US" altLang="ko-KR" dirty="0">
+                <a:solidFill>
+                  <a:srgbClr val="24292E"/>
+                </a:solidFill>
+                <a:latin typeface="SFMono-Regular"/>
+              </a:rPr>
+              <a:t> </a:t>
+            </a:r>
+            <a:r>
+              <a:rPr lang="en-US" altLang="ko-KR" dirty="0">
+                <a:solidFill>
+                  <a:srgbClr val="D73A49"/>
+                </a:solidFill>
+                <a:latin typeface="SFMono-Regular"/>
+              </a:rPr>
+              <a:t>=</a:t>
+            </a:r>
+            <a:r>
+              <a:rPr lang="en-US" altLang="ko-KR" dirty="0">
+                <a:solidFill>
+                  <a:srgbClr val="24292E"/>
+                </a:solidFill>
+                <a:latin typeface="SFMono-Regular"/>
+              </a:rPr>
+              <a:t> optimize(loss, </a:t>
+            </a:r>
+            <a:r>
+              <a:rPr lang="en-US" altLang="ko-KR" dirty="0" err="1">
+                <a:solidFill>
+                  <a:srgbClr val="005CC5"/>
+                </a:solidFill>
+                <a:latin typeface="SFMono-Regular"/>
+              </a:rPr>
+              <a:t>self</a:t>
+            </a:r>
+            <a:r>
+              <a:rPr lang="en-US" altLang="ko-KR" dirty="0" err="1">
+                <a:solidFill>
+                  <a:srgbClr val="24292E"/>
+                </a:solidFill>
+                <a:latin typeface="SFMono-Regular"/>
+              </a:rPr>
+              <a:t>.global_step</a:t>
+            </a:r>
+            <a:r>
+              <a:rPr lang="en-US" altLang="ko-KR" dirty="0">
+                <a:solidFill>
+                  <a:srgbClr val="24292E"/>
+                </a:solidFill>
+                <a:latin typeface="SFMono-Regular"/>
+              </a:rPr>
+              <a:t>)</a:t>
+            </a:r>
+            <a:endParaRPr lang="ko-KR" altLang="en-US" dirty="0"/>
+          </a:p>
+        </p:txBody>
+      </p:sp>
+      <p:sp>
+        <p:nvSpPr>
+          <p:cNvPr id="9" name="직사각형 8">
+            <a:extLst>
+              <a:ext uri="{FF2B5EF4-FFF2-40B4-BE49-F238E27FC236}">
+                <a16:creationId xmlns:a16="http://schemas.microsoft.com/office/drawing/2014/main" id="{FA4C7FEA-9BA1-3E46-845B-ADBF5210D77D}"/>
+              </a:ext>
+            </a:extLst>
+          </p:cNvPr>
+          <p:cNvSpPr/>
+          <p:nvPr/>
+        </p:nvSpPr>
+        <p:spPr>
+          <a:xfrm>
+            <a:off x="419644" y="2737007"/>
+            <a:ext cx="2654188" cy="369332"/>
+          </a:xfrm>
+          <a:prstGeom prst="rect">
+            <a:avLst/>
+          </a:prstGeom>
+        </p:spPr>
+        <p:txBody>
+          <a:bodyPr wrap="none">
+            <a:spAutoFit/>
+          </a:bodyPr>
+          <a:lstStyle/>
+          <a:p>
+            <a:r>
+              <a:rPr lang="en-US" altLang="ko-KR" dirty="0">
+                <a:solidFill>
+                  <a:srgbClr val="D73A49"/>
+                </a:solidFill>
+                <a:latin typeface="SFMono-Regular"/>
+              </a:rPr>
+              <a:t>return</a:t>
+            </a:r>
+            <a:r>
+              <a:rPr lang="en-US" altLang="ko-KR" dirty="0">
+                <a:solidFill>
+                  <a:srgbClr val="24292E"/>
+                </a:solidFill>
+                <a:latin typeface="SFMono-Regular"/>
+              </a:rPr>
+              <a:t> </a:t>
+            </a:r>
+            <a:r>
+              <a:rPr lang="en-US" altLang="ko-KR" dirty="0" err="1">
+                <a:solidFill>
+                  <a:srgbClr val="24292E"/>
+                </a:solidFill>
+                <a:latin typeface="SFMono-Regular"/>
+              </a:rPr>
+              <a:t>layers_lib.optimize</a:t>
+            </a:r>
+            <a:r>
+              <a:rPr lang="en-US" altLang="ko-KR" dirty="0">
+                <a:solidFill>
+                  <a:srgbClr val="24292E"/>
+                </a:solidFill>
+                <a:latin typeface="SFMono-Regular"/>
+              </a:rPr>
+              <a:t>(</a:t>
+            </a:r>
+            <a:endParaRPr lang="ko-KR" altLang="en-US" dirty="0"/>
+          </a:p>
+        </p:txBody>
+      </p:sp>
+      <p:sp>
+        <p:nvSpPr>
+          <p:cNvPr id="10" name="직사각형 9">
+            <a:extLst>
+              <a:ext uri="{FF2B5EF4-FFF2-40B4-BE49-F238E27FC236}">
+                <a16:creationId xmlns:a16="http://schemas.microsoft.com/office/drawing/2014/main" id="{9FAE16E6-BF8E-2242-B9EF-D4A49A2F20E4}"/>
+              </a:ext>
+            </a:extLst>
+          </p:cNvPr>
+          <p:cNvSpPr/>
+          <p:nvPr/>
+        </p:nvSpPr>
+        <p:spPr>
+          <a:xfrm>
+            <a:off x="220932" y="4014934"/>
+            <a:ext cx="1082797" cy="369332"/>
+          </a:xfrm>
+          <a:prstGeom prst="rect">
+            <a:avLst/>
+          </a:prstGeom>
+        </p:spPr>
+        <p:txBody>
+          <a:bodyPr wrap="none">
+            <a:spAutoFit/>
+          </a:bodyPr>
+          <a:lstStyle/>
+          <a:p>
+            <a:r>
+              <a:rPr lang="ko-KR" altLang="en-US" dirty="0" err="1"/>
+              <a:t>layers.py</a:t>
+            </a:r>
+            <a:endParaRPr lang="ko-KR" altLang="en-US" dirty="0"/>
+          </a:p>
+        </p:txBody>
+      </p:sp>
+      <p:sp>
+        <p:nvSpPr>
+          <p:cNvPr id="11" name="직사각형 10">
+            <a:extLst>
+              <a:ext uri="{FF2B5EF4-FFF2-40B4-BE49-F238E27FC236}">
+                <a16:creationId xmlns:a16="http://schemas.microsoft.com/office/drawing/2014/main" id="{9E4A8C1D-27C1-5D4A-8F85-652D17B163BD}"/>
+              </a:ext>
+            </a:extLst>
+          </p:cNvPr>
+          <p:cNvSpPr/>
+          <p:nvPr/>
+        </p:nvSpPr>
+        <p:spPr>
+          <a:xfrm>
+            <a:off x="648425" y="4628722"/>
+            <a:ext cx="1779398" cy="369332"/>
+          </a:xfrm>
+          <a:prstGeom prst="rect">
+            <a:avLst/>
+          </a:prstGeom>
+        </p:spPr>
+        <p:txBody>
+          <a:bodyPr wrap="none">
+            <a:spAutoFit/>
+          </a:bodyPr>
+          <a:lstStyle/>
+          <a:p>
+            <a:r>
+              <a:rPr lang="en-US" altLang="ko-KR" dirty="0">
+                <a:solidFill>
+                  <a:srgbClr val="D73A49"/>
+                </a:solidFill>
+                <a:latin typeface="SFMono-Regular"/>
+              </a:rPr>
+              <a:t>def</a:t>
+            </a:r>
+            <a:r>
+              <a:rPr lang="en-US" altLang="ko-KR" dirty="0">
+                <a:solidFill>
+                  <a:srgbClr val="24292E"/>
+                </a:solidFill>
+                <a:latin typeface="SFMono-Regular"/>
+              </a:rPr>
+              <a:t> </a:t>
+            </a:r>
+            <a:r>
+              <a:rPr lang="en-US" altLang="ko-KR" dirty="0">
+                <a:solidFill>
+                  <a:srgbClr val="6F42C1"/>
+                </a:solidFill>
+                <a:latin typeface="SFMono-Regular"/>
+              </a:rPr>
+              <a:t>optimize</a:t>
+            </a:r>
+            <a:r>
+              <a:rPr lang="en-US" altLang="ko-KR" dirty="0">
+                <a:solidFill>
+                  <a:srgbClr val="24292E"/>
+                </a:solidFill>
+                <a:latin typeface="SFMono-Regular"/>
+              </a:rPr>
+              <a:t>(loss</a:t>
+            </a:r>
+            <a:endParaRPr lang="ko-KR" altLang="en-US" dirty="0"/>
+          </a:p>
+        </p:txBody>
+      </p:sp>
+      <p:sp>
+        <p:nvSpPr>
+          <p:cNvPr id="13" name="직사각형 12">
+            <a:extLst>
+              <a:ext uri="{FF2B5EF4-FFF2-40B4-BE49-F238E27FC236}">
+                <a16:creationId xmlns:a16="http://schemas.microsoft.com/office/drawing/2014/main" id="{B42C14B1-0427-E446-B17A-B2683EEA4A03}"/>
+              </a:ext>
+            </a:extLst>
+          </p:cNvPr>
+          <p:cNvSpPr/>
+          <p:nvPr/>
+        </p:nvSpPr>
+        <p:spPr>
+          <a:xfrm>
+            <a:off x="1174775" y="5103561"/>
+            <a:ext cx="9305656" cy="1200329"/>
+          </a:xfrm>
+          <a:prstGeom prst="rect">
+            <a:avLst/>
+          </a:prstGeom>
+        </p:spPr>
+        <p:txBody>
+          <a:bodyPr wrap="square">
+            <a:spAutoFit/>
+          </a:bodyPr>
+          <a:lstStyle/>
+          <a:p>
+            <a:r>
+              <a:rPr lang="ko-KR" altLang="en-US" dirty="0"/>
+              <a:t> </a:t>
+            </a:r>
+            <a:r>
+              <a:rPr lang="ko-KR" altLang="en-US" dirty="0" err="1"/>
+              <a:t>non_embedding_grads_and_vars</a:t>
+            </a:r>
+            <a:r>
+              <a:rPr lang="ko-KR" altLang="en-US" dirty="0"/>
+              <a:t> = [(</a:t>
+            </a:r>
+            <a:r>
+              <a:rPr lang="ko-KR" altLang="en-US" dirty="0" err="1"/>
+              <a:t>g</a:t>
+            </a:r>
+            <a:r>
+              <a:rPr lang="ko-KR" altLang="en-US" dirty="0"/>
+              <a:t>, </a:t>
+            </a:r>
+            <a:r>
+              <a:rPr lang="ko-KR" altLang="en-US" dirty="0" err="1"/>
+              <a:t>v</a:t>
+            </a:r>
+            <a:r>
+              <a:rPr lang="ko-KR" altLang="en-US" dirty="0"/>
+              <a:t>) </a:t>
+            </a:r>
+            <a:r>
+              <a:rPr lang="ko-KR" altLang="en-US" dirty="0" err="1"/>
+              <a:t>for</a:t>
+            </a:r>
+            <a:r>
+              <a:rPr lang="ko-KR" altLang="en-US" dirty="0"/>
+              <a:t> (</a:t>
+            </a:r>
+            <a:r>
+              <a:rPr lang="ko-KR" altLang="en-US" dirty="0" err="1"/>
+              <a:t>g</a:t>
+            </a:r>
+            <a:r>
+              <a:rPr lang="ko-KR" altLang="en-US" dirty="0"/>
+              <a:t>, </a:t>
+            </a:r>
+            <a:r>
+              <a:rPr lang="ko-KR" altLang="en-US" dirty="0" err="1"/>
+              <a:t>v</a:t>
+            </a:r>
+            <a:r>
+              <a:rPr lang="ko-KR" altLang="en-US" dirty="0"/>
+              <a:t>) </a:t>
+            </a:r>
+            <a:r>
+              <a:rPr lang="ko-KR" altLang="en-US" dirty="0" err="1"/>
+              <a:t>in</a:t>
+            </a:r>
+            <a:r>
+              <a:rPr lang="ko-KR" altLang="en-US" dirty="0"/>
+              <a:t> </a:t>
+            </a:r>
+            <a:r>
+              <a:rPr lang="ko-KR" altLang="en-US" dirty="0" err="1"/>
+              <a:t>zip</a:t>
+            </a:r>
+            <a:r>
+              <a:rPr lang="ko-KR" altLang="en-US" dirty="0"/>
+              <a:t>(</a:t>
+            </a:r>
+            <a:r>
+              <a:rPr lang="ko-KR" altLang="en-US" dirty="0" err="1"/>
+              <a:t>grads</a:t>
+            </a:r>
+            <a:r>
+              <a:rPr lang="ko-KR" altLang="en-US" dirty="0"/>
+              <a:t>, </a:t>
+            </a:r>
+            <a:r>
+              <a:rPr lang="ko-KR" altLang="en-US" dirty="0" err="1"/>
+              <a:t>tvars</a:t>
+            </a:r>
+            <a:r>
+              <a:rPr lang="ko-KR" altLang="en-US" dirty="0"/>
+              <a:t>)</a:t>
+            </a:r>
+          </a:p>
+          <a:p>
+            <a:r>
+              <a:rPr lang="ko-KR" altLang="en-US" dirty="0"/>
+              <a:t>                                    </a:t>
+            </a:r>
+            <a:r>
+              <a:rPr lang="ko-KR" altLang="en-US" dirty="0" err="1"/>
+              <a:t>if</a:t>
+            </a:r>
+            <a:r>
+              <a:rPr lang="ko-KR" altLang="en-US" dirty="0"/>
+              <a:t> '</a:t>
+            </a:r>
+            <a:r>
+              <a:rPr lang="ko-KR" altLang="en-US" dirty="0" err="1"/>
+              <a:t>embedding</a:t>
+            </a:r>
+            <a:r>
+              <a:rPr lang="ko-KR" altLang="en-US" dirty="0"/>
+              <a:t>' </a:t>
+            </a:r>
+            <a:r>
+              <a:rPr lang="ko-KR" altLang="en-US" dirty="0" err="1"/>
+              <a:t>not</a:t>
+            </a:r>
+            <a:r>
+              <a:rPr lang="ko-KR" altLang="en-US" dirty="0"/>
+              <a:t> </a:t>
+            </a:r>
+            <a:r>
+              <a:rPr lang="ko-KR" altLang="en-US" dirty="0" err="1"/>
+              <a:t>in</a:t>
+            </a:r>
+            <a:r>
+              <a:rPr lang="ko-KR" altLang="en-US" dirty="0"/>
+              <a:t> </a:t>
+            </a:r>
+            <a:r>
+              <a:rPr lang="ko-KR" altLang="en-US" dirty="0" err="1"/>
+              <a:t>v.op.name</a:t>
+            </a:r>
+            <a:r>
+              <a:rPr lang="ko-KR" altLang="en-US" dirty="0"/>
+              <a:t>]</a:t>
+            </a:r>
+          </a:p>
+          <a:p>
+            <a:r>
+              <a:rPr lang="ko-KR" altLang="en-US" dirty="0"/>
+              <a:t> </a:t>
+            </a:r>
+            <a:r>
+              <a:rPr lang="ko-KR" altLang="en-US" dirty="0" err="1"/>
+              <a:t>embedding_grads_and_vars</a:t>
+            </a:r>
+            <a:r>
+              <a:rPr lang="ko-KR" altLang="en-US" dirty="0"/>
+              <a:t> = [(</a:t>
+            </a:r>
+            <a:r>
+              <a:rPr lang="ko-KR" altLang="en-US" dirty="0" err="1"/>
+              <a:t>g</a:t>
+            </a:r>
+            <a:r>
+              <a:rPr lang="ko-KR" altLang="en-US" dirty="0"/>
+              <a:t>, </a:t>
+            </a:r>
+            <a:r>
+              <a:rPr lang="ko-KR" altLang="en-US" dirty="0" err="1"/>
+              <a:t>v</a:t>
+            </a:r>
+            <a:r>
+              <a:rPr lang="ko-KR" altLang="en-US" dirty="0"/>
+              <a:t>) </a:t>
+            </a:r>
+            <a:r>
+              <a:rPr lang="ko-KR" altLang="en-US" dirty="0" err="1"/>
+              <a:t>for</a:t>
+            </a:r>
+            <a:r>
+              <a:rPr lang="ko-KR" altLang="en-US" dirty="0"/>
+              <a:t> (</a:t>
+            </a:r>
+            <a:r>
+              <a:rPr lang="ko-KR" altLang="en-US" dirty="0" err="1"/>
+              <a:t>g</a:t>
+            </a:r>
+            <a:r>
+              <a:rPr lang="ko-KR" altLang="en-US" dirty="0"/>
+              <a:t>, </a:t>
+            </a:r>
+            <a:r>
+              <a:rPr lang="ko-KR" altLang="en-US" dirty="0" err="1"/>
+              <a:t>v</a:t>
+            </a:r>
+            <a:r>
+              <a:rPr lang="ko-KR" altLang="en-US" dirty="0"/>
+              <a:t>) </a:t>
+            </a:r>
+            <a:r>
+              <a:rPr lang="ko-KR" altLang="en-US" dirty="0" err="1"/>
+              <a:t>in</a:t>
+            </a:r>
+            <a:r>
+              <a:rPr lang="ko-KR" altLang="en-US" dirty="0"/>
+              <a:t> </a:t>
+            </a:r>
+            <a:r>
+              <a:rPr lang="ko-KR" altLang="en-US" dirty="0" err="1"/>
+              <a:t>zip</a:t>
+            </a:r>
+            <a:r>
+              <a:rPr lang="ko-KR" altLang="en-US" dirty="0"/>
+              <a:t>(</a:t>
+            </a:r>
+            <a:r>
+              <a:rPr lang="ko-KR" altLang="en-US" dirty="0" err="1"/>
+              <a:t>grads</a:t>
+            </a:r>
+            <a:r>
+              <a:rPr lang="ko-KR" altLang="en-US" dirty="0"/>
+              <a:t>, </a:t>
+            </a:r>
+            <a:r>
+              <a:rPr lang="ko-KR" altLang="en-US" dirty="0" err="1"/>
+              <a:t>tvars</a:t>
+            </a:r>
+            <a:r>
+              <a:rPr lang="ko-KR" altLang="en-US" dirty="0"/>
+              <a:t>)</a:t>
+            </a:r>
+          </a:p>
+          <a:p>
+            <a:r>
+              <a:rPr lang="ko-KR" altLang="en-US" dirty="0"/>
+              <a:t>                                </a:t>
+            </a:r>
+            <a:r>
+              <a:rPr lang="ko-KR" altLang="en-US" dirty="0" err="1"/>
+              <a:t>if</a:t>
+            </a:r>
+            <a:r>
+              <a:rPr lang="ko-KR" altLang="en-US" dirty="0"/>
+              <a:t> '</a:t>
+            </a:r>
+            <a:r>
+              <a:rPr lang="ko-KR" altLang="en-US" dirty="0" err="1"/>
+              <a:t>embedding</a:t>
+            </a:r>
+            <a:r>
+              <a:rPr lang="ko-KR" altLang="en-US" dirty="0"/>
+              <a:t>' </a:t>
+            </a:r>
+            <a:r>
+              <a:rPr lang="ko-KR" altLang="en-US" dirty="0" err="1"/>
+              <a:t>in</a:t>
+            </a:r>
+            <a:r>
+              <a:rPr lang="ko-KR" altLang="en-US" dirty="0"/>
+              <a:t> </a:t>
+            </a:r>
+            <a:r>
+              <a:rPr lang="ko-KR" altLang="en-US" dirty="0" err="1"/>
+              <a:t>v.op.name</a:t>
+            </a:r>
+            <a:r>
+              <a:rPr lang="ko-KR" altLang="en-US" dirty="0"/>
+              <a:t>]</a:t>
+            </a:r>
+          </a:p>
+        </p:txBody>
+      </p:sp>
+    </p:spTree>
+    <p:extLst>
+      <p:ext uri="{BB962C8B-B14F-4D97-AF65-F5344CB8AC3E}">
+        <p14:creationId xmlns:p14="http://schemas.microsoft.com/office/powerpoint/2010/main" val="286894323"/>
+      </p:ext>
+    </p:extLst>
+  </p:cSld>
+  <p:clrMapOvr>
+    <a:masterClrMapping/>
+  </p:clrMapOvr>
+</p:sld>
+</file>
+
+<file path=ppt/slides/slide27.xml><?xml version="1.0" encoding="utf-8"?>
+<p:sld xmlns:a="http://schemas.openxmlformats.org/drawingml/2006/main" xmlns:r="http://schemas.openxmlformats.org/officeDocument/2006/relationships" xmlns:p="http://schemas.openxmlformats.org/presentationml/2006/main">
+  <p:cSld>
+    <p:spTree>
+      <p:nvGrpSpPr>
+        <p:cNvPr id="1" name=""/>
+        <p:cNvGrpSpPr/>
+        <p:nvPr/>
+      </p:nvGrpSpPr>
+      <p:grpSpPr>
+        <a:xfrm>
+          <a:off x="0" y="0"/>
+          <a:ext cx="0" cy="0"/>
+          <a:chOff x="0" y="0"/>
+          <a:chExt cx="0" cy="0"/>
+        </a:xfrm>
+      </p:grpSpPr>
+      <p:sp>
+        <p:nvSpPr>
+          <p:cNvPr id="10" name="직사각형 9">
+            <a:extLst>
+              <a:ext uri="{FF2B5EF4-FFF2-40B4-BE49-F238E27FC236}">
+                <a16:creationId xmlns:a16="http://schemas.microsoft.com/office/drawing/2014/main" id="{9FAE16E6-BF8E-2242-B9EF-D4A49A2F20E4}"/>
+              </a:ext>
+            </a:extLst>
+          </p:cNvPr>
+          <p:cNvSpPr/>
+          <p:nvPr/>
+        </p:nvSpPr>
+        <p:spPr>
+          <a:xfrm>
+            <a:off x="127147" y="193211"/>
+            <a:ext cx="1082797" cy="369332"/>
+          </a:xfrm>
+          <a:prstGeom prst="rect">
+            <a:avLst/>
+          </a:prstGeom>
+        </p:spPr>
+        <p:txBody>
+          <a:bodyPr wrap="none">
+            <a:spAutoFit/>
+          </a:bodyPr>
+          <a:lstStyle/>
+          <a:p>
+            <a:r>
+              <a:rPr lang="ko-KR" altLang="en-US" dirty="0" err="1"/>
+              <a:t>layers.py</a:t>
+            </a:r>
+            <a:endParaRPr lang="ko-KR" altLang="en-US" dirty="0"/>
+          </a:p>
+        </p:txBody>
+      </p:sp>
+      <p:sp>
+        <p:nvSpPr>
+          <p:cNvPr id="5" name="직사각형 4">
+            <a:extLst>
+              <a:ext uri="{FF2B5EF4-FFF2-40B4-BE49-F238E27FC236}">
+                <a16:creationId xmlns:a16="http://schemas.microsoft.com/office/drawing/2014/main" id="{A0765BAF-ADE8-E440-BE3A-BF27DD7C39BE}"/>
+              </a:ext>
+            </a:extLst>
+          </p:cNvPr>
+          <p:cNvSpPr/>
+          <p:nvPr/>
+        </p:nvSpPr>
+        <p:spPr>
+          <a:xfrm>
+            <a:off x="668545" y="761220"/>
+            <a:ext cx="7068686" cy="369332"/>
+          </a:xfrm>
+          <a:prstGeom prst="rect">
+            <a:avLst/>
+          </a:prstGeom>
+        </p:spPr>
+        <p:txBody>
+          <a:bodyPr wrap="square">
+            <a:spAutoFit/>
+          </a:bodyPr>
+          <a:lstStyle/>
+          <a:p>
+            <a:r>
+              <a:rPr lang="en-US" altLang="ko-KR" dirty="0" err="1">
+                <a:solidFill>
+                  <a:srgbClr val="24292E"/>
+                </a:solidFill>
+                <a:latin typeface="SFMono-Regular"/>
+              </a:rPr>
+              <a:t>ne_grads</a:t>
+            </a:r>
+            <a:r>
+              <a:rPr lang="en-US" altLang="ko-KR" dirty="0">
+                <a:solidFill>
+                  <a:srgbClr val="24292E"/>
+                </a:solidFill>
+                <a:latin typeface="SFMono-Regular"/>
+              </a:rPr>
+              <a:t>, _ </a:t>
+            </a:r>
+            <a:r>
+              <a:rPr lang="en-US" altLang="ko-KR" dirty="0">
+                <a:solidFill>
+                  <a:srgbClr val="D73A49"/>
+                </a:solidFill>
+                <a:latin typeface="SFMono-Regular"/>
+              </a:rPr>
+              <a:t>=</a:t>
+            </a:r>
+            <a:r>
+              <a:rPr lang="en-US" altLang="ko-KR" dirty="0">
+                <a:solidFill>
+                  <a:srgbClr val="24292E"/>
+                </a:solidFill>
+                <a:latin typeface="SFMono-Regular"/>
+              </a:rPr>
+              <a:t> </a:t>
+            </a:r>
+            <a:r>
+              <a:rPr lang="en-US" altLang="ko-KR" dirty="0" err="1">
+                <a:solidFill>
+                  <a:srgbClr val="24292E"/>
+                </a:solidFill>
+                <a:latin typeface="SFMono-Regular"/>
+              </a:rPr>
+              <a:t>tf.clip_by_global_norm</a:t>
+            </a:r>
+            <a:r>
+              <a:rPr lang="en-US" altLang="ko-KR" dirty="0">
+                <a:solidFill>
+                  <a:srgbClr val="24292E"/>
+                </a:solidFill>
+                <a:latin typeface="SFMono-Regular"/>
+              </a:rPr>
+              <a:t>(</a:t>
+            </a:r>
+            <a:r>
+              <a:rPr lang="en-US" altLang="ko-KR" dirty="0" err="1">
+                <a:solidFill>
+                  <a:srgbClr val="24292E"/>
+                </a:solidFill>
+                <a:latin typeface="SFMono-Regular"/>
+              </a:rPr>
+              <a:t>ne_grads</a:t>
+            </a:r>
+            <a:r>
+              <a:rPr lang="en-US" altLang="ko-KR" dirty="0">
+                <a:solidFill>
+                  <a:srgbClr val="24292E"/>
+                </a:solidFill>
+                <a:latin typeface="SFMono-Regular"/>
+              </a:rPr>
+              <a:t>, </a:t>
+            </a:r>
+            <a:r>
+              <a:rPr lang="en-US" altLang="ko-KR" dirty="0" err="1">
+                <a:solidFill>
+                  <a:srgbClr val="24292E"/>
+                </a:solidFill>
+                <a:latin typeface="SFMono-Regular"/>
+              </a:rPr>
+              <a:t>max_grad_norm</a:t>
+            </a:r>
+            <a:endParaRPr lang="ko-KR" altLang="en-US" dirty="0"/>
+          </a:p>
+        </p:txBody>
+      </p:sp>
+      <p:sp>
+        <p:nvSpPr>
+          <p:cNvPr id="6" name="직사각형 5">
+            <a:extLst>
+              <a:ext uri="{FF2B5EF4-FFF2-40B4-BE49-F238E27FC236}">
+                <a16:creationId xmlns:a16="http://schemas.microsoft.com/office/drawing/2014/main" id="{83EFDD8F-4B82-4D4D-95CA-65F5FB80CDD8}"/>
+              </a:ext>
+            </a:extLst>
+          </p:cNvPr>
+          <p:cNvSpPr/>
+          <p:nvPr/>
+        </p:nvSpPr>
+        <p:spPr>
+          <a:xfrm>
+            <a:off x="668544" y="1494582"/>
+            <a:ext cx="7408655" cy="1477328"/>
+          </a:xfrm>
+          <a:prstGeom prst="rect">
+            <a:avLst/>
+          </a:prstGeom>
+        </p:spPr>
+        <p:txBody>
+          <a:bodyPr wrap="square">
+            <a:spAutoFit/>
+          </a:bodyPr>
+          <a:lstStyle/>
+          <a:p>
+            <a:r>
+              <a:rPr lang="ko-KR" altLang="en-US" dirty="0"/>
+              <a:t> # </a:t>
+            </a:r>
+            <a:r>
+              <a:rPr lang="ko-KR" altLang="en-US" dirty="0" err="1"/>
+              <a:t>Decaying</a:t>
+            </a:r>
+            <a:r>
+              <a:rPr lang="ko-KR" altLang="en-US" dirty="0"/>
+              <a:t> </a:t>
+            </a:r>
+            <a:r>
+              <a:rPr lang="ko-KR" altLang="en-US" dirty="0" err="1"/>
+              <a:t>learning</a:t>
+            </a:r>
+            <a:r>
+              <a:rPr lang="ko-KR" altLang="en-US" dirty="0"/>
+              <a:t> </a:t>
+            </a:r>
+            <a:r>
+              <a:rPr lang="ko-KR" altLang="en-US" dirty="0" err="1"/>
+              <a:t>rate</a:t>
+            </a:r>
+            <a:endParaRPr lang="ko-KR" altLang="en-US" dirty="0"/>
+          </a:p>
+          <a:p>
+            <a:r>
+              <a:rPr lang="ko-KR" altLang="en-US" dirty="0"/>
+              <a:t>    </a:t>
+            </a:r>
+            <a:r>
+              <a:rPr lang="ko-KR" altLang="en-US" dirty="0" err="1"/>
+              <a:t>lr</a:t>
+            </a:r>
+            <a:r>
+              <a:rPr lang="ko-KR" altLang="en-US" dirty="0"/>
+              <a:t> = </a:t>
+            </a:r>
+            <a:r>
+              <a:rPr lang="ko-KR" altLang="en-US" dirty="0" err="1"/>
+              <a:t>tf.train.exponential_decay</a:t>
+            </a:r>
+            <a:r>
+              <a:rPr lang="ko-KR" altLang="en-US" dirty="0"/>
+              <a:t>(</a:t>
+            </a:r>
+          </a:p>
+          <a:p>
+            <a:r>
+              <a:rPr lang="ko-KR" altLang="en-US" dirty="0"/>
+              <a:t>        </a:t>
+            </a:r>
+            <a:r>
+              <a:rPr lang="ko-KR" altLang="en-US" dirty="0" err="1"/>
+              <a:t>lr</a:t>
+            </a:r>
+            <a:r>
+              <a:rPr lang="ko-KR" altLang="en-US" dirty="0"/>
+              <a:t>, </a:t>
+            </a:r>
+            <a:r>
+              <a:rPr lang="ko-KR" altLang="en-US" dirty="0" err="1"/>
+              <a:t>global_step</a:t>
+            </a:r>
+            <a:r>
+              <a:rPr lang="ko-KR" altLang="en-US" dirty="0"/>
+              <a:t>, 1, </a:t>
+            </a:r>
+            <a:r>
+              <a:rPr lang="ko-KR" altLang="en-US" dirty="0" err="1"/>
+              <a:t>lr_decay</a:t>
+            </a:r>
+            <a:r>
+              <a:rPr lang="ko-KR" altLang="en-US" dirty="0"/>
+              <a:t>, </a:t>
+            </a:r>
+            <a:r>
+              <a:rPr lang="ko-KR" altLang="en-US" dirty="0" err="1"/>
+              <a:t>staircase</a:t>
+            </a:r>
+            <a:r>
+              <a:rPr lang="ko-KR" altLang="en-US" dirty="0"/>
+              <a:t>=</a:t>
+            </a:r>
+            <a:r>
+              <a:rPr lang="ko-KR" altLang="en-US" dirty="0" err="1"/>
+              <a:t>True</a:t>
+            </a:r>
+            <a:r>
+              <a:rPr lang="ko-KR" altLang="en-US" dirty="0"/>
+              <a:t>)</a:t>
+            </a:r>
+          </a:p>
+          <a:p>
+            <a:r>
+              <a:rPr lang="ko-KR" altLang="en-US" dirty="0"/>
+              <a:t>    </a:t>
+            </a:r>
+            <a:r>
+              <a:rPr lang="ko-KR" altLang="en-US" dirty="0" err="1"/>
+              <a:t>tf.summary.scalar</a:t>
+            </a:r>
+            <a:r>
+              <a:rPr lang="ko-KR" altLang="en-US" dirty="0"/>
+              <a:t>('</a:t>
+            </a:r>
+            <a:r>
+              <a:rPr lang="ko-KR" altLang="en-US" dirty="0" err="1"/>
+              <a:t>learning_rate</a:t>
+            </a:r>
+            <a:r>
+              <a:rPr lang="ko-KR" altLang="en-US" dirty="0"/>
+              <a:t>', </a:t>
+            </a:r>
+            <a:r>
+              <a:rPr lang="ko-KR" altLang="en-US" dirty="0" err="1"/>
+              <a:t>lr</a:t>
+            </a:r>
+            <a:r>
+              <a:rPr lang="ko-KR" altLang="en-US" dirty="0"/>
+              <a:t>)</a:t>
+            </a:r>
+          </a:p>
+          <a:p>
+            <a:r>
+              <a:rPr lang="ko-KR" altLang="en-US" dirty="0"/>
+              <a:t>    </a:t>
+            </a:r>
+            <a:r>
+              <a:rPr lang="ko-KR" altLang="en-US" dirty="0" err="1"/>
+              <a:t>opt</a:t>
+            </a:r>
+            <a:r>
+              <a:rPr lang="ko-KR" altLang="en-US" dirty="0"/>
+              <a:t> = </a:t>
+            </a:r>
+            <a:r>
+              <a:rPr lang="ko-KR" altLang="en-US" dirty="0" err="1"/>
+              <a:t>tf.train.AdamOptimizer</a:t>
+            </a:r>
+            <a:r>
+              <a:rPr lang="ko-KR" altLang="en-US" dirty="0"/>
+              <a:t>(</a:t>
+            </a:r>
+            <a:r>
+              <a:rPr lang="ko-KR" altLang="en-US" dirty="0" err="1"/>
+              <a:t>lr</a:t>
+            </a:r>
+            <a:r>
+              <a:rPr lang="ko-KR" altLang="en-US" dirty="0"/>
+              <a:t>)</a:t>
+            </a:r>
+          </a:p>
+        </p:txBody>
+      </p:sp>
+      <p:sp>
+        <p:nvSpPr>
+          <p:cNvPr id="12" name="직사각형 11">
+            <a:extLst>
+              <a:ext uri="{FF2B5EF4-FFF2-40B4-BE49-F238E27FC236}">
+                <a16:creationId xmlns:a16="http://schemas.microsoft.com/office/drawing/2014/main" id="{5227EFE2-9D27-4A48-9B1E-D07020D169B4}"/>
+              </a:ext>
+            </a:extLst>
+          </p:cNvPr>
+          <p:cNvSpPr/>
+          <p:nvPr/>
+        </p:nvSpPr>
+        <p:spPr>
+          <a:xfrm>
+            <a:off x="127147" y="3335940"/>
+            <a:ext cx="1911229" cy="369332"/>
+          </a:xfrm>
+          <a:prstGeom prst="rect">
+            <a:avLst/>
+          </a:prstGeom>
+        </p:spPr>
+        <p:txBody>
+          <a:bodyPr wrap="none">
+            <a:spAutoFit/>
+          </a:bodyPr>
+          <a:lstStyle/>
+          <a:p>
+            <a:r>
+              <a:rPr lang="ko-KR" altLang="en-US" dirty="0" err="1"/>
+              <a:t>train_classifier.py</a:t>
+            </a:r>
+            <a:endParaRPr lang="ko-KR" altLang="en-US" dirty="0"/>
+          </a:p>
+        </p:txBody>
+      </p:sp>
+      <p:sp>
+        <p:nvSpPr>
+          <p:cNvPr id="14" name="직사각형 13">
+            <a:extLst>
+              <a:ext uri="{FF2B5EF4-FFF2-40B4-BE49-F238E27FC236}">
+                <a16:creationId xmlns:a16="http://schemas.microsoft.com/office/drawing/2014/main" id="{E2A5640E-636A-3145-A70A-6E4412B6C422}"/>
+              </a:ext>
+            </a:extLst>
+          </p:cNvPr>
+          <p:cNvSpPr/>
+          <p:nvPr/>
+        </p:nvSpPr>
+        <p:spPr>
+          <a:xfrm>
+            <a:off x="827884" y="3903949"/>
+            <a:ext cx="2420984" cy="369332"/>
+          </a:xfrm>
+          <a:prstGeom prst="rect">
+            <a:avLst/>
+          </a:prstGeom>
+        </p:spPr>
+        <p:txBody>
+          <a:bodyPr wrap="none">
+            <a:spAutoFit/>
+          </a:bodyPr>
+          <a:lstStyle/>
+          <a:p>
+            <a:r>
+              <a:rPr lang="en-US" altLang="ko-KR" dirty="0" err="1">
+                <a:solidFill>
+                  <a:srgbClr val="24292E"/>
+                </a:solidFill>
+                <a:latin typeface="SFMono-Regular"/>
+              </a:rPr>
+              <a:t>train_utils.run_training</a:t>
+            </a:r>
+            <a:r>
+              <a:rPr lang="en-US" altLang="ko-KR" dirty="0">
+                <a:solidFill>
+                  <a:srgbClr val="24292E"/>
+                </a:solidFill>
+                <a:latin typeface="SFMono-Regular"/>
+              </a:rPr>
+              <a:t>(</a:t>
+            </a:r>
+            <a:endParaRPr lang="ko-KR" altLang="en-US" dirty="0"/>
+          </a:p>
+        </p:txBody>
+      </p:sp>
+      <p:sp>
+        <p:nvSpPr>
+          <p:cNvPr id="15" name="직사각형 14">
+            <a:extLst>
+              <a:ext uri="{FF2B5EF4-FFF2-40B4-BE49-F238E27FC236}">
+                <a16:creationId xmlns:a16="http://schemas.microsoft.com/office/drawing/2014/main" id="{55D9DDF3-D77F-E248-BA78-D6CB3DEEFAFA}"/>
+              </a:ext>
+            </a:extLst>
+          </p:cNvPr>
+          <p:cNvSpPr/>
+          <p:nvPr/>
+        </p:nvSpPr>
+        <p:spPr>
+          <a:xfrm>
+            <a:off x="87136" y="4637311"/>
+            <a:ext cx="1481496" cy="369332"/>
+          </a:xfrm>
+          <a:prstGeom prst="rect">
+            <a:avLst/>
+          </a:prstGeom>
+        </p:spPr>
+        <p:txBody>
+          <a:bodyPr wrap="none">
+            <a:spAutoFit/>
+          </a:bodyPr>
+          <a:lstStyle/>
+          <a:p>
+            <a:r>
+              <a:rPr lang="ko-KR" altLang="en-US" dirty="0" err="1"/>
+              <a:t>train_utils.py</a:t>
+            </a:r>
+            <a:endParaRPr lang="ko-KR" altLang="en-US" dirty="0"/>
+          </a:p>
+        </p:txBody>
+      </p:sp>
+      <p:sp>
+        <p:nvSpPr>
+          <p:cNvPr id="16" name="직사각형 15">
+            <a:extLst>
+              <a:ext uri="{FF2B5EF4-FFF2-40B4-BE49-F238E27FC236}">
+                <a16:creationId xmlns:a16="http://schemas.microsoft.com/office/drawing/2014/main" id="{993B2521-69DE-7E49-BB48-94499D2E9763}"/>
+              </a:ext>
+            </a:extLst>
+          </p:cNvPr>
+          <p:cNvSpPr/>
+          <p:nvPr/>
+        </p:nvSpPr>
+        <p:spPr>
+          <a:xfrm>
+            <a:off x="980285" y="5205320"/>
+            <a:ext cx="2614370" cy="369332"/>
+          </a:xfrm>
+          <a:prstGeom prst="rect">
+            <a:avLst/>
+          </a:prstGeom>
+        </p:spPr>
+        <p:txBody>
+          <a:bodyPr wrap="none">
+            <a:spAutoFit/>
+          </a:bodyPr>
+          <a:lstStyle/>
+          <a:p>
+            <a:r>
+              <a:rPr lang="en-US" altLang="ko-KR" dirty="0" err="1">
+                <a:solidFill>
+                  <a:srgbClr val="24292E"/>
+                </a:solidFill>
+                <a:latin typeface="SFMono-Regular"/>
+              </a:rPr>
+              <a:t>tf.train.Supervisor</a:t>
+            </a:r>
+            <a:r>
+              <a:rPr lang="en-US" altLang="ko-KR" dirty="0">
+                <a:solidFill>
+                  <a:srgbClr val="24292E"/>
+                </a:solidFill>
+                <a:latin typeface="SFMono-Regular"/>
+              </a:rPr>
+              <a:t>( # </a:t>
+            </a:r>
+            <a:r>
+              <a:rPr lang="ko-KR" altLang="en-US" dirty="0">
+                <a:solidFill>
+                  <a:srgbClr val="24292E"/>
+                </a:solidFill>
+                <a:latin typeface="SFMono-Regular"/>
+              </a:rPr>
+              <a:t>설정</a:t>
+            </a:r>
+            <a:endParaRPr lang="ko-KR" altLang="en-US" dirty="0"/>
+          </a:p>
+        </p:txBody>
+      </p:sp>
+      <p:sp>
+        <p:nvSpPr>
+          <p:cNvPr id="17" name="직사각형 16">
+            <a:extLst>
+              <a:ext uri="{FF2B5EF4-FFF2-40B4-BE49-F238E27FC236}">
+                <a16:creationId xmlns:a16="http://schemas.microsoft.com/office/drawing/2014/main" id="{37206EE0-037A-464F-A75A-190F6C22379D}"/>
+              </a:ext>
+            </a:extLst>
+          </p:cNvPr>
+          <p:cNvSpPr/>
+          <p:nvPr/>
+        </p:nvSpPr>
+        <p:spPr>
+          <a:xfrm>
+            <a:off x="980285" y="5938682"/>
+            <a:ext cx="2852384" cy="369332"/>
+          </a:xfrm>
+          <a:prstGeom prst="rect">
+            <a:avLst/>
+          </a:prstGeom>
+        </p:spPr>
+        <p:txBody>
+          <a:bodyPr wrap="none">
+            <a:spAutoFit/>
+          </a:bodyPr>
+          <a:lstStyle/>
+          <a:p>
+            <a:r>
+              <a:rPr lang="en-US" altLang="ko-KR" dirty="0" err="1">
+                <a:solidFill>
+                  <a:srgbClr val="24292E"/>
+                </a:solidFill>
+                <a:latin typeface="SFMono-Regular"/>
+              </a:rPr>
+              <a:t>sv.start_queue_runners</a:t>
+            </a:r>
+            <a:r>
+              <a:rPr lang="en-US" altLang="ko-KR" dirty="0">
+                <a:solidFill>
+                  <a:srgbClr val="24292E"/>
+                </a:solidFill>
+                <a:latin typeface="SFMono-Regular"/>
+              </a:rPr>
+              <a:t>(</a:t>
+            </a:r>
+            <a:r>
+              <a:rPr lang="en-US" altLang="ko-KR" dirty="0" err="1">
+                <a:solidFill>
+                  <a:srgbClr val="24292E"/>
+                </a:solidFill>
+                <a:latin typeface="SFMono-Regular"/>
+              </a:rPr>
+              <a:t>sess</a:t>
+            </a:r>
+            <a:endParaRPr lang="ko-KR" altLang="en-US" dirty="0"/>
+          </a:p>
+        </p:txBody>
+      </p:sp>
+      <p:sp>
+        <p:nvSpPr>
+          <p:cNvPr id="18" name="직사각형 17">
+            <a:extLst>
+              <a:ext uri="{FF2B5EF4-FFF2-40B4-BE49-F238E27FC236}">
+                <a16:creationId xmlns:a16="http://schemas.microsoft.com/office/drawing/2014/main" id="{95015AEB-0869-034D-A931-6F619A587ED2}"/>
+              </a:ext>
+            </a:extLst>
+          </p:cNvPr>
+          <p:cNvSpPr/>
+          <p:nvPr/>
+        </p:nvSpPr>
+        <p:spPr>
+          <a:xfrm>
+            <a:off x="4202887" y="4928321"/>
+            <a:ext cx="7262281" cy="646331"/>
+          </a:xfrm>
+          <a:prstGeom prst="rect">
+            <a:avLst/>
+          </a:prstGeom>
+        </p:spPr>
+        <p:txBody>
+          <a:bodyPr wrap="square">
+            <a:spAutoFit/>
+          </a:bodyPr>
+          <a:lstStyle/>
+          <a:p>
+            <a:r>
+              <a:rPr lang="en-US" altLang="ko-KR" dirty="0">
+                <a:solidFill>
+                  <a:srgbClr val="D73A49"/>
+                </a:solidFill>
+                <a:latin typeface="SFMono-Regular"/>
+              </a:rPr>
+              <a:t>while</a:t>
+            </a:r>
+            <a:r>
+              <a:rPr lang="en-US" altLang="ko-KR" dirty="0">
+                <a:solidFill>
+                  <a:srgbClr val="24292E"/>
+                </a:solidFill>
+                <a:latin typeface="SFMono-Regular"/>
+              </a:rPr>
+              <a:t> </a:t>
+            </a:r>
+            <a:r>
+              <a:rPr lang="en-US" altLang="ko-KR" dirty="0">
+                <a:solidFill>
+                  <a:srgbClr val="D73A49"/>
+                </a:solidFill>
+                <a:latin typeface="SFMono-Regular"/>
+              </a:rPr>
+              <a:t>not</a:t>
+            </a:r>
+            <a:r>
+              <a:rPr lang="en-US" altLang="ko-KR" dirty="0">
+                <a:solidFill>
+                  <a:srgbClr val="24292E"/>
+                </a:solidFill>
+                <a:latin typeface="SFMono-Regular"/>
+              </a:rPr>
+              <a:t> </a:t>
+            </a:r>
+            <a:r>
+              <a:rPr lang="en-US" altLang="ko-KR" dirty="0" err="1">
+                <a:solidFill>
+                  <a:srgbClr val="24292E"/>
+                </a:solidFill>
+                <a:latin typeface="SFMono-Regular"/>
+              </a:rPr>
+              <a:t>sv.should_stop</a:t>
+            </a:r>
+            <a:r>
+              <a:rPr lang="en-US" altLang="ko-KR" dirty="0">
+                <a:solidFill>
+                  <a:srgbClr val="24292E"/>
+                </a:solidFill>
+                <a:latin typeface="SFMono-Regular"/>
+              </a:rPr>
+              <a:t>() </a:t>
+            </a:r>
+            <a:r>
+              <a:rPr lang="en-US" altLang="ko-KR" dirty="0">
+                <a:solidFill>
+                  <a:srgbClr val="D73A49"/>
+                </a:solidFill>
+                <a:latin typeface="SFMono-Regular"/>
+              </a:rPr>
+              <a:t>and</a:t>
+            </a:r>
+            <a:r>
+              <a:rPr lang="en-US" altLang="ko-KR" dirty="0">
+                <a:solidFill>
+                  <a:srgbClr val="24292E"/>
+                </a:solidFill>
+                <a:latin typeface="SFMono-Regular"/>
+              </a:rPr>
+              <a:t> </a:t>
+            </a:r>
+            <a:r>
+              <a:rPr lang="en-US" altLang="ko-KR" dirty="0" err="1">
+                <a:solidFill>
+                  <a:srgbClr val="24292E"/>
+                </a:solidFill>
+                <a:latin typeface="SFMono-Regular"/>
+              </a:rPr>
+              <a:t>global_step_val</a:t>
+            </a:r>
+            <a:r>
+              <a:rPr lang="en-US" altLang="ko-KR" dirty="0">
+                <a:solidFill>
+                  <a:srgbClr val="24292E"/>
+                </a:solidFill>
+                <a:latin typeface="SFMono-Regular"/>
+              </a:rPr>
+              <a:t> </a:t>
+            </a:r>
+            <a:r>
+              <a:rPr lang="en-US" altLang="ko-KR" dirty="0">
+                <a:solidFill>
+                  <a:srgbClr val="D73A49"/>
+                </a:solidFill>
+                <a:latin typeface="SFMono-Regular"/>
+              </a:rPr>
+              <a:t>&lt;</a:t>
+            </a:r>
+            <a:r>
+              <a:rPr lang="en-US" altLang="ko-KR" dirty="0">
+                <a:solidFill>
+                  <a:srgbClr val="24292E"/>
+                </a:solidFill>
+                <a:latin typeface="SFMono-Regular"/>
+              </a:rPr>
+              <a:t> </a:t>
+            </a:r>
+            <a:r>
+              <a:rPr lang="en-US" altLang="ko-KR" dirty="0" err="1">
+                <a:solidFill>
+                  <a:srgbClr val="005CC5"/>
+                </a:solidFill>
+                <a:latin typeface="SFMono-Regular"/>
+              </a:rPr>
+              <a:t>FLAGS</a:t>
+            </a:r>
+            <a:r>
+              <a:rPr lang="en-US" altLang="ko-KR" dirty="0" err="1">
+                <a:solidFill>
+                  <a:srgbClr val="24292E"/>
+                </a:solidFill>
+                <a:latin typeface="SFMono-Regular"/>
+              </a:rPr>
+              <a:t>.max_steps</a:t>
+            </a:r>
+            <a:r>
+              <a:rPr lang="en-US" altLang="ko-KR" dirty="0">
+                <a:solidFill>
+                  <a:srgbClr val="24292E"/>
+                </a:solidFill>
+                <a:latin typeface="SFMono-Regular"/>
+              </a:rPr>
+              <a:t>:</a:t>
+            </a:r>
+          </a:p>
+          <a:p>
+            <a:r>
+              <a:rPr lang="ko-KR" altLang="en-US" dirty="0">
+                <a:solidFill>
+                  <a:srgbClr val="24292E"/>
+                </a:solidFill>
+                <a:latin typeface="SFMono-Regular"/>
+              </a:rPr>
+              <a:t>학습을 돌린다</a:t>
+            </a:r>
+            <a:r>
+              <a:rPr lang="en-US" altLang="ko-KR" dirty="0">
+                <a:solidFill>
+                  <a:srgbClr val="24292E"/>
+                </a:solidFill>
+                <a:latin typeface="SFMono-Regular"/>
+              </a:rPr>
+              <a:t>.</a:t>
+            </a:r>
+            <a:r>
+              <a:rPr lang="ko-KR" altLang="en-US" dirty="0">
+                <a:solidFill>
+                  <a:srgbClr val="24292E"/>
+                </a:solidFill>
+                <a:latin typeface="SFMono-Regular"/>
+              </a:rPr>
+              <a:t> </a:t>
+            </a:r>
+            <a:r>
+              <a:rPr lang="en-US" altLang="ko-KR" dirty="0">
+                <a:solidFill>
+                  <a:srgbClr val="24292E"/>
+                </a:solidFill>
+                <a:latin typeface="SFMono-Regular"/>
+              </a:rPr>
+              <a:t>Train Loop</a:t>
+            </a:r>
+            <a:endParaRPr lang="ko-KR" altLang="en-US" dirty="0"/>
+          </a:p>
+        </p:txBody>
+      </p:sp>
+      <p:sp>
+        <p:nvSpPr>
+          <p:cNvPr id="20" name="직사각형 19">
+            <a:extLst>
+              <a:ext uri="{FF2B5EF4-FFF2-40B4-BE49-F238E27FC236}">
+                <a16:creationId xmlns:a16="http://schemas.microsoft.com/office/drawing/2014/main" id="{8457A522-8B41-D046-A421-55A389ABEAB6}"/>
+              </a:ext>
+            </a:extLst>
+          </p:cNvPr>
+          <p:cNvSpPr/>
+          <p:nvPr/>
+        </p:nvSpPr>
+        <p:spPr>
+          <a:xfrm>
+            <a:off x="4202887" y="5938682"/>
+            <a:ext cx="5037276" cy="646331"/>
+          </a:xfrm>
+          <a:prstGeom prst="rect">
+            <a:avLst/>
+          </a:prstGeom>
+        </p:spPr>
+        <p:txBody>
+          <a:bodyPr wrap="none">
+            <a:spAutoFit/>
+          </a:bodyPr>
+          <a:lstStyle/>
+          <a:p>
+            <a:r>
+              <a:rPr lang="en-US" altLang="ko-KR" dirty="0">
+                <a:solidFill>
+                  <a:srgbClr val="D73A49"/>
+                </a:solidFill>
+                <a:latin typeface="SFMono-Regular"/>
+              </a:rPr>
+              <a:t>if</a:t>
+            </a:r>
+            <a:r>
+              <a:rPr lang="en-US" altLang="ko-KR" dirty="0">
+                <a:solidFill>
+                  <a:srgbClr val="24292E"/>
+                </a:solidFill>
+                <a:latin typeface="SFMono-Regular"/>
+              </a:rPr>
+              <a:t> </a:t>
+            </a:r>
+            <a:r>
+              <a:rPr lang="en-US" altLang="ko-KR" dirty="0" err="1">
+                <a:solidFill>
+                  <a:srgbClr val="24292E"/>
+                </a:solidFill>
+                <a:latin typeface="SFMono-Regular"/>
+              </a:rPr>
+              <a:t>is_chief</a:t>
+            </a:r>
+            <a:r>
+              <a:rPr lang="en-US" altLang="ko-KR" dirty="0">
+                <a:solidFill>
+                  <a:srgbClr val="24292E"/>
+                </a:solidFill>
+                <a:latin typeface="SFMono-Regular"/>
+              </a:rPr>
+              <a:t> </a:t>
+            </a:r>
+            <a:r>
+              <a:rPr lang="en-US" altLang="ko-KR" dirty="0">
+                <a:solidFill>
+                  <a:srgbClr val="D73A49"/>
+                </a:solidFill>
+                <a:latin typeface="SFMono-Regular"/>
+              </a:rPr>
+              <a:t>and</a:t>
+            </a:r>
+            <a:r>
+              <a:rPr lang="en-US" altLang="ko-KR" dirty="0">
+                <a:solidFill>
+                  <a:srgbClr val="24292E"/>
+                </a:solidFill>
+                <a:latin typeface="SFMono-Regular"/>
+              </a:rPr>
+              <a:t> </a:t>
+            </a:r>
+            <a:r>
+              <a:rPr lang="en-US" altLang="ko-KR" dirty="0" err="1">
+                <a:solidFill>
+                  <a:srgbClr val="24292E"/>
+                </a:solidFill>
+                <a:latin typeface="SFMono-Regular"/>
+              </a:rPr>
+              <a:t>global_step_val</a:t>
+            </a:r>
+            <a:r>
+              <a:rPr lang="en-US" altLang="ko-KR" dirty="0">
+                <a:solidFill>
+                  <a:srgbClr val="24292E"/>
+                </a:solidFill>
+                <a:latin typeface="SFMono-Regular"/>
+              </a:rPr>
+              <a:t> </a:t>
+            </a:r>
+            <a:r>
+              <a:rPr lang="en-US" altLang="ko-KR" dirty="0">
+                <a:solidFill>
+                  <a:srgbClr val="D73A49"/>
+                </a:solidFill>
+                <a:latin typeface="SFMono-Regular"/>
+              </a:rPr>
+              <a:t>&gt;=</a:t>
+            </a:r>
+            <a:r>
+              <a:rPr lang="en-US" altLang="ko-KR" dirty="0">
+                <a:solidFill>
+                  <a:srgbClr val="24292E"/>
+                </a:solidFill>
+                <a:latin typeface="SFMono-Regular"/>
+              </a:rPr>
+              <a:t> </a:t>
+            </a:r>
+            <a:r>
+              <a:rPr lang="en-US" altLang="ko-KR" dirty="0" err="1">
+                <a:solidFill>
+                  <a:srgbClr val="005CC5"/>
+                </a:solidFill>
+                <a:latin typeface="SFMono-Regular"/>
+              </a:rPr>
+              <a:t>FLAGS</a:t>
+            </a:r>
+            <a:r>
+              <a:rPr lang="en-US" altLang="ko-KR" dirty="0" err="1">
+                <a:solidFill>
+                  <a:srgbClr val="24292E"/>
+                </a:solidFill>
+                <a:latin typeface="SFMono-Regular"/>
+              </a:rPr>
+              <a:t>.max_steps</a:t>
+            </a:r>
+            <a:r>
+              <a:rPr lang="en-US" altLang="ko-KR" dirty="0">
+                <a:solidFill>
+                  <a:srgbClr val="24292E"/>
+                </a:solidFill>
+                <a:latin typeface="SFMono-Regular"/>
+              </a:rPr>
+              <a:t>:</a:t>
+            </a:r>
+          </a:p>
+          <a:p>
+            <a:r>
+              <a:rPr lang="ko-KR" altLang="en-US" dirty="0">
+                <a:solidFill>
+                  <a:srgbClr val="24292E"/>
+                </a:solidFill>
+                <a:latin typeface="SFMono-Regular"/>
+              </a:rPr>
+              <a:t>마지막 값을 저장한다</a:t>
+            </a:r>
+            <a:r>
+              <a:rPr lang="en-US" altLang="ko-KR">
+                <a:solidFill>
+                  <a:srgbClr val="24292E"/>
+                </a:solidFill>
+                <a:latin typeface="SFMono-Regular"/>
+              </a:rPr>
+              <a:t>.</a:t>
+            </a:r>
+            <a:endParaRPr lang="ko-KR" altLang="en-US" dirty="0"/>
+          </a:p>
+        </p:txBody>
+      </p:sp>
+    </p:spTree>
+    <p:extLst>
+      <p:ext uri="{BB962C8B-B14F-4D97-AF65-F5344CB8AC3E}">
+        <p14:creationId xmlns:p14="http://schemas.microsoft.com/office/powerpoint/2010/main" val="1265590928"/>
+      </p:ext>
+    </p:extLst>
+  </p:cSld>
+  <p:clrMapOvr>
+    <a:masterClrMapping/>
+  </p:clrMapOvr>
+</p:sld>
+</file>
+
 <file path=ppt/slides/slide3.xml><?xml version="1.0" encoding="utf-8"?>
 <p:sld xmlns:a="http://schemas.openxmlformats.org/drawingml/2006/main" xmlns:r="http://schemas.openxmlformats.org/officeDocument/2006/relationships" xmlns:p="http://schemas.openxmlformats.org/presentationml/2006/main">
   <p:cSld>
@@ -7151,7 +12268,7 @@
         </p:blipFill>
         <p:spPr>
           <a:xfrm>
-            <a:off x="2254562" y="2506703"/>
+            <a:off x="1217503" y="3060700"/>
             <a:ext cx="9829800" cy="3797300"/>
           </a:xfrm>
           <a:prstGeom prst="rect">
@@ -7174,7 +12291,7 @@
         <p:spPr>
           <a:xfrm>
             <a:off x="211016" y="1029375"/>
-            <a:ext cx="6096000" cy="2308324"/>
+            <a:ext cx="6096000" cy="2031325"/>
           </a:xfrm>
           <a:prstGeom prst="rect">
             <a:avLst/>
@@ -7191,21 +12308,7 @@
                 <a:effectLst/>
                 <a:latin typeface="medium-content-serif-font"/>
               </a:rPr>
-              <a:t>실험에 따르면 깊은 학습 모델은 매우 </a:t>
-            </a:r>
-            <a:r>
-              <a:rPr lang="en-US" altLang="ko-KR" b="0" i="0" dirty="0">
-                <a:effectLst/>
-                <a:latin typeface="medium-content-serif-font"/>
-              </a:rPr>
-              <a:t>perturbations</a:t>
-            </a:r>
-            <a:r>
-              <a:rPr lang="ko-KR" altLang="en-US" b="0" i="0" dirty="0">
-                <a:effectLst/>
-                <a:latin typeface="medium-content-serif-font"/>
-              </a:rPr>
-              <a:t>에 취약합니다</a:t>
+              <a:t>실험에 따르면 깊은 학습 모델은 매우 작은 섭동에 취약합니다</a:t>
             </a:r>
             <a:r>
               <a:rPr lang="en-US" altLang="ko-KR" b="0" i="0" dirty="0">
@@ -7299,11 +12402,12 @@
               <a:t>Deep Learning Adversarial Examples - </a:t>
             </a:r>
             <a:r>
-              <a:rPr lang="en-US" altLang="ko-KR" dirty="0"/>
-              <a:t>Clarifying Misconceptions</a:t>
-            </a:r>
-          </a:p>
-          <a:p>
+              <a:rPr lang="ko-KR" altLang="en-US" b="0" i="1" dirty="0">
+                <a:effectLst/>
+                <a:latin typeface="medium-content-serif-font"/>
+              </a:rPr>
+              <a:t>명확한 오해</a:t>
+            </a:r>
             <a:r>
               <a:rPr lang="en-US" altLang="ko-KR" b="0" i="1" dirty="0">
                 <a:effectLst/>
@@ -7547,46 +12651,6 @@
                 <a:latin typeface="medium-content-sans-serif-font"/>
               </a:rPr>
               <a:t>배경</a:t>
-            </a:r>
-          </a:p>
-        </p:txBody>
-      </p:sp>
-      <p:sp>
-        <p:nvSpPr>
-          <p:cNvPr id="2" name="직사각형 1">
-            <a:extLst>
-              <a:ext uri="{FF2B5EF4-FFF2-40B4-BE49-F238E27FC236}">
-                <a16:creationId xmlns:a16="http://schemas.microsoft.com/office/drawing/2014/main" id="{C468522D-CAD4-0D42-9F0E-004043DAD9B9}"/>
-              </a:ext>
-            </a:extLst>
-          </p:cNvPr>
-          <p:cNvSpPr/>
-          <p:nvPr/>
-        </p:nvSpPr>
-        <p:spPr>
-          <a:xfrm>
-            <a:off x="211015" y="6211669"/>
-            <a:ext cx="11496075" cy="369332"/>
-          </a:xfrm>
-          <a:prstGeom prst="rect">
-            <a:avLst/>
-          </a:prstGeom>
-        </p:spPr>
-        <p:txBody>
-          <a:bodyPr wrap="square">
-            <a:spAutoFit/>
-          </a:bodyPr>
-          <a:lstStyle/>
-          <a:p>
-            <a:r>
-              <a:rPr lang="ko-KR" altLang="en-US" dirty="0">
-                <a:hlinkClick r:id="rId3"/>
-              </a:rPr>
-              <a:t>https://www.kdnuggets.com/2015/07/deep-learning-adversarial-examples-misconceptions.html</a:t>
-            </a:r>
-            <a:r>
-              <a:rPr lang="ko-KR" altLang="en-US" dirty="0"/>
-              <a:t> </a:t>
             </a:r>
           </a:p>
         </p:txBody>
@@ -7966,24 +13030,11 @@
           <a:lstStyle/>
           <a:p>
             <a:r>
-              <a:rPr lang="en-US" altLang="ko-KR" dirty="0">
-                <a:latin typeface="medium-content-serif-font"/>
-              </a:rPr>
-              <a:t>Adversarial </a:t>
-            </a:r>
-            <a:r>
-              <a:rPr lang="en-US" altLang="ko-KR" b="0" i="0" dirty="0">
-                <a:effectLst/>
-                <a:latin typeface="medium-content-serif-font"/>
-              </a:rPr>
-              <a:t>training</a:t>
-            </a:r>
-            <a:r>
-              <a:rPr lang="ko-KR" altLang="en-US" b="0" i="0" dirty="0">
-                <a:effectLst/>
-                <a:latin typeface="medium-content-serif-font"/>
-              </a:rPr>
-              <a:t>을 구현하기 위해 단어 </a:t>
+              <a:rPr lang="ko-KR" altLang="en-US" b="0" i="0" dirty="0">
+                <a:effectLst/>
+                <a:latin typeface="medium-content-serif-font"/>
+              </a:rPr>
+              <a:t>적대적인 훈련과 가상적인 적대 훈련을 구현하기 위해 단어 </a:t>
             </a:r>
             <a:r>
               <a:rPr lang="en-US" altLang="ko-KR" b="0" i="0" dirty="0">
@@ -7997,21 +13048,7 @@
                 <a:effectLst/>
                 <a:latin typeface="medium-content-serif-font"/>
               </a:rPr>
-              <a:t>에 </a:t>
-            </a:r>
-            <a:r>
-              <a:rPr lang="en-US" altLang="ko-KR" b="0" i="0" dirty="0">
-                <a:effectLst/>
-                <a:latin typeface="medium-content-serif-font"/>
-              </a:rPr>
-              <a:t>perturbations</a:t>
-            </a:r>
-            <a:r>
-              <a:rPr lang="ko-KR" altLang="en-US" b="0" i="0" dirty="0">
-                <a:effectLst/>
-                <a:latin typeface="medium-content-serif-font"/>
-              </a:rPr>
-              <a:t>이 추가됩니다</a:t>
+              <a:t>에 섭동이 추가됩니다</a:t>
             </a:r>
             <a:r>
               <a:rPr lang="en-US" altLang="ko-KR" b="0" i="0" dirty="0">
@@ -8025,21 +13062,7 @@
                 <a:effectLst/>
                 <a:latin typeface="medium-content-serif-font"/>
               </a:rPr>
-              <a:t>그러나 그 전에 한 가지주의해야 할 것은 </a:t>
-            </a:r>
-            <a:r>
-              <a:rPr lang="en-US" altLang="ko-KR" b="0" i="0" dirty="0">
-                <a:effectLst/>
-                <a:latin typeface="medium-content-serif-font"/>
-              </a:rPr>
-              <a:t>perturbations</a:t>
-            </a:r>
-            <a:r>
-              <a:rPr lang="ko-KR" altLang="en-US" b="0" i="0" dirty="0">
-                <a:effectLst/>
-                <a:latin typeface="medium-content-serif-font"/>
-              </a:rPr>
-              <a:t>이 제한된 범위 이라는 것입니다</a:t>
+              <a:t>그러나 그 전에 한 가지주의해야 할 것은 섭동이 제한된 규범이라는 것입니다</a:t>
             </a:r>
             <a:r>
               <a:rPr lang="en-US" altLang="ko-KR" b="0" i="0" dirty="0">
@@ -8302,20 +13325,7 @@
                 <a:effectLst/>
                 <a:latin typeface="medium-content-serif-font"/>
               </a:rPr>
-              <a:t> 및 </a:t>
-            </a:r>
-            <a:r>
-              <a:rPr lang="en-US" altLang="ko-KR" dirty="0">
-                <a:latin typeface="medium-content-serif-font"/>
-              </a:rPr>
-              <a:t>perturbations </a:t>
-            </a:r>
-            <a:r>
-              <a:rPr lang="ko-KR" altLang="en-US" b="0" i="0" dirty="0">
-                <a:effectLst/>
-                <a:latin typeface="medium-content-serif-font"/>
-              </a:rPr>
-              <a:t>을 갖는 </a:t>
+              <a:t> 및 섭동을 갖는 </a:t>
             </a:r>
             <a:r>
               <a:rPr lang="en-US" altLang="ko-KR" b="0" i="0" dirty="0">
@@ -8430,67 +13440,11 @@
           <a:lstStyle/>
           <a:p>
             <a:r>
-              <a:rPr lang="en-US" altLang="ko-KR" b="0" i="0" dirty="0">
-                <a:effectLst/>
-                <a:latin typeface="medium-content-serif-font"/>
-              </a:rPr>
-              <a:t>baseline</a:t>
-            </a:r>
-            <a:r>
-              <a:rPr lang="ko-KR" altLang="en-US" b="0" i="0" dirty="0">
-                <a:effectLst/>
-                <a:latin typeface="medium-content-serif-font"/>
-              </a:rPr>
-              <a:t> </a:t>
-            </a:r>
-            <a:r>
-              <a:rPr lang="en-US" altLang="ko-KR" b="0" i="0" dirty="0">
-                <a:effectLst/>
-                <a:latin typeface="medium-content-serif-font"/>
-              </a:rPr>
-              <a:t>training</a:t>
-            </a:r>
-            <a:r>
-              <a:rPr lang="ko-KR" altLang="en-US" b="0" i="0" dirty="0">
-                <a:effectLst/>
-                <a:latin typeface="medium-content-serif-font"/>
-              </a:rPr>
-              <a:t>과 </a:t>
-            </a:r>
-            <a:r>
-              <a:rPr lang="en-US" altLang="ko-KR" b="0" i="0" dirty="0">
-                <a:effectLst/>
-                <a:latin typeface="medium-content-serif-font"/>
-              </a:rPr>
-              <a:t>adversarial training</a:t>
-            </a:r>
-            <a:r>
-              <a:rPr lang="ko-KR" altLang="en-US" b="0" i="0" dirty="0">
-                <a:effectLst/>
-                <a:latin typeface="medium-content-serif-font"/>
-              </a:rPr>
-              <a:t>의 차이점은 후자가 비용 함수에 </a:t>
-            </a:r>
-            <a:r>
-              <a:rPr lang="en-US" altLang="ko-KR" b="0" i="0" dirty="0">
-                <a:effectLst/>
-                <a:latin typeface="medium-content-serif-font"/>
-              </a:rPr>
-              <a:t>r </a:t>
-            </a:r>
-            <a:r>
-              <a:rPr lang="ko-KR" altLang="en-US" b="0" i="0" dirty="0" err="1">
-                <a:effectLst/>
-                <a:latin typeface="medium-content-serif-font"/>
-              </a:rPr>
-              <a:t>를</a:t>
-            </a:r>
-            <a:r>
-              <a:rPr lang="ko-KR" altLang="en-US" b="0" i="0" dirty="0">
-                <a:effectLst/>
-                <a:latin typeface="medium-content-serif-font"/>
-              </a:rPr>
-              <a:t> 추가한다는 것입니다</a:t>
+              <a:rPr lang="ko-KR" altLang="en-US" b="0" i="0" dirty="0">
+                <a:effectLst/>
+                <a:latin typeface="medium-content-serif-font"/>
+              </a:rPr>
+              <a:t>정규 훈련과 적대 훈련의 차이점은 후자가 비용 함수에 추가 용어를 추가한다는 것입니다</a:t>
             </a:r>
             <a:r>
               <a:rPr lang="en-US" altLang="ko-KR" b="0" i="0" dirty="0">
@@ -8579,14 +13533,14 @@
                 <a:effectLst/>
                 <a:latin typeface="medium-content-serif-font"/>
               </a:rPr>
-              <a:t>은 </a:t>
-            </a:r>
-            <a:r>
-              <a:rPr lang="en-US" altLang="ko-KR" b="0" i="0" dirty="0">
-                <a:effectLst/>
-                <a:latin typeface="medium-content-serif-font"/>
-              </a:rPr>
-              <a:t>perturbation</a:t>
+              <a:t>은 섭동 </a:t>
+            </a:r>
+            <a:r>
+              <a:rPr lang="en-US" altLang="ko-KR" b="0" i="0" dirty="0">
+                <a:effectLst/>
+                <a:latin typeface="medium-content-serif-font"/>
+              </a:rPr>
+              <a:t>(perturbation)</a:t>
             </a:r>
             <a:r>
               <a:rPr lang="ko-KR" altLang="en-US" b="0" i="0" dirty="0" err="1">
@@ -8603,45 +13557,32 @@
               <a:t> 볼 수 있고 </a:t>
             </a:r>
             <a:r>
-              <a:rPr lang="en-US" altLang="ko-KR" dirty="0">
-                <a:latin typeface="medium-content-serif-font"/>
-              </a:rPr>
-              <a:t>Epsilon</a:t>
-            </a:r>
-            <a:r>
-              <a:rPr lang="ko-KR" altLang="en-US" b="0" i="0" dirty="0">
-                <a:effectLst/>
-                <a:latin typeface="medium-content-serif-font"/>
-              </a:rPr>
-              <a:t>은 섭</a:t>
-            </a:r>
-            <a:r>
-              <a:rPr lang="en-US" altLang="ko-KR" b="0" i="0" dirty="0">
-                <a:effectLst/>
-                <a:latin typeface="medium-content-serif-font"/>
-              </a:rPr>
-              <a:t>perturbation</a:t>
-            </a:r>
-            <a:r>
-              <a:rPr lang="ko-KR" altLang="en-US" b="0" i="0" dirty="0">
-                <a:effectLst/>
-                <a:latin typeface="medium-content-serif-font"/>
-              </a:rPr>
-              <a:t>의 크기를 제한하는 </a:t>
-            </a:r>
-            <a:r>
               <a:rPr lang="ko-KR" altLang="en-US" b="0" i="0" dirty="0" err="1">
                 <a:effectLst/>
                 <a:latin typeface="medium-content-serif-font"/>
               </a:rPr>
-              <a:t>하이퍼</a:t>
-            </a:r>
-            <a:r>
-              <a:rPr lang="ko-KR" altLang="en-US" b="0" i="0" dirty="0">
-                <a:effectLst/>
-                <a:latin typeface="medium-content-serif-font"/>
-              </a:rPr>
-              <a:t> </a:t>
+              <a:t>엡실론은</a:t>
+            </a:r>
+            <a:r>
+              <a:rPr lang="ko-KR" altLang="en-US" b="0" i="0" dirty="0">
+                <a:effectLst/>
+                <a:latin typeface="medium-content-serif-font"/>
+              </a:rPr>
+              <a:t> 섭동 </a:t>
+            </a:r>
+            <a:r>
+              <a:rPr lang="en-US" altLang="ko-KR" b="0" i="0" dirty="0">
+                <a:effectLst/>
+                <a:latin typeface="medium-content-serif-font"/>
+              </a:rPr>
+              <a:t>(perturbation)</a:t>
+            </a:r>
+            <a:r>
+              <a:rPr lang="ko-KR" altLang="en-US" b="0" i="0" dirty="0">
+                <a:effectLst/>
+                <a:latin typeface="medium-content-serif-font"/>
+              </a:rPr>
+              <a:t>의 크기를 제한하는 하이 퍼 </a:t>
             </a:r>
             <a:r>
               <a:rPr lang="ko-KR" altLang="en-US" b="0" i="0" dirty="0" err="1">
@@ -8817,20 +13758,7 @@
                 <a:effectLst/>
                 <a:latin typeface="medium-content-serif-font"/>
               </a:rPr>
-              <a:t>저자는 역 전파 알고리즘을 사용하여 </a:t>
-            </a:r>
-            <a:r>
-              <a:rPr lang="en-US" altLang="ko-KR" dirty="0">
-                <a:latin typeface="medium-content-serif-font"/>
-              </a:rPr>
-              <a:t>perturbation</a:t>
-            </a:r>
-            <a:r>
-              <a:rPr lang="ko-KR" altLang="en-US" b="0" i="0" dirty="0">
-                <a:effectLst/>
-                <a:latin typeface="medium-content-serif-font"/>
-              </a:rPr>
-              <a:t> </a:t>
+              <a:t>저자는 역 전파 알고리즘을 사용하여 섭동 </a:t>
             </a:r>
             <a:r>
               <a:rPr lang="en-US" altLang="ko-KR" b="0" i="0" dirty="0">
@@ -8902,7 +13830,7 @@
         <p:spPr>
           <a:xfrm>
             <a:off x="108826" y="1196536"/>
-            <a:ext cx="2106282" cy="369332"/>
+            <a:ext cx="1391728" cy="369332"/>
           </a:xfrm>
           <a:prstGeom prst="rect">
             <a:avLst/>
@@ -8915,30 +13843,12 @@
           <a:lstStyle/>
           <a:p>
             <a:r>
-              <a:rPr lang="en-US" altLang="ko-KR" b="1" i="0" dirty="0">
+              <a:rPr lang="ko-KR" altLang="en-US" b="1" i="0" dirty="0">
                 <a:effectLst/>
                 <a:latin typeface="medium-content-sans-serif-font"/>
               </a:rPr>
-              <a:t>Adversarial </a:t>
-            </a:r>
-            <a:r>
-              <a:rPr lang="ko-KR" altLang="en-US" b="1" i="0" dirty="0">
-                <a:effectLst/>
-                <a:latin typeface="medium-content-sans-serif-font"/>
-              </a:rPr>
-              <a:t> </a:t>
-            </a:r>
-            <a:r>
-              <a:rPr lang="en-US" altLang="ko-KR" b="1" i="0" dirty="0">
-                <a:effectLst/>
-                <a:latin typeface="medium-content-sans-serif-font"/>
-              </a:rPr>
-              <a:t>training</a:t>
-            </a:r>
-            <a:endParaRPr lang="ko-KR" altLang="en-US" b="1" i="0" dirty="0">
-              <a:effectLst/>
-              <a:latin typeface="medium-content-sans-serif-font"/>
-            </a:endParaRPr>
+              <a:t>적대적 훈련</a:t>
+            </a:r>
           </a:p>
         </p:txBody>
       </p:sp>
@@ -9000,18 +13910,11 @@
           <a:lstStyle/>
           <a:p>
             <a:r>
-              <a:rPr lang="en-US" altLang="ko-KR" b="0" i="0" dirty="0">
-                <a:effectLst/>
-                <a:latin typeface="medium-content-serif-font"/>
-              </a:rPr>
-              <a:t>Virtual Adversarial Training</a:t>
-            </a:r>
-            <a:r>
-              <a:rPr lang="ko-KR" altLang="en-US" b="0" i="0" dirty="0">
-                <a:effectLst/>
-                <a:latin typeface="medium-content-serif-font"/>
-              </a:rPr>
-              <a:t>의 비용 함수는 라벨 </a:t>
+              <a:rPr lang="ko-KR" altLang="en-US" b="0" i="0" dirty="0">
+                <a:effectLst/>
+                <a:latin typeface="medium-content-serif-font"/>
+              </a:rPr>
+              <a:t>가상 적대 훈련의 비용 함수는 라벨 </a:t>
             </a:r>
             <a:r>
               <a:rPr lang="en-US" altLang="ko-KR" b="0" i="0" dirty="0">
@@ -9032,7 +13935,7 @@
                 <a:effectLst/>
                 <a:latin typeface="medium-content-serif-font"/>
               </a:rPr>
-              <a:t> 요구하지 않기 때문에 특이하다</a:t>
+              <a:t> 요구하지 않기 때문에 특유하다</a:t>
             </a:r>
             <a:r>
               <a:rPr lang="en-US" altLang="ko-KR" b="0" i="0" dirty="0">
@@ -9046,27 +13949,7 @@
                 <a:effectLst/>
                 <a:latin typeface="medium-content-serif-font"/>
               </a:rPr>
-              <a:t>그것이 </a:t>
-            </a:r>
-            <a:r>
-              <a:rPr lang="en-US" altLang="ko-KR" b="0" i="0" dirty="0">
-                <a:effectLst/>
-                <a:latin typeface="medium-content-serif-font"/>
-              </a:rPr>
-              <a:t>semi</a:t>
-            </a:r>
-            <a:r>
-              <a:rPr lang="en-US" altLang="ko-KR" dirty="0">
-                <a:latin typeface="medium-content-serif-font"/>
-              </a:rPr>
-              <a:t>-supervisor</a:t>
-            </a:r>
-            <a:r>
-              <a:rPr lang="ko-KR" altLang="en-US" b="0" i="0" dirty="0">
-                <a:effectLst/>
-                <a:latin typeface="medium-content-serif-font"/>
-              </a:rPr>
-              <a:t>또는 </a:t>
+              <a:t>그것이 세미 감독 또는 </a:t>
             </a:r>
             <a:r>
               <a:rPr lang="ko-KR" altLang="en-US" b="0" i="0" dirty="0" err="1">
@@ -9275,7 +14158,7 @@
         <p:spPr>
           <a:xfrm>
             <a:off x="182178" y="547190"/>
-            <a:ext cx="2753895" cy="369332"/>
+            <a:ext cx="1675459" cy="369332"/>
           </a:xfrm>
           <a:prstGeom prst="rect">
             <a:avLst/>
@@ -9288,16 +14171,12 @@
           <a:lstStyle/>
           <a:p>
             <a:r>
-              <a:rPr lang="en-US" altLang="ko-KR" b="1" i="0" dirty="0">
+              <a:rPr lang="ko-KR" altLang="en-US" b="1" i="0" dirty="0">
                 <a:effectLst/>
                 <a:latin typeface="medium-content-sans-serif-font"/>
               </a:rPr>
-              <a:t>Virtual Adversarial training</a:t>
-            </a:r>
-            <a:endParaRPr lang="ko-KR" altLang="en-US" b="1" i="0" dirty="0">
-              <a:effectLst/>
-              <a:latin typeface="medium-content-sans-serif-font"/>
-            </a:endParaRPr>
+              <a:t>가상 적자 훈련</a:t>
+            </a:r>
           </a:p>
         </p:txBody>
       </p:sp>
@@ -9936,4 +14815,299 @@
     </a:ext>
   </a:extLst>
 </a:theme>
+</file>
+
+<file path=ppt/theme/theme2.xml><?xml version="1.0" encoding="utf-8"?>
+<a:theme xmlns:a="http://schemas.openxmlformats.org/drawingml/2006/main" name="Office 테마">
+  <a:themeElements>
+    <a:clrScheme name="Office">
+      <a:dk1>
+        <a:sysClr val="windowText" lastClr="000000"/>
+      </a:dk1>
+      <a:lt1>
+        <a:sysClr val="window" lastClr="FFFFFF"/>
+      </a:lt1>
+      <a:dk2>
+        <a:srgbClr val="44546A"/>
+      </a:dk2>
+      <a:lt2>
+        <a:srgbClr val="E7E6E6"/>
+      </a:lt2>
+      <a:accent1>
+        <a:srgbClr val="4472C4"/>
+      </a:accent1>
+      <a:accent2>
+        <a:srgbClr val="ED7D31"/>
+      </a:accent2>
+      <a:accent3>
+        <a:srgbClr val="A5A5A5"/>
+      </a:accent3>
+      <a:accent4>
+        <a:srgbClr val="FFC000"/>
+      </a:accent4>
+      <a:accent5>
+        <a:srgbClr val="5B9BD5"/>
+      </a:accent5>
+      <a:accent6>
+        <a:srgbClr val="70AD47"/>
+      </a:accent6>
+      <a:hlink>
+        <a:srgbClr val="0563C1"/>
+      </a:hlink>
+      <a:folHlink>
+        <a:srgbClr val="954F72"/>
+      </a:folHlink>
+    </a:clrScheme>
+    <a:fontScheme name="Office">
+      <a:majorFont>
+        <a:latin typeface="맑은 고딕" panose="020F0302020204030204"/>
+        <a:ea typeface=""/>
+        <a:cs typeface=""/>
+        <a:font script="Jpan" typeface="游ゴシック Light"/>
+        <a:font script="Hang" typeface="맑은 고딕"/>
+        <a:font script="Hans" typeface="等线 Light"/>
+        <a:font script="Hant" typeface="新細明體"/>
+        <a:font script="Arab" typeface="Times New Roman"/>
+        <a:font script="Hebr" typeface="Times New Roman"/>
+        <a:font script="Thai" typeface="Angsana New"/>
+        <a:font script="Ethi" typeface="Nyala"/>
+        <a:font script="Beng" typeface="Vrinda"/>
+        <a:font script="Gujr" typeface="Shruti"/>
+        <a:font script="Khmr" typeface="MoolBoran"/>
+        <a:font script="Knda" typeface="Tunga"/>
+        <a:font script="Guru" typeface="Raavi"/>
+        <a:font script="Cans" typeface="Euphemia"/>
+        <a:font script="Cher" typeface="Plantagenet Cherokee"/>
+        <a:font script="Yiii" typeface="Microsoft Yi Baiti"/>
+        <a:font script="Tibt" typeface="Microsoft Himalaya"/>
+        <a:font script="Thaa" typeface="MV Boli"/>
+        <a:font script="Deva" typeface="Mangal"/>
+        <a:font script="Telu" typeface="Gautami"/>
+        <a:font script="Taml" typeface="Latha"/>
+        <a:font script="Syrc" typeface="Estrangelo Edessa"/>
+        <a:font script="Orya" typeface="Kalinga"/>
+        <a:font script="Mlym" typeface="Kartika"/>
+        <a:font script="Laoo" typeface="DokChampa"/>
+        <a:font script="Sinh" typeface="Iskoola Pota"/>
+        <a:font script="Mong" typeface="Mongolian Baiti"/>
+        <a:font script="Viet" typeface="Times New Roman"/>
+        <a:font script="Uigh" typeface="Microsoft Uighur"/>
+        <a:font script="Geor" typeface="Sylfaen"/>
+        <a:font script="Armn" typeface="Arial"/>
+        <a:font script="Bugi" typeface="Leelawadee UI"/>
+        <a:font script="Bopo" typeface="Microsoft JhengHei"/>
+        <a:font script="Java" typeface="Javanese Text"/>
+        <a:font script="Lisu" typeface="Segoe UI"/>
+        <a:font script="Mymr" typeface="Myanmar Text"/>
+        <a:font script="Nkoo" typeface="Ebrima"/>
+        <a:font script="Olck" typeface="Nirmala UI"/>
+        <a:font script="Osma" typeface="Ebrima"/>
+        <a:font script="Phag" typeface="Phagspa"/>
+        <a:font script="Syrn" typeface="Estrangelo Edessa"/>
+        <a:font script="Syrj" typeface="Estrangelo Edessa"/>
+        <a:font script="Syre" typeface="Estrangelo Edessa"/>
+        <a:font script="Sora" typeface="Nirmala UI"/>
+        <a:font script="Tale" typeface="Microsoft Tai Le"/>
+        <a:font script="Talu" typeface="Microsoft New Tai Lue"/>
+        <a:font script="Tfng" typeface="Ebrima"/>
+      </a:majorFont>
+      <a:minorFont>
+        <a:latin typeface="맑은 고딕" panose="020F0502020204030204"/>
+        <a:ea typeface=""/>
+        <a:cs typeface=""/>
+        <a:font script="Jpan" typeface="游ゴシック"/>
+        <a:font script="Hang" typeface="맑은 고딕"/>
+        <a:font script="Hans" typeface="等线"/>
+        <a:font script="Hant" typeface="新細明體"/>
+        <a:font script="Arab" typeface="Arial"/>
+        <a:font script="Hebr" typeface="Arial"/>
+        <a:font script="Thai" typeface="Cordia New"/>
+        <a:font script="Ethi" typeface="Nyala"/>
+        <a:font script="Beng" typeface="Vrinda"/>
+        <a:font script="Gujr" typeface="Shruti"/>
+        <a:font script="Khmr" typeface="DaunPenh"/>
+        <a:font script="Knda" typeface="Tunga"/>
+        <a:font script="Guru" typeface="Raavi"/>
+        <a:font script="Cans" typeface="Euphemia"/>
+        <a:font script="Cher" typeface="Plantagenet Cherokee"/>
+        <a:font script="Yiii" typeface="Microsoft Yi Baiti"/>
+        <a:font script="Tibt" typeface="Microsoft Himalaya"/>
+        <a:font script="Thaa" typeface="MV Boli"/>
+        <a:font script="Deva" typeface="Mangal"/>
+        <a:font script="Telu" typeface="Gautami"/>
+        <a:font script="Taml" typeface="Latha"/>
+        <a:font script="Syrc" typeface="Estrangelo Edessa"/>
+        <a:font script="Orya" typeface="Kalinga"/>
+        <a:font script="Mlym" typeface="Kartika"/>
+        <a:font script="Laoo" typeface="DokChampa"/>
+        <a:font script="Sinh" typeface="Iskoola Pota"/>
+        <a:font script="Mong" typeface="Mongolian Baiti"/>
+        <a:font script="Viet" typeface="Arial"/>
+        <a:font script="Uigh" typeface="Microsoft Uighur"/>
+        <a:font script="Geor" typeface="Sylfaen"/>
+        <a:font script="Armn" typeface="Arial"/>
+        <a:font script="Bugi" typeface="Leelawadee UI"/>
+        <a:font script="Bopo" typeface="Microsoft JhengHei"/>
+        <a:font script="Java" typeface="Javanese Text"/>
+        <a:font script="Lisu" typeface="Segoe UI"/>
+        <a:font script="Mymr" typeface="Myanmar Text"/>
+        <a:font script="Nkoo" typeface="Ebrima"/>
+        <a:font script="Olck" typeface="Nirmala UI"/>
+        <a:font script="Osma" typeface="Ebrima"/>
+        <a:font script="Phag" typeface="Phagspa"/>
+        <a:font script="Syrn" typeface="Estrangelo Edessa"/>
+        <a:font script="Syrj" typeface="Estrangelo Edessa"/>
+        <a:font script="Syre" typeface="Estrangelo Edessa"/>
+        <a:font script="Sora" typeface="Nirmala UI"/>
+        <a:font script="Tale" typeface="Microsoft Tai Le"/>
+        <a:font script="Talu" typeface="Microsoft New Tai Lue"/>
+        <a:font script="Tfng" typeface="Ebrima"/>
+      </a:minorFont>
+    </a:fontScheme>
+    <a:fmtScheme name="Office">
+      <a:fillStyleLst>
+        <a:solidFill>
+          <a:schemeClr val="phClr"/>
+        </a:solidFill>
+        <a:gradFill rotWithShape="1">
+          <a:gsLst>
+            <a:gs pos="0">
+              <a:schemeClr val="phClr">
+                <a:lumMod val="110000"/>
+                <a:satMod val="105000"/>
+                <a:tint val="67000"/>
+              </a:schemeClr>
+            </a:gs>
+            <a:gs pos="50000">
+              <a:schemeClr val="phClr">
+                <a:lumMod val="105000"/>
+                <a:satMod val="103000"/>
+                <a:tint val="73000"/>
+              </a:schemeClr>
+            </a:gs>
+            <a:gs pos="100000">
+              <a:schemeClr val="phClr">
+                <a:lumMod val="105000"/>
+                <a:satMod val="109000"/>
+                <a:tint val="81000"/>
+              </a:schemeClr>
+            </a:gs>
+          </a:gsLst>
+          <a:lin ang="5400000" scaled="0"/>
+        </a:gradFill>
+        <a:gradFill rotWithShape="1">
+          <a:gsLst>
+            <a:gs pos="0">
+              <a:schemeClr val="phClr">
+                <a:satMod val="103000"/>
+                <a:lumMod val="102000"/>
+                <a:tint val="94000"/>
+              </a:schemeClr>
+            </a:gs>
+            <a:gs pos="50000">
+              <a:schemeClr val="phClr">
+                <a:satMod val="110000"/>
+                <a:lumMod val="100000"/>
+                <a:shade val="100000"/>
+              </a:schemeClr>
+            </a:gs>
+            <a:gs pos="100000">
+              <a:schemeClr val="phClr">
+                <a:lumMod val="99000"/>
+                <a:satMod val="120000"/>
+                <a:shade val="78000"/>
+              </a:schemeClr>
+            </a:gs>
+          </a:gsLst>
+          <a:lin ang="5400000" scaled="0"/>
+        </a:gradFill>
+      </a:fillStyleLst>
+      <a:lnStyleLst>
+        <a:ln w="6350" cap="flat" cmpd="sng" algn="ctr">
+          <a:solidFill>
+            <a:schemeClr val="phClr"/>
+          </a:solidFill>
+          <a:prstDash val="solid"/>
+          <a:miter lim="800000"/>
+        </a:ln>
+        <a:ln w="12700" cap="flat" cmpd="sng" algn="ctr">
+          <a:solidFill>
+            <a:schemeClr val="phClr"/>
+          </a:solidFill>
+          <a:prstDash val="solid"/>
+          <a:miter lim="800000"/>
+        </a:ln>
+        <a:ln w="19050" cap="flat" cmpd="sng" algn="ctr">
+          <a:solidFill>
+            <a:schemeClr val="phClr"/>
+          </a:solidFill>
+          <a:prstDash val="solid"/>
+          <a:miter lim="800000"/>
+        </a:ln>
+      </a:lnStyleLst>
+      <a:effectStyleLst>
+        <a:effectStyle>
+          <a:effectLst/>
+        </a:effectStyle>
+        <a:effectStyle>
+          <a:effectLst/>
+        </a:effectStyle>
+        <a:effectStyle>
+          <a:effectLst>
+            <a:outerShdw blurRad="57150" dist="19050" dir="5400000" algn="ctr" rotWithShape="0">
+              <a:srgbClr val="000000">
+                <a:alpha val="63000"/>
+              </a:srgbClr>
+            </a:outerShdw>
+          </a:effectLst>
+        </a:effectStyle>
+      </a:effectStyleLst>
+      <a:bgFillStyleLst>
+        <a:solidFill>
+          <a:schemeClr val="phClr"/>
+        </a:solidFill>
+        <a:solidFill>
+          <a:schemeClr val="phClr">
+            <a:tint val="95000"/>
+            <a:satMod val="170000"/>
+          </a:schemeClr>
+        </a:solidFill>
+        <a:gradFill rotWithShape="1">
+          <a:gsLst>
+            <a:gs pos="0">
+              <a:schemeClr val="phClr">
+                <a:tint val="93000"/>
+                <a:satMod val="150000"/>
+                <a:shade val="98000"/>
+                <a:lumMod val="102000"/>
+              </a:schemeClr>
+            </a:gs>
+            <a:gs pos="50000">
+              <a:schemeClr val="phClr">
+                <a:tint val="98000"/>
+                <a:satMod val="130000"/>
+                <a:shade val="90000"/>
+                <a:lumMod val="103000"/>
+              </a:schemeClr>
+            </a:gs>
+            <a:gs pos="100000">
+              <a:schemeClr val="phClr">
+                <a:shade val="63000"/>
+                <a:satMod val="120000"/>
+              </a:schemeClr>
+            </a:gs>
+          </a:gsLst>
+          <a:lin ang="5400000" scaled="0"/>
+        </a:gradFill>
+      </a:bgFillStyleLst>
+    </a:fmtScheme>
+  </a:themeElements>
+  <a:objectDefaults/>
+  <a:extraClrSchemeLst/>
+  <a:extLst>
+    <a:ext uri="{05A4C25C-085E-4340-85A3-A5531E510DB2}">
+      <thm15:themeFamily xmlns:thm15="http://schemas.microsoft.com/office/thememl/2012/main" name="Office Theme" id="{62F939B6-93AF-4DB8-9C6B-D6C7DFDC589F}" vid="{4A3C46E8-61CC-4603-A589-7422A47A8E4A}"/>
+    </a:ext>
+  </a:extLst>
+</a:theme>
 </file>